--- a/A05 - Visualize/A05 - Visualize.pptx
+++ b/A05 - Visualize/A05 - Visualize.pptx
@@ -5,7 +5,7 @@
     <p:sldMasterId id="2147483840" r:id="rId1"/>
   </p:sldMasterIdLst>
   <p:notesMasterIdLst>
-    <p:notesMasterId r:id="rId13"/>
+    <p:notesMasterId r:id="rId15"/>
   </p:notesMasterIdLst>
   <p:sldIdLst>
     <p:sldId id="256" r:id="rId2"/>
@@ -19,6 +19,8 @@
     <p:sldId id="313" r:id="rId10"/>
     <p:sldId id="301" r:id="rId11"/>
     <p:sldId id="293" r:id="rId12"/>
+    <p:sldId id="314" r:id="rId13"/>
+    <p:sldId id="315" r:id="rId14"/>
   </p:sldIdLst>
   <p:sldSz cx="12192000" cy="6858000"/>
   <p:notesSz cx="6858000" cy="9144000"/>
@@ -123,6 +125,1186 @@
     </p:ext>
   </p:extLst>
 </p:presentation>
+</file>
+
+<file path=ppt/ink/ink1.xml><?xml version="1.0" encoding="utf-8"?>
+<inkml:ink xmlns:inkml="http://www.w3.org/2003/InkML">
+  <inkml:definitions>
+    <inkml:context xml:id="ctx0">
+      <inkml:inkSource xml:id="inkSrc0">
+        <inkml:traceFormat>
+          <inkml:channel name="X" type="integer" min="-2.14748E9" max="2.14748E9" units="cm"/>
+          <inkml:channel name="Y" type="integer" min="-2.14748E9" max="2.14748E9" units="cm"/>
+          <inkml:channel name="F" type="integer" max="32767" units="dev"/>
+        </inkml:traceFormat>
+        <inkml:channelProperties>
+          <inkml:channelProperty channel="X" name="resolution" value="1000" units="1/cm"/>
+          <inkml:channelProperty channel="Y" name="resolution" value="1000" units="1/cm"/>
+          <inkml:channelProperty channel="F" name="resolution" value="0" units="1/dev"/>
+        </inkml:channelProperties>
+      </inkml:inkSource>
+      <inkml:timestamp xml:id="ts0" timeString="2023-07-21T22:44:34.215"/>
+    </inkml:context>
+    <inkml:brush xml:id="br0">
+      <inkml:brushProperty name="width" value="0.1" units="cm"/>
+      <inkml:brushProperty name="height" value="0.1" units="cm"/>
+      <inkml:brushProperty name="color" value="#AE198D"/>
+      <inkml:brushProperty name="inkEffects" value="galaxy"/>
+      <inkml:brushProperty name="anchorX" value="0"/>
+      <inkml:brushProperty name="anchorY" value="0"/>
+      <inkml:brushProperty name="scaleFactor" value="0.5"/>
+    </inkml:brush>
+  </inkml:definitions>
+  <inkml:trace contextRef="#ctx0" brushRef="#br0">0 196 24575,'0'0'0,"0"-4"0,0-7 0,0-4 0,0-5 0,0-2 0,0-3 0,0 0 0,0-1 0,0 0 0,0 10 0,0 11 0,0 10 0,5 9 0,1 5 0,4 10 0,-1 2 0,5 6 0,-3 0 0,-2 2 0,2 4 0,-1-3 0,-3 7 0,3 2 0,-2 6 0,4 6 0,-3 6 0,5 9 0,2 2 0,-2 2 0,2 5 0,-3-1 0,2-1 0,-3-2 0,2-3 0,-2-1 0,-4-6 0,3-1 0,-2-1 0,-3-3 0,4 0 0,3-4 0,-1 2 0,3-3 0,-3-3 0,-2 3 0,-3-3 0,2-1 0,-2-8 0,-1-1 0,-2-2 0,-1 0 0,-2 1 0,0 0 0,-1 1 0,-1 1 0,1 1 0,0 0 0,-1-1 0,1 2 0,0-2 0,0 1 0,0 5 0,0-5 0,0 0 0,0 4 0,0 0 0,0 0 0,0-1 0,0-1 0,0-1 0,0 0 0,0-6 0,0 0 0,0-5 0,0 0 0,0-4 0,-5 3 0,0 1 0,0-2 0,-4 3 0,1 1 0,1-2 0,2 2 0,1-4 0,2-3 0,1 1 0,1-2 0,0 3 0,1-2 0,-1-2 0,0-3 0,0-1 0,1-3 0,-1 5 0,0-1 0,0 0 0,0-2 0,0 5 0,0-2 0,0 5 0,0-2 0,0 4 0,0 3 0,0 3 0,0-2 0,0 1 0,0-4 0,0-3 0,0-4 0,0-2 0,0 1 0,0 0 0,0-1 0,0-2 0,0-1 0,0-1 0,0-10 0,0-11 0,0-6 0</inkml:trace>
+</inkml:ink>
+</file>
+
+<file path=ppt/ink/ink10.xml><?xml version="1.0" encoding="utf-8"?>
+<inkml:ink xmlns:inkml="http://www.w3.org/2003/InkML">
+  <inkml:definitions>
+    <inkml:context xml:id="ctx0">
+      <inkml:inkSource xml:id="inkSrc0">
+        <inkml:traceFormat>
+          <inkml:channel name="X" type="integer" min="-2.14748E9" max="2.14748E9" units="cm"/>
+          <inkml:channel name="Y" type="integer" min="-2.14748E9" max="2.14748E9" units="cm"/>
+          <inkml:channel name="F" type="integer" max="32767" units="dev"/>
+        </inkml:traceFormat>
+        <inkml:channelProperties>
+          <inkml:channelProperty channel="X" name="resolution" value="1000" units="1/cm"/>
+          <inkml:channelProperty channel="Y" name="resolution" value="1000" units="1/cm"/>
+          <inkml:channelProperty channel="F" name="resolution" value="0" units="1/dev"/>
+        </inkml:channelProperties>
+      </inkml:inkSource>
+      <inkml:timestamp xml:id="ts0" timeString="2023-07-21T22:45:34.532"/>
+    </inkml:context>
+    <inkml:brush xml:id="br0">
+      <inkml:brushProperty name="width" value="0.1" units="cm"/>
+      <inkml:brushProperty name="height" value="0.1" units="cm"/>
+      <inkml:brushProperty name="color" value="#AE198D"/>
+      <inkml:brushProperty name="inkEffects" value="galaxy"/>
+      <inkml:brushProperty name="anchorX" value="-25021.20508"/>
+      <inkml:brushProperty name="anchorY" value="-31079.19141"/>
+      <inkml:brushProperty name="scaleFactor" value="0.5"/>
+    </inkml:brush>
+  </inkml:definitions>
+  <inkml:trace contextRef="#ctx0" brushRef="#br0">0 1 24575,'0'0'0,"0"4"0,0 7 0,0 4 0,0 4 0,5 8 0,0 8 0,0 5 0,4 6 0,0-3 0,-2 2 0,-2 1 0,4-4 0,-2 1 0,4-4 0,-1 1 0,2 2 0,-1 6 0,-2 3 0,2 7 0,-2 5 0,-2 5 0,-2 3 0,-2 3 0,-1 1 0,3-4 0,0-6 0,5 1 0,-1-5 0,4-8 0,3 1 0,-2-1 0,3-1 0,-4 4 0,-3-1 0,-3 5 0,-3 4 0,-1 4 0,2 3 0,0 2 0,-1 2 0,5-5 0,-2 1 0,5-1 0,-2 1 0,-1-4 0,2 1 0,-2 1 0,-2-4 0,-1 2 0,2-4 0,-2-4 0,0-8 0,-2-2 0,-1-3 0,-2-5 0,0 0 0,-1 7 0,0 0 0,0 8 0,0 1 0,-1 0 0,6-2 0,0-6 0,0-6 0,-1-7 0,-1-5 0,4-4 0,-1 4 0,0-2 0,3 4 0,-1 10 0,-1 5 0,-2 2 0,-2 2 0,4 1 0,-1-6 0,-1-5 0,0-6 0,-3-5 0,0-3 0,-1-3 0,4-1 0,0 0 0,0 5 0,-1 10 0,-1 5 0,-2 10 0,0 3 0,0-5 0,-1-6 0,-1-6 0,1-6 0,0-5 0,0-2 0,5-3 0,0 0 0,0 0 0,-1-1 0,-1 1 0,-1 1 0,-1 4 0,-1 1 0,0 0 0,0 4 0,0 4 0,0-1 0,0 3 0,-1-2 0,1-3 0,0-3 0,0-2 0,5-3 0,0-2 0,5 0 0,0 0 0,-7-11 0,-4-14 0,1 0 0,1 0 0,-1 0 0,0 0 0,0 0 0,0 1 0,0-1 0,0 0 0,0 0 0,0 0 0,0 0 0,0 0 0,0 1 0,0-1 0,-1 0 0,1 0 0,0 0 0,0 0 0,0 0 0,0 1 0,0-1 0,0 0 0,0 0 0,0 0 0,0 0 0,0 0 0,0 0 0,-1 0 0,1 1 0,0-1 0,0 0 0,0 0 0,0 0 0,0 0 0,0 0 0,-1 0 0,1 0 0,0 0 0,0 0 0,0 0 0,0 0 0,0 0 0,-1 0 0,1 0 0,0 0 0,0 0 0,-11-6 0,-6-13 0,-4-21 0,1 0 0</inkml:trace>
+</inkml:ink>
+</file>
+
+<file path=ppt/ink/ink11.xml><?xml version="1.0" encoding="utf-8"?>
+<inkml:ink xmlns:inkml="http://www.w3.org/2003/InkML">
+  <inkml:definitions>
+    <inkml:context xml:id="ctx0">
+      <inkml:inkSource xml:id="inkSrc0">
+        <inkml:traceFormat>
+          <inkml:channel name="X" type="integer" min="-2.14748E9" max="2.14748E9" units="cm"/>
+          <inkml:channel name="Y" type="integer" min="-2.14748E9" max="2.14748E9" units="cm"/>
+          <inkml:channel name="F" type="integer" max="32767" units="dev"/>
+        </inkml:traceFormat>
+        <inkml:channelProperties>
+          <inkml:channelProperty channel="X" name="resolution" value="1000" units="1/cm"/>
+          <inkml:channelProperty channel="Y" name="resolution" value="1000" units="1/cm"/>
+          <inkml:channelProperty channel="F" name="resolution" value="0" units="1/dev"/>
+        </inkml:channelProperties>
+      </inkml:inkSource>
+      <inkml:timestamp xml:id="ts0" timeString="2023-07-21T22:45:37.855"/>
+    </inkml:context>
+    <inkml:brush xml:id="br0">
+      <inkml:brushProperty name="width" value="0.1" units="cm"/>
+      <inkml:brushProperty name="height" value="0.1" units="cm"/>
+      <inkml:brushProperty name="color" value="#AE198D"/>
+      <inkml:brushProperty name="inkEffects" value="galaxy"/>
+      <inkml:brushProperty name="anchorX" value="-26545.45117"/>
+      <inkml:brushProperty name="anchorY" value="-37191.78906"/>
+      <inkml:brushProperty name="scaleFactor" value="0.5"/>
+    </inkml:brush>
+  </inkml:definitions>
+  <inkml:trace contextRef="#ctx0" brushRef="#br0">70 501 24575,'0'0'0,"-4"5"0,-7 0 0,0 5 0,-3 0 0,2 3 0,1 3 0,4 3 0,8 3 0,1 2 0,7 0 0,6-3 0,3-6 0,9-5 0,2-4 0,2-3 0,4-2 0,4-2 0,4 0 0,3 5 0,2 1 0,1-1 0,7 0 0,-1-2 0,6 0 0,4-1 0,4 0 0,2-1 0,2 0 0,2-5 0,0-1 0,6-4 0,4 1 0,1-4 0,3 1 0,-1 3 0,2 3 0,-3 2 0,-3 1 0,-3 3 0,-7-1 0,-2 2 0,-2-1 0,-5 1 0,1-1 0,2 1 0,0-1 0,3 0 0,-3 0 0,0 0 0,1 0 0,-3 5 0,-4 0 0,1 0 0,-3-1 0,2-1 0,-3-1 0,4-1 0,-2-1 0,2 0 0,-2 0 0,2 0 0,3 0 0,3 0 0,2 0 0,-3-1 0,1 1 0,0 0 0,-2 0 0,-5 0 0,1 0 0,-4-4 0,4-2 0,1-4 0,9-4 0,7-4 0,8 1 0,5-1 0,4-2 0,8 4 0,1-2 0,0 5 0,-1-2 0,-6-2 0,-6 3 0,-8 3 0,-4-1 0,-8 2 0,-13 2 0,-7 3 0,-4 2 0,-2-4 0,0-3 0,4 0 0,2-4 0,5-2 0,5-4 0,4-2 0,4-2 0,-2-1 0,0 5 0,-3 0 0,-5 4 0,-9 5 0,-3-1 0,-7 3 0,-6 3 0,-5 1 0,-8-2 0,-3 1 0,-1-4 0,1 0 0,6-3 0,6-2 0,6-4 0,6-3 0,2 4 0,4-1 0,-5 4 0,-4 4 0,-5 3 0,-4 4 0,-4 2 0,-2 2 0,-7 5 0,-4 6 0,-7 5 0,-3 4 0,-8 3 0,-3 1 0,0 7 0,1 0 0,-4 5 0,1 4 0,1 4 0,2 2 0,2 3 0,1 6 0,1 0 0,1 6 0,0 4 0,0-1 0,1 2 0,-1 3 0,0 1 0,0 2 0,0 2 0,0-5 0,1-4 0,-2 0 0,1-4 0,0 2 0,0 2 0,0 2 0,-4 8 0,-6 3 0,-6 6 0,2 5 0,-3-1 0,3 3 0,-2 3 0,3-3 0,3 1 0,-2-8 0,3-4 0,2-9 0,-2-1 0,1-7 0,1 1 0,3 6 0,-4 3 0,1 7 0,2 6 0,0 1 0,3 3 0,0-2 0,1-7 0,1-4 0,0-7 0,1-7 0,4-6 0,0-3 0,1 1 0,-2 0 0,-1 3 0,-1 5 0,-1 4 0,-1-2 0,0 3 0,0 1 0,0-3 0,0-4 0,0-3 0,-1 1 0,1-3 0,0-1 0,0-2 0,0-2 0,0-1 0,0-1 0,0-5 0,0-1 0,0-4 0,0 0 0,-5-4 0,0-2 0,0-4 0,-4-2 0,1-2 0,-4-5 0,2-2 0,1 0 0,-2-4 0,2 1 0,-4-3 0,-2-4 0,-3-3 0,-3-2 0,-2-3 0,-6-1 0,-2 0 0,1-1 0,-5 1 0,-3-1 0,0 1 0,-2 0 0,-3 4 0,-3 1 0,-6 0 0,-1 0 0,-2-2 0,-4-1 0,0-1 0,-3-1 0,-3 0 0,-4 0 0,-3 0 0,-1 0 0,-1-1 0,-1 1 0,-5 5 0,-1 1 0,-4 4 0,0-1 0,-3 0 0,2-3 0,2-2 0,-2-2 0,2-1 0,-3 5 0,-3 3 0,2 1 0,-3 4 0,-1 3 0,2-2 0,3-3 0,4-4 0,8-2 0,3-4 0,7 0 0,4-7 0,5-6 0,9 0 0,6-3 0,2 1 0,5 2 0,-3 4 0,-2 2 0,2 8 0,-2 6 0,-3 1 0,-3 0 0,-1-3 0,2-1 0,0-8 0,-1-6 0,-1-6 0,-1 0 0,-2-4 0,0-2 0,0 3 0,-6 4 0,0 4 0,0 4 0,-4 7 0,0 7 0,2 2 0,2-1 0,7-2 0,1-2 0,2-3 0,-1-1 0,4-1 0,0-1 0,3 0 0,0-1 0,2 1 0,-1-1 0,-3 1 0,-2-5 0,-3-5 0,-2-1 0,-6-3 0,-1-4 0,-5 3 0,-5 3 0,-3 3 0,-4 4 0,-1 12 0,-7 7 0,-1 6 0,6 4 0,0 7 0,12 1 0,5-4 0,10-8 0,14-1 0,6-5 0,5-5 0,1-3 0,1-4 0,0-1 0,-1-6 0,-1-1 0,-1-5 0,-1 1 0,1-4 0,-6 2 0,0 3 0,-6 2 0,-3 8 0,-4 7 0,2 1 0,-3 5 0,4 4 0,4-2 0,4-3 0,8 1 0,2-3 0,2 2 0,-1 2 0,5 4 0,-1-4 0,4 3 0,8-4 0,9-3 0,12-4 0,12-8 0,5-7 0,6-7 0,-1 1 0,-6-4 0,-4-2 0,-7 3 0</inkml:trace>
+</inkml:ink>
+</file>
+
+<file path=ppt/ink/ink12.xml><?xml version="1.0" encoding="utf-8"?>
+<inkml:ink xmlns:inkml="http://www.w3.org/2003/InkML">
+  <inkml:definitions>
+    <inkml:context xml:id="ctx0">
+      <inkml:inkSource xml:id="inkSrc0">
+        <inkml:traceFormat>
+          <inkml:channel name="X" type="integer" min="-2.14748E9" max="2.14748E9" units="cm"/>
+          <inkml:channel name="Y" type="integer" min="-2.14748E9" max="2.14748E9" units="cm"/>
+          <inkml:channel name="F" type="integer" max="32767" units="dev"/>
+        </inkml:traceFormat>
+        <inkml:channelProperties>
+          <inkml:channelProperty channel="X" name="resolution" value="1000" units="1/cm"/>
+          <inkml:channelProperty channel="Y" name="resolution" value="1000" units="1/cm"/>
+          <inkml:channelProperty channel="F" name="resolution" value="0" units="1/dev"/>
+        </inkml:channelProperties>
+      </inkml:inkSource>
+      <inkml:timestamp xml:id="ts0" timeString="2023-07-21T22:45:40.897"/>
+    </inkml:context>
+    <inkml:brush xml:id="br0">
+      <inkml:brushProperty name="width" value="0.1" units="cm"/>
+      <inkml:brushProperty name="height" value="0.1" units="cm"/>
+      <inkml:brushProperty name="color" value="#AE198D"/>
+      <inkml:brushProperty name="inkEffects" value="galaxy"/>
+      <inkml:brushProperty name="anchorX" value="-27863.62305"/>
+      <inkml:brushProperty name="anchorY" value="-43141.40234"/>
+      <inkml:brushProperty name="scaleFactor" value="0.5"/>
+    </inkml:brush>
+  </inkml:definitions>
+  <inkml:trace contextRef="#ctx0" brushRef="#br0">95 1821 24575,'0'0'0,"0"4"0,0-3 0,0-6 0,0-6 0,5-5 0,0-5 0,0-2 0,4-2 0,-1-6 0,4 0 0,-2-5 0,-1 1 0,2 1 0,-2-2 0,-2 1 0,-2 3 0,-2 2 0,-1-3 0,-2 1 0,6 1 0,-1-3 0,4 1 0,0-3 0,4-4 0,3-3 0,-2 2 0,3-2 0,-4 3 0,2 5 0,-3 2 0,-2 4 0,1 2 0,-2 2 0,3 0 0,3-4 0,-2 0 0,3-6 0,1 2 0,3-5 0,2 2 0,2 2 0,0 2 0,-4 3 0,1 2 0,-1 2 0,-4-1 0,1 2 0,1-1 0,2 1 0,1 0 0,2-6 0,6 0 0,1 0 0,0 1 0,0 1 0,-2 1 0,-1 1 0,-1 1 0,0 0 0,-1 5 0,-5 1 0,-1-1 0,1 5 0,0-2 0,2 4 0,1 4 0,1 3 0,0 2 0,1 3 0,0 1 0,0 0 0,0 0 0,0 1 0,0 0 0,0-1 0,0 5 0,0 5 0,0 6 0,-5 3 0,0 3 0,0 2 0,-5 2 0,2 0 0,-4 0 0,1-1 0,-2 1 0,1-6 0,-2 0 0,2 0 0,-2 6 0,3 1 0,-3 6 0,-2 10 0,-3 5 0,-2 8 0,-2 2 0,3 0 0,0-1 0,0-3 0,3-5 0,0-8 0,-1-5 0,2-6 0,5-3 0,-2 3 0,3 5 0,3 3 0,-3 10 0,2 4 0,-4 6 0,-2 2 0,1-2 0,-3-1 0,-2-7 0,-3-2 0,4-12 0,-2-5 0,0-5 0,3-2 0,-2-1 0,5 0 0,-2 0 0,-1 5 0,-3 1 0,-2 1 0,-7-6 0,-6-6 0,-7-7 0,-3-4 0,-4-4 0,-2-2 0,-1-2 0,-5 0 0,0 0 0,0 0 0,1 0 0,-3 1 0,1-1 0,0 1 0,-2 0 0,1 0 0,-4 0 0,2 0 0,2 0 0,-3 0 0,-3 0 0,2 0 0,-3 5 0,-2 0 0,-3 5 0,3 0 0,-1-2 0,3-2 0,0-2 0,3-2 0,3-1 0,3 0 0,2-1 0,3-1 0,0 1 0,2 4 0,0 1 0,-1 5 0,1-1 0,-5-1 0,-1-2 0,0-2 0,1-1 0,1 3 0,1-1 0,1 5 0,1-1 0,0 4 0,0 3 0,0-2 0,1-2 0,-1-4 0,0-3 0,0-2 0,0-2 0,1-1 0,-1 0 0,5 4 0,0 5 0,0 1 0,4 4 0,0-2 0,-2-2 0,-2-3 0,-1-3 0,-2-1 0,9-2 0,9-1 0,10-5 0,9-1 0,1-5 0,3-3 0,-2 0 0</inkml:trace>
+</inkml:ink>
+</file>
+
+<file path=ppt/ink/ink13.xml><?xml version="1.0" encoding="utf-8"?>
+<inkml:ink xmlns:inkml="http://www.w3.org/2003/InkML">
+  <inkml:definitions>
+    <inkml:context xml:id="ctx0">
+      <inkml:inkSource xml:id="inkSrc0">
+        <inkml:traceFormat>
+          <inkml:channel name="X" type="integer" min="-2.14748E9" max="2.14748E9" units="cm"/>
+          <inkml:channel name="Y" type="integer" min="-2.14748E9" max="2.14748E9" units="cm"/>
+          <inkml:channel name="F" type="integer" max="32767" units="dev"/>
+        </inkml:traceFormat>
+        <inkml:channelProperties>
+          <inkml:channelProperty channel="X" name="resolution" value="1000" units="1/cm"/>
+          <inkml:channelProperty channel="Y" name="resolution" value="1000" units="1/cm"/>
+          <inkml:channelProperty channel="F" name="resolution" value="0" units="1/dev"/>
+        </inkml:channelProperties>
+      </inkml:inkSource>
+      <inkml:timestamp xml:id="ts0" timeString="2023-07-21T22:45:51.292"/>
+    </inkml:context>
+    <inkml:brush xml:id="br0">
+      <inkml:brushProperty name="width" value="0.1" units="cm"/>
+      <inkml:brushProperty name="height" value="0.1" units="cm"/>
+      <inkml:brushProperty name="color" value="#AE198D"/>
+      <inkml:brushProperty name="inkEffects" value="galaxy"/>
+      <inkml:brushProperty name="anchorX" value="-30383.06055"/>
+      <inkml:brushProperty name="anchorY" value="-43360.57031"/>
+      <inkml:brushProperty name="scaleFactor" value="0.5"/>
+    </inkml:brush>
+  </inkml:definitions>
+  <inkml:trace contextRef="#ctx0" brushRef="#br0">0 30 24575,'0'0'0,"0"-4"0,5-7 0,5 1 0,1 6 0,-2 6 0,-1 9 0,-3 5 0,-2 5 0,3 3 0,0 1 0,4 2 0,4-1 0,3 5 0,4 5 0,2 5 0,-3 8 0,0 14 0,1 7 0,-5 10 0,2-3 0,-5-4 0,2-6 0,-4-11 0,3-10 0,2-13 0,-3-17 0,-14-16 0,1 0 0,1 0 0,-1 0 0,0 1 0,0-1 0,0 0 0,0 0 0,0 0 0,0 0 0,1 0 0,-1 0 0,0 1 0,0-1 0,0 0 0,0 0 0,0 0 0,1 0 0,-1 0 0,0 0 0,0 0 0,0 0 0,0 0 0,1 0 0,-1 0 0,0 0 0,0 0 0,0 0 0,1 0 0,-1 0 0,0 0 0,0 0 0,0 0 0,0 0 0,1 0 0,-1 0 0,0 0 0,0 0 0,0 0 0,0 0 0,1 0 0,-1-1 0,0 1 0,0 0 0,-2-15 0,-9-9 0,-11-10 0,-4-7 0,1-5 0,6 7 0</inkml:trace>
+</inkml:ink>
+</file>
+
+<file path=ppt/ink/ink14.xml><?xml version="1.0" encoding="utf-8"?>
+<inkml:ink xmlns:inkml="http://www.w3.org/2003/InkML">
+  <inkml:definitions>
+    <inkml:context xml:id="ctx0">
+      <inkml:inkSource xml:id="inkSrc0">
+        <inkml:traceFormat>
+          <inkml:channel name="X" type="integer" min="-2.14748E9" max="2.14748E9" units="cm"/>
+          <inkml:channel name="Y" type="integer" min="-2.14748E9" max="2.14748E9" units="cm"/>
+          <inkml:channel name="F" type="integer" max="32767" units="dev"/>
+        </inkml:traceFormat>
+        <inkml:channelProperties>
+          <inkml:channelProperty channel="X" name="resolution" value="1000" units="1/cm"/>
+          <inkml:channelProperty channel="Y" name="resolution" value="1000" units="1/cm"/>
+          <inkml:channelProperty channel="F" name="resolution" value="0" units="1/dev"/>
+        </inkml:channelProperties>
+      </inkml:inkSource>
+      <inkml:timestamp xml:id="ts0" timeString="2023-07-21T22:45:51.747"/>
+    </inkml:context>
+    <inkml:brush xml:id="br0">
+      <inkml:brushProperty name="width" value="0.1" units="cm"/>
+      <inkml:brushProperty name="height" value="0.1" units="cm"/>
+      <inkml:brushProperty name="color" value="#AE198D"/>
+      <inkml:brushProperty name="inkEffects" value="galaxy"/>
+      <inkml:brushProperty name="anchorX" value="-31624.38086"/>
+      <inkml:brushProperty name="anchorY" value="-45039.24219"/>
+      <inkml:brushProperty name="scaleFactor" value="0.5"/>
+    </inkml:brush>
+  </inkml:definitions>
+  <inkml:trace contextRef="#ctx0" brushRef="#br0">139 219 24575,'0'0'0,"-4"9"0,-7 2 0,-4-1 0,-4-1 0,-4-3 0,-1-2 0,4 3 0,4 4 0,10 0 0,10 3 0,8-2 0,6-3 0,5-2 0,2-3 0,6-1 0,6-12 0,10-7 0,9-9 0,7-10 0,7-6 0,3-5 0,2 2 0,-4 3 0,-4 5 0,-11 9 0,-10 8 0,-8 13 0,-36 6 0,1 0 0,-1 0 0,1 0 0,-1 0 0,1 1 0,-1-1 0,0 1 0,5 1 0,5 6 0,-7 2 0</inkml:trace>
+</inkml:ink>
+</file>
+
+<file path=ppt/ink/ink15.xml><?xml version="1.0" encoding="utf-8"?>
+<inkml:ink xmlns:inkml="http://www.w3.org/2003/InkML">
+  <inkml:definitions>
+    <inkml:context xml:id="ctx0">
+      <inkml:inkSource xml:id="inkSrc0">
+        <inkml:traceFormat>
+          <inkml:channel name="X" type="integer" min="-2.14748E9" max="2.14748E9" units="cm"/>
+          <inkml:channel name="Y" type="integer" min="-2.14748E9" max="2.14748E9" units="cm"/>
+          <inkml:channel name="F" type="integer" max="32767" units="dev"/>
+        </inkml:traceFormat>
+        <inkml:channelProperties>
+          <inkml:channelProperty channel="X" name="resolution" value="1000" units="1/cm"/>
+          <inkml:channelProperty channel="Y" name="resolution" value="1000" units="1/cm"/>
+          <inkml:channelProperty channel="F" name="resolution" value="0" units="1/dev"/>
+        </inkml:channelProperties>
+      </inkml:inkSource>
+      <inkml:timestamp xml:id="ts0" timeString="2023-07-21T22:45:52.755"/>
+    </inkml:context>
+    <inkml:brush xml:id="br0">
+      <inkml:brushProperty name="width" value="0.1" units="cm"/>
+      <inkml:brushProperty name="height" value="0.1" units="cm"/>
+      <inkml:brushProperty name="color" value="#AE198D"/>
+      <inkml:brushProperty name="inkEffects" value="galaxy"/>
+      <inkml:brushProperty name="anchorX" value="-33357.08984"/>
+      <inkml:brushProperty name="anchorY" value="-45858.91797"/>
+      <inkml:brushProperty name="scaleFactor" value="0.5"/>
+    </inkml:brush>
+  </inkml:definitions>
+  <inkml:trace contextRef="#ctx0" brushRef="#br0">6 1 24575,'0'0'0,"-5"8"0,4 9 0,6 8 0,1 3 0,6 3 0,3 4 0,-1 5 0,3-2 0,1 4 0,-2 1 0,2 3 0,0 1 0,-2 2 0,1 0 0,-4-4 0,2-5 0,-3-5 0,1-4 0,-2-3 0,-7-8 0,-8-10 0,-3-12 0,-5-3 0,0-3 0</inkml:trace>
+</inkml:ink>
+</file>
+
+<file path=ppt/ink/ink16.xml><?xml version="1.0" encoding="utf-8"?>
+<inkml:ink xmlns:inkml="http://www.w3.org/2003/InkML">
+  <inkml:definitions>
+    <inkml:context xml:id="ctx0">
+      <inkml:inkSource xml:id="inkSrc0">
+        <inkml:traceFormat>
+          <inkml:channel name="X" type="integer" min="-2.14748E9" max="2.14748E9" units="cm"/>
+          <inkml:channel name="Y" type="integer" min="-2.14748E9" max="2.14748E9" units="cm"/>
+          <inkml:channel name="F" type="integer" max="32767" units="dev"/>
+        </inkml:traceFormat>
+        <inkml:channelProperties>
+          <inkml:channelProperty channel="X" name="resolution" value="1000" units="1/cm"/>
+          <inkml:channelProperty channel="Y" name="resolution" value="1000" units="1/cm"/>
+          <inkml:channelProperty channel="F" name="resolution" value="0" units="1/dev"/>
+        </inkml:channelProperties>
+      </inkml:inkSource>
+      <inkml:timestamp xml:id="ts0" timeString="2023-07-21T22:45:53.208"/>
+    </inkml:context>
+    <inkml:brush xml:id="br0">
+      <inkml:brushProperty name="width" value="0.1" units="cm"/>
+      <inkml:brushProperty name="height" value="0.1" units="cm"/>
+      <inkml:brushProperty name="color" value="#AE198D"/>
+      <inkml:brushProperty name="inkEffects" value="galaxy"/>
+      <inkml:brushProperty name="anchorX" value="-34572.22656"/>
+      <inkml:brushProperty name="anchorY" value="-47567.24609"/>
+      <inkml:brushProperty name="scaleFactor" value="0.5"/>
+    </inkml:brush>
+  </inkml:definitions>
+  <inkml:trace contextRef="#ctx0" brushRef="#br0">15 74 24575,'0'0'0,"-4"0"0,-2 5 0,1 5 0,6 0 0,11 0 0,6-3 0,11-2 0,7-2 0,6-1 0,5-7 0,8 0 0,1-6 0,5-4 0,0-3 0,-2-4 0,-7 3 0,-7 5 0,-18 3 0,-10 5 0</inkml:trace>
+</inkml:ink>
+</file>
+
+<file path=ppt/ink/ink17.xml><?xml version="1.0" encoding="utf-8"?>
+<inkml:ink xmlns:inkml="http://www.w3.org/2003/InkML">
+  <inkml:definitions>
+    <inkml:context xml:id="ctx0">
+      <inkml:inkSource xml:id="inkSrc0">
+        <inkml:traceFormat>
+          <inkml:channel name="X" type="integer" min="-2.14748E9" max="2.14748E9" units="cm"/>
+          <inkml:channel name="Y" type="integer" min="-2.14748E9" max="2.14748E9" units="cm"/>
+          <inkml:channel name="F" type="integer" max="32767" units="dev"/>
+        </inkml:traceFormat>
+        <inkml:channelProperties>
+          <inkml:channelProperty channel="X" name="resolution" value="1000" units="1/cm"/>
+          <inkml:channelProperty channel="Y" name="resolution" value="1000" units="1/cm"/>
+          <inkml:channelProperty channel="F" name="resolution" value="0" units="1/dev"/>
+        </inkml:channelProperties>
+      </inkml:inkSource>
+      <inkml:timestamp xml:id="ts0" timeString="2023-07-21T22:45:55.376"/>
+    </inkml:context>
+    <inkml:brush xml:id="br0">
+      <inkml:brushProperty name="width" value="0.1" units="cm"/>
+      <inkml:brushProperty name="height" value="0.1" units="cm"/>
+      <inkml:brushProperty name="color" value="#AE198D"/>
+      <inkml:brushProperty name="inkEffects" value="galaxy"/>
+      <inkml:brushProperty name="anchorX" value="-36190.55859"/>
+      <inkml:brushProperty name="anchorY" value="-48509.64063"/>
+      <inkml:brushProperty name="scaleFactor" value="0.5"/>
+    </inkml:brush>
+  </inkml:definitions>
+  <inkml:trace contextRef="#ctx0" brushRef="#br0">1 88 24575,'0'0'0,"0"4"0,5-3 0,0-6 0,0-6 0,4-6 0,-1-3 0,4 2 0,3 3 0,-1 9 0,-2 9 0,-4 9 0,2 1 0,-2 4 0,3 3 0,-1 2 0,2 2 0,-1 0 0,-3 1 0,-2 1 0,-2 4 0,3 6 0,-1 4 0,4 10 0,4 7 0,4 8 0,3 10 0,2 8 0,1 7 0,2 11 0,-6 7 0,1 3 0,-1 5 0,1-3 0,2 3 0,0-3 0,6-3 0,0-3 0,1-8 0,0-3 0,-2-5 0,-1-6 0,-1 1 0,-1 1 0,0 9 0,-5 3 0,0 7 0,-1 7 0,2-1 0,0 4 0,2-7 0,1-9 0,1-8 0,4-11 0,2-12 0,-1-13 0,-1-6 0,-1-4 0,-1 3 0,-1 6 0,-6 11 0,0 10 0,-5 5 0,1 6 0,-5-4 0,3-8 0,-4-7 0,-1-12 0,-4-10 0,-2-9 0,4-12 0,-2-4 0,5-2 0,-1 4 0,-2 7 0,-1 2 0,-2 4 0,-2 0 0,-1-1 0,-1-3 0,-5-8 0,-5-11 0,9-14 0,0 2 0,0-1 0,1 0 0,-1 0 0,0 0 0,0 0 0,1 0 0,-1 0 0,0 0 0,1-1 0,-1 1 0,0 0 0,0 0 0,1 0 0,-1-1 0,0 1 0,1 0 0,-1-1 0,0 1 0,0-1 0,-24-19 0,2-2 0</inkml:trace>
+</inkml:ink>
+</file>
+
+<file path=ppt/ink/ink18.xml><?xml version="1.0" encoding="utf-8"?>
+<inkml:ink xmlns:inkml="http://www.w3.org/2003/InkML">
+  <inkml:definitions>
+    <inkml:context xml:id="ctx0">
+      <inkml:inkSource xml:id="inkSrc0">
+        <inkml:traceFormat>
+          <inkml:channel name="X" type="integer" min="-2.14748E9" max="2.14748E9" units="cm"/>
+          <inkml:channel name="Y" type="integer" min="-2.14748E9" max="2.14748E9" units="cm"/>
+          <inkml:channel name="F" type="integer" max="32767" units="dev"/>
+        </inkml:traceFormat>
+        <inkml:channelProperties>
+          <inkml:channelProperty channel="X" name="resolution" value="1000" units="1/cm"/>
+          <inkml:channelProperty channel="Y" name="resolution" value="1000" units="1/cm"/>
+          <inkml:channelProperty channel="F" name="resolution" value="0" units="1/dev"/>
+        </inkml:channelProperties>
+      </inkml:inkSource>
+      <inkml:timestamp xml:id="ts0" timeString="2023-07-21T22:45:57.747"/>
+    </inkml:context>
+    <inkml:brush xml:id="br0">
+      <inkml:brushProperty name="width" value="0.1" units="cm"/>
+      <inkml:brushProperty name="height" value="0.1" units="cm"/>
+      <inkml:brushProperty name="color" value="#AE198D"/>
+      <inkml:brushProperty name="inkEffects" value="galaxy"/>
+      <inkml:brushProperty name="anchorX" value="-38374.42969"/>
+      <inkml:brushProperty name="anchorY" value="-53993.37109"/>
+      <inkml:brushProperty name="scaleFactor" value="0.5"/>
+    </inkml:brush>
+  </inkml:definitions>
+  <inkml:trace contextRef="#ctx0" brushRef="#br0">6 185 24575,'0'0'0,"-4"5"0,3 1 0,6-1 0,1 4 0,5 0 0,4 3 0,4-2 0,8-2 0,2-1 0,6 1 0,5 0 0,-1 2 0,8 5 0,2-2 0,2 2 0,6 3 0,5 3 0,10-4 0,3 2 0,8-5 0,6-3 0,5-4 0,3-3 0,-3-2 0,1-2 0,1 0 0,0-1 0,-3 5 0,0 1 0,1-1 0,1 0 0,2-1 0,1-1 0,1-1 0,0-1 0,-4 0 0,0 0 0,-1 0 0,2 5 0,-4 0 0,-5 5 0,2-1 0,-4-1 0,-3-1 0,-2-3 0,2-2 0,-1-1 0,-1 0 0,-2-1 0,0-6 0,3 0 0,-1 1 0,0-5 0,-6 2 0,-2 1 0,0 1 0,-6 3 0,1 1 0,-5-4 0,3 1 0,-4-5 0,-3-4 0,-3-4 0,3-3 0,-2-2 0,-5 3 0,-3 0 0,0-1 0,-1 5 0,0-2 0,1 0 0,1-2 0,-5-1 0,0 2 0,1 1 0,0-2 0,2 4 0,-4-1 0,-4-1 0,-5 3 0,-3-1 0,-4 3 0,-1-2 0,-2 3 0,0-2 0,0 3 0,-4 7 0,-1 9 0,-5 6 0,-3 7 0,-5 4 0,-2 3 0,2-4 0,0 5 0,-2 0 0,-1 6 0,5 0 0,-2 10 0,0 4 0,-2 7 0,-1 8 0,-1 11 0,-2 4 0,1 8 0,-1 1 0,-1 4 0,1-2 0,0-2 0,0 3 0,-1-4 0,1 4 0,0 2 0,0-2 0,0 7 0,0 3 0,5 6 0,0 3 0,5 4 0,5 4 0,3-1 0,3 3 0,3-3 0,1-4 0,0 2 0,6-3 0,0 3 0,-1-3 0,-5 4 0,-2-3 0,-6 3 0,-5-2 0,-5-3 0,1-2 0,-1-8 0,-3-6 0,0-12 0,-2-5 0,-1-8 0,-1-7 0,0-9 0,0-4 0,-1-8 0,1-4 0,0-5 0,0-3 0,-5-1 0,0-2 0,-1 5 0,-3 0 0,1 5 0,-4 0 0,2-2 0,2-1 0,1-12 0,-1-7 0,-4-11 0,0-10 0,3-7 0,-3 0 0,-3 2 0,-2 8 0,-4 9 0,-2 3 0,-1 1 0,-6 0 0,0-2 0,-6-2 0,-4 0 0,-3-2 0,-4-1 0,-1 0 0,-7 0 0,-6 0 0,-4-1 0,-6 1 0,-1 0 0,-8 5 0,0 0 0,-1 0 0,1 4 0,1-1 0,2-1 0,1-2 0,5-1 0,1-2 0,1-1 0,-1-1 0,-2 0 0,0-1 0,-2 1 0,0 0 0,-5 4 0,-1 1 0,0 5 0,1 4 0,6 5 0,1-3 0,1 3 0,5-4 0,4-4 0,0-4 0,3-2 0,-3-3 0,-2-2 0,1 0 0,-2-1 0,-2 5 0,-3 6 0,-1 4 0,-3 5 0,0 9 0,-1 1 0,0 2 0,0-6 0,0-6 0,5-7 0,5-5 0,5-8 0,5-4 0,7 0 0,3-1 0,1 7 0,-6 6 0,0 11 0,-3 6 0,1 8 0,0 2 0,1-6 0,0-5 0,5-8 0,1-7 0,-4-3 0,-2-4 0,-1-1 0,-5-2 0,0 1 0,-4 0 0,1 0 0,7 0 0,6 1 0,19-5 0,27 3 0,0 2 0,0 0 0,1-1 0,-1 1 0,0-1 0,1 1 0,-1-1 0,0 1 0,1-1 0,-1 1 0,0-1 0,1 0 0,-1 1 0,1-1 0,-1 0 0,1 1 0,0-1 0,-1 0 0,1 0 0,-1-1 0,0 1 0,1 0 0,0-1 0,0 1 0,0 0 0,0-1 0,0 1 0,0-1 0,0 1 0,1 0 0,-1-1 0,0 1 0,1 0 0,0-2 0,17-27 0,8-2 0,4 0 0,2 1 0,-1 1 0,-6 6 0</inkml:trace>
+</inkml:ink>
+</file>
+
+<file path=ppt/ink/ink19.xml><?xml version="1.0" encoding="utf-8"?>
+<inkml:ink xmlns:inkml="http://www.w3.org/2003/InkML">
+  <inkml:definitions>
+    <inkml:context xml:id="ctx0">
+      <inkml:inkSource xml:id="inkSrc0">
+        <inkml:traceFormat>
+          <inkml:channel name="X" type="integer" min="-2.14748E9" max="2.14748E9" units="cm"/>
+          <inkml:channel name="Y" type="integer" min="-2.14748E9" max="2.14748E9" units="cm"/>
+          <inkml:channel name="F" type="integer" max="32767" units="dev"/>
+        </inkml:traceFormat>
+        <inkml:channelProperties>
+          <inkml:channelProperty channel="X" name="resolution" value="1000" units="1/cm"/>
+          <inkml:channelProperty channel="Y" name="resolution" value="1000" units="1/cm"/>
+          <inkml:channelProperty channel="F" name="resolution" value="0" units="1/dev"/>
+        </inkml:channelProperties>
+      </inkml:inkSource>
+      <inkml:timestamp xml:id="ts0" timeString="2023-07-21T22:45:58.733"/>
+    </inkml:context>
+    <inkml:brush xml:id="br0">
+      <inkml:brushProperty name="width" value="0.1" units="cm"/>
+      <inkml:brushProperty name="height" value="0.1" units="cm"/>
+      <inkml:brushProperty name="color" value="#AE198D"/>
+      <inkml:brushProperty name="inkEffects" value="galaxy"/>
+      <inkml:brushProperty name="anchorX" value="-40302.44922"/>
+      <inkml:brushProperty name="anchorY" value="-59721.60547"/>
+      <inkml:brushProperty name="scaleFactor" value="0.5"/>
+    </inkml:brush>
+  </inkml:definitions>
+  <inkml:trace contextRef="#ctx0" brushRef="#br0">0 0 24575,'0'0'0,"4"4"0,7 7 0,-1 5 0,4 3 0,4 3 0,2 8 0,3 5 0,0 11 0,-3 5 0,0 7 0,1 1 0,0 5 0,-3-2 0,0 3 0,1-2 0,-4-8 0,-3-9 0,-9-22 0,-4-12 0</inkml:trace>
+</inkml:ink>
+</file>
+
+<file path=ppt/ink/ink2.xml><?xml version="1.0" encoding="utf-8"?>
+<inkml:ink xmlns:inkml="http://www.w3.org/2003/InkML">
+  <inkml:definitions>
+    <inkml:context xml:id="ctx0">
+      <inkml:inkSource xml:id="inkSrc0">
+        <inkml:traceFormat>
+          <inkml:channel name="X" type="integer" min="-2.14748E9" max="2.14748E9" units="cm"/>
+          <inkml:channel name="Y" type="integer" min="-2.14748E9" max="2.14748E9" units="cm"/>
+          <inkml:channel name="F" type="integer" max="32767" units="dev"/>
+        </inkml:traceFormat>
+        <inkml:channelProperties>
+          <inkml:channelProperty channel="X" name="resolution" value="1000" units="1/cm"/>
+          <inkml:channelProperty channel="Y" name="resolution" value="1000" units="1/cm"/>
+          <inkml:channelProperty channel="F" name="resolution" value="0" units="1/dev"/>
+        </inkml:channelProperties>
+      </inkml:inkSource>
+      <inkml:timestamp xml:id="ts0" timeString="2023-07-21T22:44:39.146"/>
+    </inkml:context>
+    <inkml:brush xml:id="br0">
+      <inkml:brushProperty name="width" value="0.1" units="cm"/>
+      <inkml:brushProperty name="height" value="0.1" units="cm"/>
+      <inkml:brushProperty name="color" value="#AE198D"/>
+      <inkml:brushProperty name="inkEffects" value="galaxy"/>
+      <inkml:brushProperty name="anchorX" value="-1365.4115"/>
+      <inkml:brushProperty name="anchorY" value="-5694.00098"/>
+      <inkml:brushProperty name="scaleFactor" value="0.5"/>
+    </inkml:brush>
+  </inkml:definitions>
+  <inkml:trace contextRef="#ctx0" brushRef="#br0">1 575 24575,'0'0'0,"4"0"0,7 0 0,4 0 0,4 0 0,4 0 0,6-5 0,1 0 0,1 0 0,-1-4 0,4 1 0,-1 1 0,-2 2 0,4 1 0,-2 2 0,-1 1 0,3 1 0,-2 0 0,4 1 0,-2-6 0,3 0 0,-2 0 0,3-4 0,-3 1 0,-2 1 0,2-4 0,-2 3 0,-2-4 0,3 1 0,2-2 0,0 2 0,3-3 0,7-2 0,3-3 0,-3-2 0,5-3 0,-4 0 0,0-1 0,-1 5 0,-4 0 0,0 4 0,-5 5 0,2 5 0,-4 2 0,3 2 0,2 2 0,2-4 0,3-1 0,-4 1 0,2-5 0,-4 1 0,1 2 0,1 1 0,-3 1 0,2 2 0,2 1 0,1 1 0,3 0 0,1 0 0,1 1 0,1-1 0,0 0 0,-5-4 0,0-1 0,0-1 0,-4 2 0,1 1 0,-4 1 0,1 1 0,-2 1 0,1 0 0,-2 0 0,2 0 0,3 0 0,-2 1 0,-4-1 0,3 0 0,2 0 0,-2 0 0,2-5 0,2 0 0,-2 0 0,1 1 0,2 1 0,-3 6 0,2 5 0,-4 2 0,2-1 0,-3-1 0,2 2 0,-3-2 0,2-1 0,-2-2 0,-2-2 0,1 3 0,4 0 0,-2 5 0,3-2 0,2 4 0,2-3 0,3-1 0,1-2 0,-3-3 0,0-2 0,-5-1 0,-4-1 0,-4-1 0,-3 1 0,2-1 0,-1 1 0,0 0 0,-2 0 0,-1-1 0,4 1 0,0 0 0,-1 0 0,-6-4 0,-1-2 0,-2 1 0,1 1 0,0 1 0,-4-4 0,1 1 0,0 1 0,1 1 0,2-4 0,6 0 0,1-3 0,6 2 0,4-4 0,-1 2 0,4-3 0,-4 2 0,3 3 0,-4 3 0,-2 2 0,1 2 0,-2 2 0,-2 0 0,-3 5 0,4 1 0,8-1 0,10 0 0,8-2 0,13-6 0,9-1 0,9 0 0,5-5 0,-1 0 0,-4-3 0,-3 2 0,-10 1 0,-13 3 0,-13 2 0,-5 2 0,-9 1 0,-5 1 0,-3 0 0,-4 0 0,0 1 0,3-1 0,1 0 0,5 1 0,4-6 0,0-1 0,-2 1 0,2-4 0,-3 0 0,-2 2 0,-2 2 0,-3 2 0,-1 1 0,-2 1 0,-5 5 0,-5 7 0,-11 4 0,-5 10 0,-7 8 0,-1 2 0,-4 5 0,0 3 0,3 3 0,3 2 0,2 2 0,2 0 0,2 1 0,1-1 0,0 5 0,1 1 0,-1 4 0,1 4 0,4 4 0,0 3 0,5 3 0,0 0 0,3 7 0,-2-1 0,4 1 0,-4-2 0,4-1 0,-4-1 0,3-6 0,-3-1 0,3-5 0,-3 0 0,-2 1 0,-3-2 0,2-4 0,-1-3 0,-1 2 0,-2 3 0,-1-1 0,-2 3 0,0-2 0,-1 2 0,-1-3 0,1 3 0,0-3 0,0-2 0,4-3 0,2 2 0,-1-1 0,-1-1 0,-1 3 0,-1 3 0,0 5 0,-2 2 0,0 9 0,0 1 0,0 1 0,0-1 0,-1 0 0,1-7 0,0-6 0,0-1 0,0-9 0,0-4 0,0-2 0,0 2 0,0 1 0,0 5 0,0 0 0,0 3 0,0 5 0,0-3 0,0-1 0,0-4 0,0-3 0,0-7 0,0-2 0,0-6 0,0 0 0,5-4 0,0 2 0,0 2 0,4 3 0,-1 7 0,-1 3 0,-1-4 0,2 0 0,-1-6 0,-1-5 0,-2-5 0,-1-4 0,-1-2 0,-2 3 0,6-1 0,-2 0 0,1 0 0,-1-2 0,-1-1 0,3-6 0,0 0 0,0 0 0,-2 1 0,-1 0 0,-1 7 0,-1 1 0,4 0 0,0 1 0,-5-12 0,0-18 0,0 0 0,0 0 0,0 1 0,0-1 0,0 0 0,0 1 0,-1-1 0,1 0 0,0 0 0,0 1 0,0-1 0,0 0 0,0 1 0,-1-1 0,1 0 0,0 0 0,0 1 0,0-1 0,-1 0 0,1 0 0,0 0 0,0 1 0,-1-1 0,1 0 0,0 0 0,-1 0 0,1 0 0,0 0 0,-1 1 0,-11-1 0,-6-3 0,-3-7 0,-3 1 0,-2 0 0,0 2 0,0 2 0,0 2 0,-5 2 0,1-4 0,-1 0 0,2 0 0,-4-4 0,-4 1 0,-4 2 0,-4-4 0,-2 1 0,-2 2 0,-1-3 0,-1 2 0,1-4 0,-6 2 0,1-3 0,0-3 0,0 2 0,2-3 0,2 4 0,-5 3 0,0 3 0,-3 3 0,0 2 0,-4 2 0,2 0 0,2 0 0,3-4 0,-3-5 0,2-1 0,-4-4 0,2 2 0,1-4 0,-2 4 0,2 2 0,1 4 0,2 2 0,2 2 0,-4 1 0,7 1 0,0 0 0,-4 1 0,6 0 0,0-6 0,0 0 0,-5 0 0,0 1 0,-1 1 0,1 1 0,5 1 0,2 1 0,5 0 0,5 0 0,4 0 0,-1 0 0,2 1 0,-4-1 0,1 0 0,-3 0 0,-3 0 0,-3 0 0,-4 0 0,4 0 0,-1 5 0,-1 0 0,4 0 0,4-1 0,-2-1 0,4-1 0,-2-1 0,-3-1 0,-3 1 0,-7-2 0,-3 1 0,-1 0 0,0 0 0,6 0 0,0 0 0,7-1 0,5 1 0,-1 0 0,-2 0 0,3 0 0,-3 0 0,-3 5 0,-2 1 0,-2-1 0,-2-1 0,-1 4 0,4-1 0,-1 0 0,1-3 0,4 0 0,-1-3 0,-1 0 0,-2 0 0,-1-2 0,-2 1 0,4 5 0,0 0 0,4 4 0,-1 0 0,4-1 0,3-2 0,3-1 0,3-3 0,-3-1 0,1-1 0,0 0 0,2 0 0,-5-1 0,2 1 0,0 0 0,2 0 0,1-1 0,1 1 0,2 0 0,-1 0 0,2 0 0,-1 0 0,0 0 0,1 0 0,-1 1 0,0-1 0,0 0 0,0 0 0,1 0 0,-1 0 0,0 0 0,0 0 0,0 0 0,0 0 0,0 4 0,-5 2 0,0-1 0,0-1 0,1-1 0,1-1 0,2 4 0,-1-1 0,2 5 0,0-1 0,0 4 0,1-1 0,-1 2 0,0-3 0,1-1 0,-1-4 0,0 3 0,0-2 0,0 4 0,0 3 0,0-1 0,0 2 0,0-2 0,1-3 0,-1-3 0,0-3 0,0 3 0,0-1 0,0-1 0,0-1 0,0-1 0,0-2 0,0 0 0,0-1 0,1 5 0,-1 0 0,10 0 0,10-2 0,6-5 0,7-1 0,2-6 0,4 0 0,4 1 0,-2-4 0,2 3 0,-4 1 0</inkml:trace>
+</inkml:ink>
+</file>
+
+<file path=ppt/ink/ink20.xml><?xml version="1.0" encoding="utf-8"?>
+<inkml:ink xmlns:inkml="http://www.w3.org/2003/InkML">
+  <inkml:definitions>
+    <inkml:context xml:id="ctx0">
+      <inkml:inkSource xml:id="inkSrc0">
+        <inkml:traceFormat>
+          <inkml:channel name="X" type="integer" min="-2.14748E9" max="2.14748E9" units="cm"/>
+          <inkml:channel name="Y" type="integer" min="-2.14748E9" max="2.14748E9" units="cm"/>
+          <inkml:channel name="F" type="integer" max="32767" units="dev"/>
+        </inkml:traceFormat>
+        <inkml:channelProperties>
+          <inkml:channelProperty channel="X" name="resolution" value="1000" units="1/cm"/>
+          <inkml:channelProperty channel="Y" name="resolution" value="1000" units="1/cm"/>
+          <inkml:channelProperty channel="F" name="resolution" value="0" units="1/dev"/>
+        </inkml:channelProperties>
+      </inkml:inkSource>
+      <inkml:timestamp xml:id="ts0" timeString="2023-07-21T22:45:59.143"/>
+    </inkml:context>
+    <inkml:brush xml:id="br0">
+      <inkml:brushProperty name="width" value="0.1" units="cm"/>
+      <inkml:brushProperty name="height" value="0.1" units="cm"/>
+      <inkml:brushProperty name="color" value="#AE198D"/>
+      <inkml:brushProperty name="inkEffects" value="galaxy"/>
+      <inkml:brushProperty name="anchorX" value="-41607.87109"/>
+      <inkml:brushProperty name="anchorY" value="-61479.52734"/>
+      <inkml:brushProperty name="scaleFactor" value="0.5"/>
+    </inkml:brush>
+  </inkml:definitions>
+  <inkml:trace contextRef="#ctx0" brushRef="#br0">1 174 24575,'0'0'0,"29"0"0,18 0 0,3-5 0,5 0 0,1-5 0,-6-4 0,-1 1 0,4 2 0,0-2 0,0-3 0,4 3 0,0-3 0,4 4 0,-1 2 0,-7-2 0,-7 3 0,-7 2 0,-16 2 0,-10 2 0</inkml:trace>
+</inkml:ink>
+</file>
+
+<file path=ppt/ink/ink21.xml><?xml version="1.0" encoding="utf-8"?>
+<inkml:ink xmlns:inkml="http://www.w3.org/2003/InkML">
+  <inkml:definitions>
+    <inkml:context xml:id="ctx0">
+      <inkml:inkSource xml:id="inkSrc0">
+        <inkml:traceFormat>
+          <inkml:channel name="X" type="integer" min="-2.14748E9" max="2.14748E9" units="cm"/>
+          <inkml:channel name="Y" type="integer" min="-2.14748E9" max="2.14748E9" units="cm"/>
+          <inkml:channel name="F" type="integer" max="32767" units="dev"/>
+        </inkml:traceFormat>
+        <inkml:channelProperties>
+          <inkml:channelProperty channel="X" name="resolution" value="1000" units="1/cm"/>
+          <inkml:channelProperty channel="Y" name="resolution" value="1000" units="1/cm"/>
+          <inkml:channelProperty channel="F" name="resolution" value="0" units="1/dev"/>
+        </inkml:channelProperties>
+      </inkml:inkSource>
+      <inkml:timestamp xml:id="ts0" timeString="2023-07-21T22:46:01.551"/>
+    </inkml:context>
+    <inkml:brush xml:id="br0">
+      <inkml:brushProperty name="width" value="0.1" units="cm"/>
+      <inkml:brushProperty name="height" value="0.1" units="cm"/>
+      <inkml:brushProperty name="color" value="#AE198D"/>
+      <inkml:brushProperty name="inkEffects" value="galaxy"/>
+      <inkml:brushProperty name="anchorX" value="-43527.80859"/>
+      <inkml:brushProperty name="anchorY" value="-62321.24609"/>
+      <inkml:brushProperty name="scaleFactor" value="0.5"/>
+    </inkml:brush>
+  </inkml:definitions>
+  <inkml:trace contextRef="#ctx0" brushRef="#br0">1 843 24575,'0'0'0,"0"5"0,0-4 0,5-6 0,0-6 0,0-10 0,4-5 0,-1-7 0,4-7 0,-2-9 0,4-3 0,-3-8 0,3 0 0,3 1 0,-3 7 0,2 7 0,2 17 0,-3 17 0,-13 10 0,-1 1 0,-1 0 0,1 0 0,0 0 0,0 0 0,0 0 0,0 0 0,0 0 0,-1 0 0,1 0 0,0 0 0,0 1 0,0-1 0,0 0 0,-1 1 0,1-1 0,1 1 0,11 17 0,3 13 0,-4 5 0,2 6 0,2-2 0,2-2 0,8-4 0,2 2 0,2-2 0,4-3 0,-1-2 0,-1-1 0,-1-2 0,-2-5 0,-2-11 0,-26-11 0,0 1 0,1 0 0,-1 0 0,0 0 0,1 0 0,-1 0 0,0-1 0,1 1 0,-1 0 0,0-1 0,1 1 0,-1-1 0,0 1 0,2-2 0,17-18 0,0-18 0,-5-14 0,-3-11 0,-5-2 0,-3-4 0,-2 2 0,-2 8 0,-5 5 0,-1 8 0,0 8 0,1 5 0,2-1 0,1 4 0,5 0 0,7 8 0,10 5 0,0 7 0</inkml:trace>
+</inkml:ink>
+</file>
+
+<file path=ppt/ink/ink22.xml><?xml version="1.0" encoding="utf-8"?>
+<inkml:ink xmlns:inkml="http://www.w3.org/2003/InkML">
+  <inkml:definitions>
+    <inkml:context xml:id="ctx0">
+      <inkml:inkSource xml:id="inkSrc0">
+        <inkml:traceFormat>
+          <inkml:channel name="X" type="integer" min="-2.14748E9" max="2.14748E9" units="cm"/>
+          <inkml:channel name="Y" type="integer" min="-2.14748E9" max="2.14748E9" units="cm"/>
+          <inkml:channel name="F" type="integer" max="32767" units="dev"/>
+        </inkml:traceFormat>
+        <inkml:channelProperties>
+          <inkml:channelProperty channel="X" name="resolution" value="1000" units="1/cm"/>
+          <inkml:channelProperty channel="Y" name="resolution" value="1000" units="1/cm"/>
+          <inkml:channelProperty channel="F" name="resolution" value="0" units="1/dev"/>
+        </inkml:channelProperties>
+      </inkml:inkSource>
+      <inkml:timestamp xml:id="ts0" timeString="2023-07-21T22:46:01.981"/>
+    </inkml:context>
+    <inkml:brush xml:id="br0">
+      <inkml:brushProperty name="width" value="0.1" units="cm"/>
+      <inkml:brushProperty name="height" value="0.1" units="cm"/>
+      <inkml:brushProperty name="color" value="#AE198D"/>
+      <inkml:brushProperty name="inkEffects" value="galaxy"/>
+      <inkml:brushProperty name="anchorX" value="-45219.97656"/>
+      <inkml:brushProperty name="anchorY" value="-62493.87109"/>
+      <inkml:brushProperty name="scaleFactor" value="0.5"/>
+    </inkml:brush>
+  </inkml:definitions>
+  <inkml:trace contextRef="#ctx0" brushRef="#br0">69 77 24575,'0'0'0,"-4"0"0,-2 5 0,-4 10 0,1 5 0,-4 10 0,2 6 0,2 7 0,2 4 0,8-3 0,2-3 0,6 0 0,5-9 0,5-4 0,7-2 0,4-2 0,5-6 0,0-5 0,4-5 0,-2-3 0,-2-4 0,-3 0 0,-3-12 0,-2-10 0,-1-11 0,-6-17 0,-10-12 0,-11-8 0,-9-6 0,-13 3 0,17 57 0,-1 0 0,-12-18 0,12 21 0,-2 0 0,-15-17 0,19 25 0,-1-2 0,0 1 0,-1 1 0,1-1 0,-10-4 0,11 6 0,-1 1 0,1 0 0,-1 0 0,0 0 0,0 1 0,-10-2 0,13 3 0,-2 0 0,0 0 0,1 0 0,-1 1 0,0 0 0,0-1 0,1 2 0,-6 0 0,5 0 0,0 0 0,0 1 0,0-1 0,0 1 0,0 0 0,-6 6 0,6-6 0,-1 1 0,1 1 0,0 0 0,-6 9 0,-11 16 0</inkml:trace>
+</inkml:ink>
+</file>
+
+<file path=ppt/ink/ink23.xml><?xml version="1.0" encoding="utf-8"?>
+<inkml:ink xmlns:inkml="http://www.w3.org/2003/InkML">
+  <inkml:definitions>
+    <inkml:context xml:id="ctx0">
+      <inkml:inkSource xml:id="inkSrc0">
+        <inkml:traceFormat>
+          <inkml:channel name="X" type="integer" min="-2.14748E9" max="2.14748E9" units="cm"/>
+          <inkml:channel name="Y" type="integer" min="-2.14748E9" max="2.14748E9" units="cm"/>
+          <inkml:channel name="F" type="integer" max="32767" units="dev"/>
+        </inkml:traceFormat>
+        <inkml:channelProperties>
+          <inkml:channelProperty channel="X" name="resolution" value="1000" units="1/cm"/>
+          <inkml:channelProperty channel="Y" name="resolution" value="1000" units="1/cm"/>
+          <inkml:channelProperty channel="F" name="resolution" value="0" units="1/dev"/>
+        </inkml:channelProperties>
+      </inkml:inkSource>
+      <inkml:timestamp xml:id="ts0" timeString="2023-07-21T22:46:02.751"/>
+    </inkml:context>
+    <inkml:brush xml:id="br0">
+      <inkml:brushProperty name="width" value="0.1" units="cm"/>
+      <inkml:brushProperty name="height" value="0.1" units="cm"/>
+      <inkml:brushProperty name="color" value="#AE198D"/>
+      <inkml:brushProperty name="inkEffects" value="galaxy"/>
+      <inkml:brushProperty name="anchorX" value="-46250.40234"/>
+      <inkml:brushProperty name="anchorY" value="-63525.1875"/>
+      <inkml:brushProperty name="scaleFactor" value="0.5"/>
+    </inkml:brush>
+  </inkml:definitions>
+  <inkml:trace contextRef="#ctx0" brushRef="#br0">250 435 24575,'0'0'0,"-4"9"0,-7 7 0,1 4 0,1 4 0,1 1 0,3 2 0,2-1 0,2 0 0,-4-5 0,-5-5 0,-5-11 0,1-9 0,-3-9 0,-2-11 0,-2-14 0,-2-12 0,-1-11 0,5-8 0,4 0 0,5 8 0,4 10 0,8 18 0,-1 32 0,-1 0 0,0 1 0,1-1 0,-1 0 0,0 0 0,1 0 0,-1 1 0,1-1 0,-1 0 0,1 0 0,-1 1 0,1-1 0,0 1 0,-1-1 0,1 0 0,0 1 0,-1-1 0,1 1 0,0 0 0,0-1 0,-1 1 0,2-1 0,-1 1 0,0 0 0,0 0 0,0 0 0,0 0 0,1 0 0,-1 0 0,0 0 0,0 1 0,0-1 0,0 0 0,0 1 0,1-1 0,-1 1 0,0-1 0,0 1 0,2 1 0,22 21 0,7 18 0,2 9 0,-1 5 0,4-3 0,-7-1 0,-3-6 0,-1-10 0,-6-16 0,-20-20 0,0 2 0,1-1 0,-1 0 0,0 0 0,1 1 0,-1-1 0,1 0 0,-1 0 0,1 0 0,-1 0 0,1 0 0,-1 0 0,1 1 0,-1-1 0,0 0 0,1 0 0,-1 0 0,1-1 0,-1 1 0,1 0 0,-1 0 0,1 0 0,-1 0 0,1 0 0,-1 0 0,1-1 0,-1 1 0,0 0 0,1-1 0,-1 1 0,1-1 0,-1 0 0,1 0 0,-1 0 0,1 0 0,-1 0 0,0 0 0,1 0 0,-1-1 0,0 1 0,0 0 0,0 0 0,0 0 0,0 0 0,0-2 0,-1-24 0,-2-10 0,-1-6 0,0-5 0,1-2 0,6-1 0,1-1 0,5 1 0,5 4 0,4 7 0,3 5 0,3 9 0,1 14 0,-23 12 0,0 0 0,-1 0 0,1 0 0,0 0 0,0 0 0,0 0 0,-1 1 0,1-1 0,0 0 0,0 1 0,-1 0 0,4 1 0,21 18 0,-1 18 0,1 14 0,-1 12 0,-4 1 0,-6 1 0,-5-4 0,0-9 0,2-17 0,-11-35 0,0 0 0,0 1 0,0-1 0,-1 0 0,1 1 0,0-1 0,0 0 0,0 0 0,1 0 0,-1 0 0,0 0 0,3 2 0,-4-3 0,0 0 0,1 0 0,-1 0 0,1 1 0,-1-1 0,1 0 0,-1 0 0,1 0 0,-1 0 0,1 0 0,-1 0 0,1 0 0,-1 0 0,1 0 0,-1-1 0,1 1 0,-1 0 0,1 0 0,-1 0 0,1-1 0,-1 1 0,1 0 0,-1 0 0,1-1 0,-1 1 0,0 0 0,1-1 0,0 0 0,15-15 0,2-14 0,3-10 0,-4 4 0</inkml:trace>
+</inkml:ink>
+</file>
+
+<file path=ppt/ink/ink24.xml><?xml version="1.0" encoding="utf-8"?>
+<inkml:ink xmlns:inkml="http://www.w3.org/2003/InkML">
+  <inkml:definitions>
+    <inkml:context xml:id="ctx0">
+      <inkml:inkSource xml:id="inkSrc0">
+        <inkml:traceFormat>
+          <inkml:channel name="X" type="integer" min="-2.14748E9" max="2.14748E9" units="cm"/>
+          <inkml:channel name="Y" type="integer" min="-2.14748E9" max="2.14748E9" units="cm"/>
+          <inkml:channel name="F" type="integer" max="32767" units="dev"/>
+        </inkml:traceFormat>
+        <inkml:channelProperties>
+          <inkml:channelProperty channel="X" name="resolution" value="1000" units="1/cm"/>
+          <inkml:channelProperty channel="Y" name="resolution" value="1000" units="1/cm"/>
+          <inkml:channelProperty channel="F" name="resolution" value="0" units="1/dev"/>
+        </inkml:channelProperties>
+      </inkml:inkSource>
+      <inkml:timestamp xml:id="ts0" timeString="2023-07-21T22:46:03.063"/>
+    </inkml:context>
+    <inkml:brush xml:id="br0">
+      <inkml:brushProperty name="width" value="0.1" units="cm"/>
+      <inkml:brushProperty name="height" value="0.1" units="cm"/>
+      <inkml:brushProperty name="color" value="#AE198D"/>
+      <inkml:brushProperty name="inkEffects" value="galaxy"/>
+      <inkml:brushProperty name="anchorX" value="-47736.54297"/>
+      <inkml:brushProperty name="anchorY" value="-64459.45703"/>
+      <inkml:brushProperty name="scaleFactor" value="0.5"/>
+    </inkml:brush>
+  </inkml:definitions>
+  <inkml:trace contextRef="#ctx0" brushRef="#br0">0 59 24575,'0'0'0,"0"-13"0,0-9 0,0 6 0,0 9 0,0 14 0,0 8 0,0 13 0,0 8 0,0 12 0,5 10 0,5 7 0,5 1 0,5 3 0,7-3 0,7-4 0,7-8 0,4-9 0,-1-13 0,1-11 0,-39-19 0,1 0 0,0-1 0,-1 0 0,13 0 0,-15-2 0,0 0 0,1 1 0,-1-1 0,0-1 0,0 1 0,0 0 0,0-1 0,6-3 0,-5 2 0,1 0 0,-1-1 0,0 0 0,0 0 0,7-7 0,21-30 0,-3-7 0,-7-4 0,-8-2 0,-6 5 0,-9 11 0,-3 11 0</inkml:trace>
+</inkml:ink>
+</file>
+
+<file path=ppt/ink/ink25.xml><?xml version="1.0" encoding="utf-8"?>
+<inkml:ink xmlns:inkml="http://www.w3.org/2003/InkML">
+  <inkml:definitions>
+    <inkml:context xml:id="ctx0">
+      <inkml:inkSource xml:id="inkSrc0">
+        <inkml:traceFormat>
+          <inkml:channel name="X" type="integer" min="-2.14748E9" max="2.14748E9" units="cm"/>
+          <inkml:channel name="Y" type="integer" min="-2.14748E9" max="2.14748E9" units="cm"/>
+          <inkml:channel name="F" type="integer" max="32767" units="dev"/>
+        </inkml:traceFormat>
+        <inkml:channelProperties>
+          <inkml:channelProperty channel="X" name="resolution" value="1000" units="1/cm"/>
+          <inkml:channelProperty channel="Y" name="resolution" value="1000" units="1/cm"/>
+          <inkml:channelProperty channel="F" name="resolution" value="0" units="1/dev"/>
+        </inkml:channelProperties>
+      </inkml:inkSource>
+      <inkml:timestamp xml:id="ts0" timeString="2023-07-21T22:46:03.400"/>
+    </inkml:context>
+    <inkml:brush xml:id="br0">
+      <inkml:brushProperty name="width" value="0.1" units="cm"/>
+      <inkml:brushProperty name="height" value="0.1" units="cm"/>
+      <inkml:brushProperty name="color" value="#AE198D"/>
+      <inkml:brushProperty name="inkEffects" value="galaxy"/>
+      <inkml:brushProperty name="anchorX" value="-49270.9375"/>
+      <inkml:brushProperty name="anchorY" value="-65744.61719"/>
+      <inkml:brushProperty name="scaleFactor" value="0.5"/>
+    </inkml:brush>
+  </inkml:definitions>
+  <inkml:trace contextRef="#ctx0" brushRef="#br0">5 118 24575,'0'0'0,"-4"0"0,3-5 0,7 0 0,10-5 0,5-4 0,10 1 0,1 2 0,2-2 0,3-3 0,-2 3 0,-2 2 0,-2 4 0,-2 7 0,-7 3 0</inkml:trace>
+</inkml:ink>
+</file>
+
+<file path=ppt/ink/ink26.xml><?xml version="1.0" encoding="utf-8"?>
+<inkml:ink xmlns:inkml="http://www.w3.org/2003/InkML">
+  <inkml:definitions>
+    <inkml:context xml:id="ctx0">
+      <inkml:inkSource xml:id="inkSrc0">
+        <inkml:traceFormat>
+          <inkml:channel name="X" type="integer" min="-2.14748E9" max="2.14748E9" units="cm"/>
+          <inkml:channel name="Y" type="integer" min="-2.14748E9" max="2.14748E9" units="cm"/>
+          <inkml:channel name="F" type="integer" max="32767" units="dev"/>
+        </inkml:traceFormat>
+        <inkml:channelProperties>
+          <inkml:channelProperty channel="X" name="resolution" value="1000" units="1/cm"/>
+          <inkml:channelProperty channel="Y" name="resolution" value="1000" units="1/cm"/>
+          <inkml:channelProperty channel="F" name="resolution" value="0" units="1/dev"/>
+        </inkml:channelProperties>
+      </inkml:inkSource>
+      <inkml:timestamp xml:id="ts0" timeString="2023-07-21T22:46:03.711"/>
+    </inkml:context>
+    <inkml:brush xml:id="br0">
+      <inkml:brushProperty name="width" value="0.1" units="cm"/>
+      <inkml:brushProperty name="height" value="0.1" units="cm"/>
+      <inkml:brushProperty name="color" value="#AE198D"/>
+      <inkml:brushProperty name="inkEffects" value="galaxy"/>
+      <inkml:brushProperty name="anchorX" value="-50608.88281"/>
+      <inkml:brushProperty name="anchorY" value="-66645.35156"/>
+      <inkml:brushProperty name="scaleFactor" value="0.5"/>
+    </inkml:brush>
+  </inkml:definitions>
+  <inkml:trace contextRef="#ctx0" brushRef="#br0">0 145 24575,'0'0'0,"5"0"0,6 0 0,4 0 0,10-5 0,2-5 0,3-5 0,4-5 0,0-2 0,4-2 0,-2 3 0,-1 6 0,-4 4 0,-2 9 0,-7 9 0,-1 3 0,-6-6 0,-5-1 0</inkml:trace>
+</inkml:ink>
+</file>
+
+<file path=ppt/ink/ink27.xml><?xml version="1.0" encoding="utf-8"?>
+<inkml:ink xmlns:inkml="http://www.w3.org/2003/InkML">
+  <inkml:definitions>
+    <inkml:context xml:id="ctx0">
+      <inkml:inkSource xml:id="inkSrc0">
+        <inkml:traceFormat>
+          <inkml:channel name="X" type="integer" min="-2.14748E9" max="2.14748E9" units="cm"/>
+          <inkml:channel name="Y" type="integer" min="-2.14748E9" max="2.14748E9" units="cm"/>
+          <inkml:channel name="F" type="integer" max="32767" units="dev"/>
+        </inkml:traceFormat>
+        <inkml:channelProperties>
+          <inkml:channelProperty channel="X" name="resolution" value="1000" units="1/cm"/>
+          <inkml:channelProperty channel="Y" name="resolution" value="1000" units="1/cm"/>
+          <inkml:channelProperty channel="F" name="resolution" value="0" units="1/dev"/>
+        </inkml:channelProperties>
+      </inkml:inkSource>
+      <inkml:timestamp xml:id="ts0" timeString="2023-07-21T23:49:20.693"/>
+    </inkml:context>
+    <inkml:brush xml:id="br0">
+      <inkml:brushProperty name="width" value="0.1" units="cm"/>
+      <inkml:brushProperty name="height" value="0.1" units="cm"/>
+      <inkml:brushProperty name="color" value="#AE198D"/>
+      <inkml:brushProperty name="inkEffects" value="galaxy"/>
+      <inkml:brushProperty name="anchorX" value="-52042.38672"/>
+      <inkml:brushProperty name="anchorY" value="-67540.08594"/>
+      <inkml:brushProperty name="scaleFactor" value="0.5"/>
+    </inkml:brush>
+  </inkml:definitions>
+  <inkml:trace contextRef="#ctx0" brushRef="#br0">26 8643 24575,'0'0'0,"-4"0"0,-2-5 0,1-5 0,1-5 0,1-5 0,1-2 0,1-2 0,0-2 0,1 0 0,1 0 0,-1 0 0,5 1 0,0 0 0,0-1 0,0 1 0,-2 0 0,3 1 0,1-1 0,-2 0 0,-1 0 0,-1 0 0,-1 0 0,4 0 0,-1 1 0,6-1 0,-2 0 0,4 0 0,-2 0 0,3 0 0,-3-5 0,-2 0 0,3 0 0,-3 1 0,2 1 0,-1 1 0,4 1 0,-3 1 0,-3 0 0,4 0 0,-3 0 0,3 1 0,2-1 0,5 0 0,1 1 0,3-6 0,-3 0 0,0 0 0,0 1 0,2 1 0,0 1 0,1 1 0,-4 0 0,1 2 0,0-1 0,1 0 0,-4 0 0,1 1 0,1-1 0,1 0 0,2 0 0,1-5 0,1 0 0,1 0 0,0 1 0,0 1 0,0 1 0,0 1 0,1 1 0,-1 0 0,0 1 0,-1-1 0,1 0 0,0 0 0,0 1 0,0-1 0,5 0 0,0 0 0,0 5 0,-1 0 0,-1 0 0,-1 5 0,-1-2 0,4-1 0,0-1 0,5-3 0,-1-1 0,4-1 0,-2-1 0,3 5 0,-3 0 0,-2 0 0,-2 4 0,1-1 0,-1-1 0,-1 3 0,3-1 0,-1-2 0,3 3 0,-1-1 0,3-2 0,3-2 0,3 3 0,-3-1 0,2-1 0,1-2 0,2 4 0,-3 4 0,0-1 0,-4 3 0,2-1 0,1 2 0,-3-3 0,1 2 0,-2-2 0,2 2 0,1-3 0,-2 3 0,2-3 0,2 3 0,-4 2 0,-2 3 0,1-2 0,-3 1 0,-2 1 0,1-3 0,-1 1 0,4 2 0,-3 1 0,4-3 0,3 1 0,-2 1 0,2 1 0,2 2 0,2 2 0,-3 0 0,1 1 0,1 5 0,-3 1 0,1-1 0,-4 0 0,2-2 0,1-1 0,-2 0 0,-3-2 0,2 0 0,-4 0 0,-1 0 0,-3-1 0,-3 1 0,5 0 0,-2 0 0,0 0 0,-1 0 0,-2 0 0,0 0 0,-2 0 0,5 0 0,0 0 0,0-5 0,-1-1 0,4 1 0,-2 1 0,0 1 0,-1 1 0,-2 1 0,-1 0 0,-2-4 0,0 0 0,0 0 0,0-3 0,-1 0 0,1 1 0,5 2 0,0 1 0,-1 2 0,1-4 0,2 1 0,0 0 0,0 1 0,-3 2 0,-1 0 0,-1-4 0,-1 1 0,-1 0 0,-1 1 0,6-4 0,0 1 0,0 1 0,-1 2 0,-2-4 0,0 1 0,-1 1 0,-6-4 0,0 2 0,0-4 0,0-3 0,2-3 0,1-3 0,0 3 0,-3-2 0,0 5 0,0 4 0,-4-2 0,0 4 0,-2-3 0,0 2 0,-3-2 0,3 1 0,-3-2 0,2-3 0,-2-3 0,3 3 0,-3-2 0,3-1 0,-3-2 0,-2-2 0,-3 0 0,-3-1 0,4-1 0,-1 0 0,4-1 0,-1 1 0,-2 0 0,-1 0 0,-3 0 0,0 0 0,-3 0 0,1 0 0,-2 0 0,1 0 0,0 1 0,-1-1 0,1 0 0,5 0 0,0-5 0,0 0 0,-1 0 0,4 1 0,0 1 0,-2 1 0,-1 1 0,-2 1 0,-1 0 0,-1 0 0,-1 0 0,0 1 0,0-1 0,-1 0 0,1 0 0,0 0 0,0 1 0,-1-6 0,1 0 0,0 0 0,0 1 0,0-4 0,0 1 0,0 1 0,0 1 0,0 2 0,0 1 0,0 2 0,-5 0 0,0 0 0,0 0 0,0 1 0,2-1 0,-4 0 0,1 1 0,1-1 0,0 0 0,2 0 0,2-5 0,0 0 0,-4 0 0,0-4 0,0 1 0,1 1 0,1 2 0,2 1 0,0 2 0,0 2 0,1 0 0,0-5 0,1 0 0,-1 0 0,0 2 0,0-5 0,0 1 0,0-4 0,0-3 0,0 1 0,0-3 0,0 2 0,0 4 0,0 3 0,0 3 0,0 2 0,5 1 0,0 2 0,0-1 0,-1 1 0,-1-5 0,-1-1 0,-1-5 0,0 1 0,-1 2 0,0 0 0,0 3 0,-1 2 0,1 1 0,0 1 0,0 0 0,0 1 0,0-1 0,0 0 0,0 1 0,0-1 0,0 0 0,0 1 0,0-1 0,0 0 0,0 0 0,0 0 0,0 0 0,0 0 0,0 0 0,0 0 0,0 0 0,5 0 0,0 1 0,5-1 0,0 0 0,3 0 0,3 0 0,-1 0 0,1-5 0,-2 0 0,1 0 0,-3 1 0,2-4 0,-3 1 0,3 1 0,-3 1 0,-2 2 0,2 7 0,-2 0 0,3 1 0,2 0 0,0-7 0,1-1 0,3 0 0,2-1 0,-3 1 0,2 6 0,0 1 0,-3 1 0,1-1 0,1 4 0,2-1 0,-3 0 0,1 3 0,1-2 0,2-1 0,1 3 0,1-1 0,1-2 0,1-2 0,0-2 0,0 4 0,0-1 0,1-1 0,-1-1 0,0 4 0,-5-1 0,0 4 0,-1-2 0,2 0 0,1 2 0,-4-2 0,0 3 0,2-2 0,1-1 0,1-3 0,1-3 0,6 0 0,1-3 0,0 0 0,4 0 0,-1 0 0,4-5 0,-1-1 0,-2 6 0,-3 1 0,-2 1 0,-7 0 0,3 5 0,0 0 0,1-1 0,-1-1 0,6 3 0,-1 0 0,1-2 0,3-2 0,-1 5 0,4-2 0,-1 4 0,-3-2 0,-2 4 0,-2-2 0,3-2 0,-1 3 0,-1-3 0,-1 3 0,3-2 0,4-1 0,5-3 0,4-3 0,2-1 0,2-1 0,1-1 0,-4 5 0,-1 0 0,-4-1 0,0 5 0,1-1 0,2-1 0,1-2 0,8-1 0,1 3 0,5-6 0,0 0 0,5 2 0,-3 1 0,4 0 0,-4-1 0,3 4 0,-2 5 0,-8 4 0,-3-1 0,-8 2 0,-5 3 0,-6 1 0,-4 2 0,-2 1 0,-1 1 0,-2 0 0,6 0 0,0 0 0,0 1 0,5-1 0,3 0 0,5 0 0,4 0 0,1 0 0,3 0 0,5 0 0,1 0 0,4 5 0,5 0 0,-1 0 0,2-1 0,-2-1 0,-4 4 0,-3-1 0,-3 0 0,-2 3 0,-1-1 0,-6-1 0,-1-2 0,-5 3 0,1-1 0,-4-1 0,-3-2 0,2 4 0,-2-1 0,-1-1 0,-3-1 0,-1 2 0,3 5 0,4-1 0,5-1 0,9-3 0,8-3 0,7-1 0,6-2 0,3 0 0,2-2 0,1 1 0,-5-1 0,0 6 0,-5 0 0,-10 4 0,-4 1 0,-8-2 0,-7-2 0,-6 3 0,-3-2 0,-2 4 0,-2-1 0,-1 3 0,1-2 0,5 3 0,0 2 0,5-1 0,10 1 0,4 2 0,9 2 0,5 2 0,1 1 0,4-3 0,-3 0 0,-3-5 0,-8 1 0,-3-4 0,-8 2 0,-6 2 0,-4-3 0,-4 3 0,-3 2 0,0-3 0,-1-4 0,-1-3 0,1 2 0,5-2 0,1-2 0,4-2 0,1 3 0,-2 0 0,3 3 0,3-1 0,-2 4 0,-1-2 0,1-2 0,-2 2 0,-3-1 0,4 2 0,-3-2 0,3 3 0,-1 3 0,3 2 0,3 4 0,2 1 0,4 6 0,1 2 0,-4-1 0,1 0 0,-5-2 0,-3-1 0,0 0 0,-8-2 0,-3 0 0,-2 0 0,0 0 0,-1-1 0,0 1 0,0 0 0,-4-1 0,1 1 0,-1 5 0,2 0 0,1 0 0,1-1 0,1-1 0,-5-1 0,1-1 0,0 0 0,1-6 0,1-1 0,1 1 0,1-5 0,-4 2 0,-1-4 0,2 1 0,0 2 0,1 3 0,1 2 0,1 2 0,5 1 0,1 0 0,5 2 0,0-1 0,-2 0 0,3 1 0,-2-1 0,-1 0 0,-3 0 0,-2 0 0,-1 0 0,-6 0 0,-1-1 0,-6 1 0,1 0 0,2-5 0,-4 0 0,-2 0 0,1 0 0,-3 2 0,-2 1 0,3 1 0,-2 1 0,3 4 0,-1 2 0,3-1 0,-2-1 0,3-1 0,2-1 0,-2-1 0,3 0 0,1-6 0,-3-1 0,2 1 0,1-4 0,-3 0 0,2-3 0,1 1 0,2 2 0,2 3 0,1 2 0,6 2 0,1-4 0,6 1 0,-2 0 0,0 1 0,-3-4 0,-7 1 0,-1-4 0,-2 2 0,-1 1 0,2 2 0,1 2 0,0-4 0,1 2 0,1-5 0,0-3 0,0-4 0,0-3 0,0-2 0,0-2 0,0 0 0,0-1 0,0 0 0,0 1 0,0-1 0,0 1 0,-1 0 0,1 0 0,0 0 0,0 0 0,0 0 0,0 0 0,0 5 0,0 0 0,0 1 0,0-2 0,0-1 0,-1-1 0,1-1 0,0 0 0,0-1 0,0 0 0,0-1 0,0 1 0,0 0 0,-1 0 0,1 0 0,0-5 0,0-1 0,0 1 0,0 1 0,0 0 0,0 2 0,0 1 0,0 1 0,0 0 0,0 0 0,-1 0 0,1 0 0,0 1 0,0-1 0,0 0 0,0 0 0,0 0 0,0 0 0,0 0 0,0 0 0,-10 0 0,-11 0 0,-9 0 0,-9 5 0,-1 5 0,-4 1 0,-2 3 0,-1 3 0,-2 3 0,-1 3 0,0 1 0,4 1 0,1 0 0,0 5 0,-1 1 0,-1 4 0,-1 0 0,4 3 0,0-2 0,4-1 0,-1 1 0,4-2 0,-2-2 0,4 3 0,-4 3 0,4 4 0,-4-2 0,-2 7 0,-2-3 0,1 2 0,-1 0 0,4 1 0,-2 2 0,-1 0 0,3 0 0,-2 1 0,-2-5 0,-2 0 0,3 0 0,-1 1 0,-1 1 0,3 5 0,-1 7 0,-1 6 0,-2 4 0,-2 3 0,-1 3 0,-1 0 0,-1-4 0,0-5 0,0-6 0,0-9 0,4-3 0,1-8 0,1 0 0,-2-4 0,-1 2 0,-1 6 0,-1 4 0,0 2 0,-1 2 0,0 4 0,0 1 0,0 5 0,-5-2 0,-1 3 0,-4-1 0,1 2 0,1-3 0,-3-2 0,2-3 0,2 3 0,1-2 0,3-7 0,1 4 0,2-2 0,0 6 0,0-2 0,1 5 0,4-1 0,1 3 0,-1-1 0,0 1 0,3-1 0,-1-3 0,-1 2 0,4-2 0,4-3 0,3-1 0,-2 3 0,2-2 0,-2 0 0,-5-2 0,3-2 0,-4 0 0,-1-2 0,-3 0 0,-2 0 0,-2-1 0,-1 1 0,5-1 0,0 1 0,0-5 0,-1-1 0,-1 1 0,3-5 0,0 2 0,0 1 0,3 1 0,-1 3 0,-1-5 0,4 2 0,-3 1 0,4 0 0,-1-2 0,-3 0 0,-2-4 0,3 1 0,-2 2 0,-1 2 0,-2 2 0,-1 6 0,-1 2 0,-6 1 0,-1-1 0,-1-1 0,2 0 0,6-2 0,1-1 0,0-5 0,1 0 0,-1 0 0,0 0 0,-2 1 0,0 2 0,-1 1 0,-5 0 0,0 6 0,0 0 0,1 0 0,0 4 0,-2-1 0,4-1 0,2-1 0,1-8 0,0-6 0,6-7 0,-1-4 0,0-4 0,-1-2 0,-2 4 0,0 0 0,-2 4 0,-1 1 0,0 3 0,-5 4 0,0 2 0,-5 9 0,0 2 0,-3-5 0,2 1 0,-3-2 0,2-5 0,3-5 0,3-4 0,2-4 0,2-8 0,1-2 0,1-1 0,-4 1 0,-5 1 0,-6 1 0,-4 6 0,-3 1 0,-2 6 0,-6-1 0,-1 0 0,5 2 0,1-2 0,2-1 0,0-3 0,5 3 0,-1-1 0,1-1 0,-2-2 0,-2 4 0,-1-2 0,0 0 0,-2-2 0,0-1 0,0-2 0,0-5 0,0-1 0,0-5 0,5-5 0,1 2 0,-1-4 0,-1-2 0,-1 3 0,-5-1 0,-2-2 0,-6 3 0,1-1 0,1-1 0,2 2 0,2 0 0,2-3 0,1-1 0,0-2 0,2 4 0,-1 4 0,1 0 0,-1 3 0,1-2 0,-1 3 0,1 1 0,-1-1 0,5-4 0,0 2 0,5-2 0,0-4 0,-2 3 0,-1 4 0,-3-3 0,-7 4 0,0-3 0,-2 3 0,-4 2 0,1-3 0,5 2 0,3-3 0,6-3 0,7-3 0,-1-3 0,4 3 0,3-1 0,2-1 0,-3-2 0,-3 0 0,-6 3 0,-2 0 0,-4 4 0,-7-1 0,-1 4 0,-1-2 0,1-2 0,2 2 0,0-2 0,2-1 0,6 1 0,0 0 0,5-3 0,5-1 0,3-2 0,4-1 0,2-2 0,1 0 0,1 5 0,-5 0 0,0 0 0,-5-1 0,-5 4 0,-4 4 0,-3-1 0,2-1 0,0 2 0,-1-2 0,-2 2 0,4 4 0,0-3 0,-1 3 0,3-2 0,4-4 0,0 2 0,2-3 0,3-2 0,2-2 0,-3-2 0,2 3 0,-4 0 0,1 3 0,1 0 0,-2-1 0,1 3 0,-3 2 0,2 5 0,-3 2 0,2 3 0,2-4 0,-2-4 0,2 0 0,-3-3 0,3 1 0,0-3 0,4-2 0,1-3 0,2-2 0,2 4 0,0-2 0,0 0 0,1-1 0,-1 4 0,1-2 0,-1 5 0,1 4 0,-1-2 0,0 3 0,-5 2 0,0 2 0,0 3 0,-4-4 0,1 0 0,1-4 0,2-4 0,6 1 0,3-3 0,0 3 0,5 3 0,-1-3 0,-1 4 0,-1-4 0,3 3 0,-1-3 0,-2 2 0,4 3 0,-2-3 0,-2 2 0,4 2 0,-1-4 0,2 3 0,0-4 0,2 2 0,-2 2 0,3 2 0,-2-2 0,-3-4 0,-3-4 0,3-9 0,-2-7 0,4-7 0,-2-6 0,4-3 0,3-2 0,3-1 0,2-1 0,-2 6 0,0 0 0,1 0 0,-3 0 0,0-1 0,2-1 0,1-1 0,-3 0 0,1-1 0,0 0 0,3 0 0,-4 0 0,1 0 0,1 0 0,2 0 0,1-5 0,2 0 0,0 0 0,1 1 0,0-4 0,-5 1 0,0-4 0,-4 1 0,0-3 0,1 2 0,2-3 0,2 3 0,1 2 0,2-2 0,1 2 0,0 2 0,0 2 0,1 2 0,-1 2 0,0 0 0,0 2 0,5-6 0,1 0 0,-1 1 0,-1 0 0,-1 1 0,-1 2 0,4 0 0,-1 0 0,0 1 0,-1 1 0,4-1 0,4 0 0,-1 1 0,4-1 0,-3 0 0,-2 0 0,-3 0 0,3 0 0,-3 0 0,4 0 0,-2 0 0,4 5 0,-3 1 0,-1-1 0,-3-1 0,3 5 0,-2-2 0,-1-1 0,3-1 0,-1-2 0,4 4 0,-2-1 0,-2-1 0,-2-1 0,-2-1 0,-2-1 0,3-1 0,1-1 0,-2-5 0,0 0 0,-1-1 0,-2 2 0,0 1 0,-1 1 0,0 1 0,0 1 0,-5 5 0,0 0 0,-5 5 0,-5 5 0,-3 4 0,1-3 0,-1 3 0,-2 1 0,4-4 0,-2 2 0,5-4 0,3-4 0,-2 2 0,-2 1 0,-3 4 0,-3 3 0,-2 7 0,-2 2 0,5 6 0,-1 0 0,4 4 0,0-2 0,4 2 0,-2-2 0,2 3 0,-1-4 0,-3 3 0,-2-2 0,-3-4 0,-2-2 0,-1-2 0,-1-2 0,0-2 0,-1 0 0,1 0 0,0-1 0,0 1 0,-1-1 0,1 1 0,1 0 0,-1 0 0,0-5 0,5-5 0,0 0 0,0-4 0,4-4 0,0-2 0,3-2 0,3-2 0,4-1 0,3 0 0,1-1 0,2 1 0,0 0 0,1-1 0,0 1 0,-1 0 0,-4 0 0,-1 0 0,0-5 0,1-4 0,-4-2 0,1-3 0,1-3 0,1 2 0,-3-2 0,1 3 0,1 3 0,1 4 0,-3 8 0,1 2 0,1 2 0,2 0 0,1-6 0,1-2 0,2-5 0,0 0 0,0 0 0,0-3 0,0 2 0,1 1 0,-6-2 0,0 1 0,0 2 0,1 2 0,1 2 0,1-3 0,1 0 0,0 1 0,1-4 0,0 2 0,1 0 0,-1-3 0,0 2 0,0 1 0,0-3 0,0 2 0,0 1 0,0 2 0,0 2 0,0 2 0,0 0 0,0 1 0,0 0 0,0 1 0,0-1 0,0 1 0,-5 4 0,0 1 0,0-1 0,1-1 0,-4-1 0,-4 4 0,1 0 0,-4-2 0,-2 0 0,-4-3 0,-1 0 0,-1-1 0,-2 4 0,0 6 0,-1 4 0,1 4 0,-1 3 0,1 3 0,0 0 0,0 1 0,0 0 0,0 0 0,0-1 0,1 1 0,-1-1 0,0 0 0,0 0 0,0 0 0,-5 0 0,0 0 0,-5 5 0,-4 0 0,1 0 0,-3-1 0,2-1 0,4-1 0,3-1 0,2 0 0,3-1 0,2 4 0,0 1 0,0 0 0,1 4 0,0-1 0,0 4 0,-1 4 0,0-3 0,0 4 0,-4-4 0,4 2 0,0-3 0,1-2 0,0 1 0,0-2 0,0-3 0,0 4 0,-1-2 0,0-2 0,1-1 0,-1 3 0,0-1 0,0-1 0,0-2 0,0-1 0,0-1 0,0 3 0,0 1 0,0-1 0,1 3 0,-1 0 0,0-1 0,0-2 0,0-2 0,5 4 0,0-1 0,0 4 0,0-1 0,-2-1 0,-1-2 0,-1-2 0,-1-2 0,1-1 0,-1-1 0,-1 0 0,1-1 0,0 1 0,0 0 0,0-1 0,0 1 0,5-5 0,0 0 0,1-5 0,-2 1 0,-1-4 0,-1 2 0,-1 2 0,0-3 0,-1 3 0,0 2 0,0 2 0,5-4 0,0 3 0,5-5 0,-1 1 0,-1 2 0,-1-2 0,-3-4 0,-2 2 0,-6-3 0,0 2 0,-2-1 0,-3-3 0,1 2 0,0 4 0,3 3 0,-4 3 0,2 2 0,1 2 0,-3 1 0,-4 1 0,2-1 0,1 1 0,-2-1 0,2 1 0,-3-1 0,3 0 0,-4 0 0,-1 0 0,1 0 0,-2 0 0,3 0 0,-2 0 0,3 0 0,3 0 0,3 0 0,2 0 0,3 5 0,0 1 0,1-1 0,1-1 0,0 4 0,-6-1 0,-4 0 0,-6-3 0,1-1 0,2-1 0,-2 4 0,3-1 0,2 5 0,3-1 0,3-1 0,6 2 0,2-1 0,1-1 0,4 2 0,-2-2 0,5 4 0,-2 3 0,-2 4 0,2 2 0,-2 2 0,-1 1 0,-3-4 0,-2-5 0,-1 1 0,-2-5 0,0-3 0,0-2 0,0-4 0,0 0 0,0 3 0,-1-1 0,1 1 0,0-2 0,0 0 0,1-2 0,-1 0 0,0-5 0,0-2 0,0 1 0,0-4 0,0 0 0,0 2 0,5-4 0,-4-2 0,-1 0 0,-1-2 0,0-2 0,0 2 0,0-2 0,0-1 0,1 2 0,0 4 0,5-1 0,5-2 0,11-3 0,8-2 0,9-2 0,6-2 0,4-1 0,-3 5 0</inkml:trace>
+</inkml:ink>
+</file>
+
+<file path=ppt/ink/ink28.xml><?xml version="1.0" encoding="utf-8"?>
+<inkml:ink xmlns:inkml="http://www.w3.org/2003/InkML">
+  <inkml:definitions>
+    <inkml:context xml:id="ctx0">
+      <inkml:inkSource xml:id="inkSrc0">
+        <inkml:traceFormat>
+          <inkml:channel name="X" type="integer" min="-2.14748E9" max="2.14748E9" units="cm"/>
+          <inkml:channel name="Y" type="integer" min="-2.14748E9" max="2.14748E9" units="cm"/>
+          <inkml:channel name="F" type="integer" max="32767" units="dev"/>
+        </inkml:traceFormat>
+        <inkml:channelProperties>
+          <inkml:channelProperty channel="X" name="resolution" value="1000" units="1/cm"/>
+          <inkml:channelProperty channel="Y" name="resolution" value="1000" units="1/cm"/>
+          <inkml:channelProperty channel="F" name="resolution" value="0" units="1/dev"/>
+        </inkml:channelProperties>
+      </inkml:inkSource>
+      <inkml:timestamp xml:id="ts0" timeString="2023-07-21T23:50:35.395"/>
+    </inkml:context>
+    <inkml:brush xml:id="br0">
+      <inkml:brushProperty name="width" value="0.05" units="cm"/>
+      <inkml:brushProperty name="height" value="0.05" units="cm"/>
+      <inkml:brushProperty name="color" value="#E71224"/>
+    </inkml:brush>
+  </inkml:definitions>
+  <inkml:trace contextRef="#ctx0" brushRef="#br0">928 2144 24575,'16'0'0,"3"0"0,-19-4 0,-12-3 0,-48-26 0,-99-71 0,131 82 0,1-1 0,1-1 0,1-1 0,2-2 0,-28-38 0,-135-192 0,51 73 0,109 144 0,3-1 0,-22-53 0,13 27 0,13 27 0,2-1 0,2 0 0,2-1 0,1-1 0,-9-72 0,17 80 0,2 0 0,1 0 0,1-1 0,2 1 0,2 0 0,1 1 0,16-57 0,-14 72 0,1 1 0,0-1 0,2 2 0,0-1 0,1 1 0,1 1 0,17-21 0,8-2 0,62-52 0,-67 64 0,0 3 0,2 0 0,51-26 0,-68 42 0,0 0 0,1 1 0,0 0 0,0 2 0,1 0 0,-1 1 0,1 0 0,0 2 0,29 0 0,-38 2 0,-1 2 0,1-1 0,-1 1 0,1 0 0,-1 1 0,0 0 0,0 0 0,0 1 0,-1 1 0,1-1 0,-1 1 0,0 1 0,0-1 0,-1 1 0,0 1 0,0-1 0,0 1 0,-1 1 0,0-1 0,0 1 0,7 14 0,6 13 0,-3 0 0,-1 1 0,-1 1 0,8 39 0,-10-37 0,32 142 0,11 36 0,-5-63 0,-49-152 0,-1-1 0,1 1 0,0 0 0,0-1 0,-1 1 0,1-1 0,0 1 0,0-1 0,0 0 0,0 1 0,1-1 0,-1 0 0,0 0 0,0 1 0,1-1 0,-1 0 0,3 1 0,-4-2 0,0 0 0,1 0 0,-1 0 0,1 0 0,-1 0 0,0 0 0,1 0 0,-1 0 0,1 0 0,-1-1 0,0 1 0,1 0 0,-1 0 0,0 0 0,1 0 0,-1 0 0,0-1 0,1 1 0,-1 0 0,0 0 0,1-1 0,-1 1 0,0 0 0,0 0 0,1-1 0,-1 1 0,0-1 0,6-19 0,0-28 0,-3 13 0,2 0 0,14-50 0,-6 45 0,1 1 0,2 0 0,2 1 0,2 1 0,39-57 0,-44 75 0,0 0 0,1 1 0,1 0 0,0 2 0,2 0 0,0 1 0,0 1 0,1 0 0,1 2 0,1 0 0,27-10 0,-36 18 0,-1 1 0,0 0 0,1 0 0,0 2 0,0-1 0,-1 2 0,1 0 0,0 0 0,0 1 0,0 1 0,19 4 0,10 7 0,1 0 0,39 21 0,-21-9 0,-20-10 0,-10-4 0,0 1 0,-1 2 0,43 26 0,-63-33 0,0 1 0,-1 1 0,0 0 0,0 0 0,-1 1 0,0 0 0,-1 1 0,0-1 0,-1 1 0,0 1 0,-1-1 0,0 1 0,0 0 0,-2 0 0,1 0 0,2 22 0,-1 10 0,-2 0 0,-1 0 0,-7 64 0,2-86 0,0 0 0,-1-1 0,-2 1 0,0-1 0,-1 0 0,-12 25 0,-70 117 0,57-110 0,-141 283 0,33-60 0,94-193 0,-4-2 0,-116 143 0,117-165 0,-59 61 0,24-28 0,60-64 0,6-10-109,16-18 172,4-4 25,23-37-306,-14 23-971,4-10-5637</inkml:trace>
+</inkml:ink>
+</file>
+
+<file path=ppt/ink/ink29.xml><?xml version="1.0" encoding="utf-8"?>
+<inkml:ink xmlns:inkml="http://www.w3.org/2003/InkML">
+  <inkml:definitions>
+    <inkml:context xml:id="ctx0">
+      <inkml:inkSource xml:id="inkSrc0">
+        <inkml:traceFormat>
+          <inkml:channel name="X" type="integer" min="-2.14748E9" max="2.14748E9" units="cm"/>
+          <inkml:channel name="Y" type="integer" min="-2.14748E9" max="2.14748E9" units="cm"/>
+          <inkml:channel name="F" type="integer" max="32767" units="dev"/>
+        </inkml:traceFormat>
+        <inkml:channelProperties>
+          <inkml:channelProperty channel="X" name="resolution" value="1000" units="1/cm"/>
+          <inkml:channelProperty channel="Y" name="resolution" value="1000" units="1/cm"/>
+          <inkml:channelProperty channel="F" name="resolution" value="0" units="1/dev"/>
+        </inkml:channelProperties>
+      </inkml:inkSource>
+      <inkml:timestamp xml:id="ts0" timeString="2023-07-21T23:49:24.204"/>
+    </inkml:context>
+    <inkml:brush xml:id="br0">
+      <inkml:brushProperty name="width" value="0.1" units="cm"/>
+      <inkml:brushProperty name="height" value="0.1" units="cm"/>
+      <inkml:brushProperty name="color" value="#AE198D"/>
+      <inkml:brushProperty name="inkEffects" value="galaxy"/>
+      <inkml:brushProperty name="anchorX" value="-53520.57031"/>
+      <inkml:brushProperty name="anchorY" value="-68386.70313"/>
+      <inkml:brushProperty name="scaleFactor" value="0.5"/>
+    </inkml:brush>
+  </inkml:definitions>
+  <inkml:trace contextRef="#ctx0" brushRef="#br0">251 0 24575,'0'0'0,"-4"0"0,-7 0 0,-4 0 0,-4 0 0,-4 5 0,3 6 0,0-1 0,4 4 0,5 4 0,-2 2 0,4 7 0,-3 2 0,3 1 0,-4 5 0,3-2 0,1 0 0,3 2 0,-2 4 0,1 3 0,1 4 0,1 1 0,2 7 0,2 2 0,0-1 0,1 5 0,0-2 0,6 4 0,-1-1 0,1-3 0,-1-1 0,-2-4 0,4-1 0,-1-1 0,4 4 0,0 5 0,3 4 0,-2 0 0,-3 3 0,4 1 0,-3 3 0,3-3 0,3 0 0,-1-3 0,2-4 0,1-5 0,4-2 0,1-7 0,1-2 0,1-6 0,2-4 0,-6-4 0,0-8 0,-5-13 0,-4-10 0,-4-16 0,-3-11 0,-8-16 0,-5-12 0,-2 5 0</inkml:trace>
+</inkml:ink>
+</file>
+
+<file path=ppt/ink/ink3.xml><?xml version="1.0" encoding="utf-8"?>
+<inkml:ink xmlns:inkml="http://www.w3.org/2003/InkML">
+  <inkml:definitions>
+    <inkml:context xml:id="ctx0">
+      <inkml:inkSource xml:id="inkSrc0">
+        <inkml:traceFormat>
+          <inkml:channel name="X" type="integer" min="-2.14748E9" max="2.14748E9" units="cm"/>
+          <inkml:channel name="Y" type="integer" min="-2.14748E9" max="2.14748E9" units="cm"/>
+          <inkml:channel name="F" type="integer" max="32767" units="dev"/>
+        </inkml:traceFormat>
+        <inkml:channelProperties>
+          <inkml:channelProperty channel="X" name="resolution" value="1000" units="1/cm"/>
+          <inkml:channelProperty channel="Y" name="resolution" value="1000" units="1/cm"/>
+          <inkml:channelProperty channel="F" name="resolution" value="0" units="1/dev"/>
+        </inkml:channelProperties>
+      </inkml:inkSource>
+      <inkml:timestamp xml:id="ts0" timeString="2023-07-21T22:44:58.156"/>
+    </inkml:context>
+    <inkml:brush xml:id="br0">
+      <inkml:brushProperty name="width" value="0.1" units="cm"/>
+      <inkml:brushProperty name="height" value="0.1" units="cm"/>
+      <inkml:brushProperty name="color" value="#AE198D"/>
+      <inkml:brushProperty name="inkEffects" value="galaxy"/>
+      <inkml:brushProperty name="anchorX" value="-3965.60742"/>
+      <inkml:brushProperty name="anchorY" value="-18423.85352"/>
+      <inkml:brushProperty name="scaleFactor" value="0.5"/>
+    </inkml:brush>
+  </inkml:definitions>
+  <inkml:trace contextRef="#ctx0" brushRef="#br0">525 176 24575,'0'0'0,"0"-4"0,0-7 0,0-4 0,0-4 0,0-4 0,-6 4 0,-4 4 0,0-1 0,-5 4 0,-2 4 0,-3-3 0,-2 3 0,-2 2 0,-1 1 0,0 3 0,-1 0 0,1 2 0,4 5 0,1 0 0,5 6 0,0-1 0,-2-1 0,3 2 0,-2-2 0,3 4 0,-1-3 0,3 4 0,2 1 0,-2-1 0,2 2 0,-2 3 0,1 1 0,-3 2 0,2 1 0,-3-3 0,3 0 0,2 0 0,3 1 0,2 1 0,2 1 0,1 1 0,1 1 0,-4 0 0,-1 0 0,1 0 0,0 0 0,1 0 0,2 0 0,0 0 0,0 0 0,1 0 0,0 0 0,0 0 0,6 0 0,-1 0 0,5 0 0,-1 0 0,5-5 0,-3-1 0,3-4 0,-2 1 0,2-4 0,-2 1 0,2-2 0,2-3 0,3-3 0,2 4 0,2-3 0,2 5 0,-1-2 0,2-1 0,-1-2 0,1-2 0,-1-2 0,-5 3 0,0 1 0,0 3 0,1 0 0,0-1 0,2-2 0,1-2 0,1-2 0,0-1 0,0-1 0,0 0 0,0 0 0,0-6 0,0-4 0,0-1 0,-5-3 0,0-4 0,-6-2 0,2-2 0,-4-2 0,1 4 0,-2 0 0,-2-1 0,-4 0 0,-1-1 0,-3-2 0,0 0 0,-1 0 0,-1-1 0,1 0 0,-1 0 0,1 0 0,0 0 0,-6 5 0,1 0 0,0 0 0,0-1 0,2-1 0,1-1 0,1-1 0,-4 0 0,-1-1 0,2 0 0,-5 0 0,-4 5 0,1 0 0,-3 5 0,-3-1 0,-2 5 0,-2-3 0,-2-2 0,0-2 0,-2 2 0,1 3 0,5-1 0,0 4 0,-1-3 0,0 3 0,4-3 0,-1 2 0,0 3 0,-2-3 0,-2 2 0,-1 2 0,3-2 0,6 0 0</inkml:trace>
+</inkml:ink>
+</file>
+
+<file path=ppt/ink/ink30.xml><?xml version="1.0" encoding="utf-8"?>
+<inkml:ink xmlns:inkml="http://www.w3.org/2003/InkML">
+  <inkml:definitions>
+    <inkml:context xml:id="ctx0">
+      <inkml:inkSource xml:id="inkSrc0">
+        <inkml:traceFormat>
+          <inkml:channel name="X" type="integer" min="-2.14748E9" max="2.14748E9" units="cm"/>
+          <inkml:channel name="Y" type="integer" min="-2.14748E9" max="2.14748E9" units="cm"/>
+          <inkml:channel name="F" type="integer" max="32767" units="dev"/>
+        </inkml:traceFormat>
+        <inkml:channelProperties>
+          <inkml:channelProperty channel="X" name="resolution" value="1000" units="1/cm"/>
+          <inkml:channelProperty channel="Y" name="resolution" value="1000" units="1/cm"/>
+          <inkml:channelProperty channel="F" name="resolution" value="0" units="1/dev"/>
+        </inkml:channelProperties>
+      </inkml:inkSource>
+      <inkml:timestamp xml:id="ts0" timeString="2023-07-21T23:49:25.874"/>
+    </inkml:context>
+    <inkml:brush xml:id="br0">
+      <inkml:brushProperty name="width" value="0.1" units="cm"/>
+      <inkml:brushProperty name="height" value="0.1" units="cm"/>
+      <inkml:brushProperty name="color" value="#AE198D"/>
+      <inkml:brushProperty name="inkEffects" value="galaxy"/>
+      <inkml:brushProperty name="anchorX" value="-54639.38672"/>
+      <inkml:brushProperty name="anchorY" value="-71413.5625"/>
+      <inkml:brushProperty name="scaleFactor" value="0.5"/>
+    </inkml:brush>
+  </inkml:definitions>
+  <inkml:trace contextRef="#ctx0" brushRef="#br0">16 1 24575,'0'0'0,"-4"0"0,-2 5 0,1 5 0,6 0 0,1 4 0,6 4 0,5 2 0,5-3 0,8 2 0,3 1 0,6 1 0,0 1 0,4 7 0,3 0 0,3 1 0,2-6 0,2-1 0,1 0 0,0-1 0,0-5 0,1 1 0,-1 1 0,0-4 0,-5 1 0,0 2 0,0 2 0,-5 1 0,2 3 0,1 0 0,-4 0 0,2-4 0,2-4 0,-3-2 0,-4-3 0,2-3 0,-3 2 0,-3-2 0,-2 3 0,-2-1 0,-2-3 0,-1-1 0,0-2 0,0-3 0,-1 0 0,-4 4 0,-6 5 0,-9 0 0,-5 3 0,-8 4 0,0 3 0,-6 3 0,2 0 0,-4 7 0,-1 1 0,-3 4 0,3 5 0,-2 3 0,0 4 0,3 2 0,-1 0 0,-2-3 0,4 0 0,-1-6 0,2 1 0,0-4 0,-3 2 0,-2-3 0,-2 2 0,-2-2 0,-6 2 0,-1-2 0,0 2 0,1-2 0,0 3 0,2-3 0,5-3 0,2-2 0,0-7 0,0 2 0,-2 0 0,-1 0 0,-5 4 0,-2 1 0,1 4 0,-1 0 0,2-2 0,1-2 0,1-7 0,5-2 0,1-6 0,6 0 0,-1 1 0,-2 1 0,3 2 0,-1 3 0,-3 0 0,-1 2 0,2 0 0,4-10 0,13-16 0,0 1 0,0 0 0,-1 1 0,1-1 0,0 0 0,0 0 0,0 0 0,-1 0 0,1 1 0,0-1 0,0 0 0,-1 0 0,1 0 0,0 0 0,-1 0 0,1 0 0,0 0 0,0 0 0,-1 0 0,1 0 0,0 0 0,0 0 0,-1 0 0,1 0 0,0 0 0,-1 0 0,1 0 0,0 0 0,0 0 0,-1 0 0,1 0 0,0 0 0,0-1 0,-1 1 0,-4-10 0,2-4 0</inkml:trace>
+</inkml:ink>
+</file>
+
+<file path=ppt/ink/ink31.xml><?xml version="1.0" encoding="utf-8"?>
+<inkml:ink xmlns:inkml="http://www.w3.org/2003/InkML">
+  <inkml:definitions>
+    <inkml:context xml:id="ctx0">
+      <inkml:inkSource xml:id="inkSrc0">
+        <inkml:traceFormat>
+          <inkml:channel name="X" type="integer" min="-2.14748E9" max="2.14748E9" units="cm"/>
+          <inkml:channel name="Y" type="integer" min="-2.14748E9" max="2.14748E9" units="cm"/>
+          <inkml:channel name="F" type="integer" max="32767" units="dev"/>
+        </inkml:traceFormat>
+        <inkml:channelProperties>
+          <inkml:channelProperty channel="X" name="resolution" value="1000" units="1/cm"/>
+          <inkml:channelProperty channel="Y" name="resolution" value="1000" units="1/cm"/>
+          <inkml:channelProperty channel="F" name="resolution" value="0" units="1/dev"/>
+        </inkml:channelProperties>
+      </inkml:inkSource>
+      <inkml:timestamp xml:id="ts0" timeString="2023-07-21T23:49:26.837"/>
+    </inkml:context>
+    <inkml:brush xml:id="br0">
+      <inkml:brushProperty name="width" value="0.1" units="cm"/>
+      <inkml:brushProperty name="height" value="0.1" units="cm"/>
+      <inkml:brushProperty name="color" value="#AE198D"/>
+      <inkml:brushProperty name="inkEffects" value="galaxy"/>
+      <inkml:brushProperty name="anchorX" value="-56076.36328"/>
+      <inkml:brushProperty name="anchorY" value="-74736.66406"/>
+      <inkml:brushProperty name="scaleFactor" value="0.5"/>
+    </inkml:brush>
+  </inkml:definitions>
+  <inkml:trace contextRef="#ctx0" brushRef="#br0">44 126 24575,'0'0'0,"-13"4"0,-5 7 0,8 0 0,8-2 0,8-1 0,12-8 0,17-8 0,8-10 0,12-6 0,8-4 0,1-1 0,-1 5 0,-8 6 0,-8 6 0,-8 4 0,-11 10 0,-10 3 0</inkml:trace>
+</inkml:ink>
+</file>
+
+<file path=ppt/ink/ink32.xml><?xml version="1.0" encoding="utf-8"?>
+<inkml:ink xmlns:inkml="http://www.w3.org/2003/InkML">
+  <inkml:definitions>
+    <inkml:context xml:id="ctx0">
+      <inkml:inkSource xml:id="inkSrc0">
+        <inkml:traceFormat>
+          <inkml:channel name="X" type="integer" min="-2.14748E9" max="2.14748E9" units="cm"/>
+          <inkml:channel name="Y" type="integer" min="-2.14748E9" max="2.14748E9" units="cm"/>
+          <inkml:channel name="F" type="integer" max="32767" units="dev"/>
+        </inkml:traceFormat>
+        <inkml:channelProperties>
+          <inkml:channelProperty channel="X" name="resolution" value="1000" units="1/cm"/>
+          <inkml:channelProperty channel="Y" name="resolution" value="1000" units="1/cm"/>
+          <inkml:channelProperty channel="F" name="resolution" value="0" units="1/dev"/>
+        </inkml:channelProperties>
+      </inkml:inkSource>
+      <inkml:timestamp xml:id="ts0" timeString="2023-07-21T23:49:27.297"/>
+    </inkml:context>
+    <inkml:brush xml:id="br0">
+      <inkml:brushProperty name="width" value="0.1" units="cm"/>
+      <inkml:brushProperty name="height" value="0.1" units="cm"/>
+      <inkml:brushProperty name="color" value="#AE198D"/>
+      <inkml:brushProperty name="inkEffects" value="galaxy"/>
+      <inkml:brushProperty name="anchorX" value="-57583.44922"/>
+      <inkml:brushProperty name="anchorY" value="-75633.03125"/>
+      <inkml:brushProperty name="scaleFactor" value="0.5"/>
+    </inkml:brush>
+  </inkml:definitions>
+  <inkml:trace contextRef="#ctx0" brushRef="#br0">0 201 24575,'0'0'0,"5"0"0,6-4 0,4-6 0,9-1 0,4-3 0,1 1 0,6-2 0,4-2 0,4-3 0,3 3 0,3-1 0,0 4 0,-3 3 0,-1-1 0,-4 3 0,0 2 0,-4 3 0,2 1 0,-3 2 0,-3 1 0,-3 0 0,-1 0 0,-8 1 0</inkml:trace>
+</inkml:ink>
+</file>
+
+<file path=ppt/ink/ink33.xml><?xml version="1.0" encoding="utf-8"?>
+<inkml:ink xmlns:inkml="http://www.w3.org/2003/InkML">
+  <inkml:definitions>
+    <inkml:context xml:id="ctx0">
+      <inkml:inkSource xml:id="inkSrc0">
+        <inkml:traceFormat>
+          <inkml:channel name="X" type="integer" min="-2.14748E9" max="2.14748E9" units="cm"/>
+          <inkml:channel name="Y" type="integer" min="-2.14748E9" max="2.14748E9" units="cm"/>
+          <inkml:channel name="F" type="integer" max="32767" units="dev"/>
+        </inkml:traceFormat>
+        <inkml:channelProperties>
+          <inkml:channelProperty channel="X" name="resolution" value="1000" units="1/cm"/>
+          <inkml:channelProperty channel="Y" name="resolution" value="1000" units="1/cm"/>
+          <inkml:channelProperty channel="F" name="resolution" value="0" units="1/dev"/>
+        </inkml:channelProperties>
+      </inkml:inkSource>
+      <inkml:timestamp xml:id="ts0" timeString="2023-07-21T23:49:27.782"/>
+    </inkml:context>
+    <inkml:brush xml:id="br0">
+      <inkml:brushProperty name="width" value="0.1" units="cm"/>
+      <inkml:brushProperty name="height" value="0.1" units="cm"/>
+      <inkml:brushProperty name="color" value="#AE198D"/>
+      <inkml:brushProperty name="inkEffects" value="galaxy"/>
+      <inkml:brushProperty name="anchorX" value="-59370.32031"/>
+      <inkml:brushProperty name="anchorY" value="-76449.19531"/>
+      <inkml:brushProperty name="scaleFactor" value="0.5"/>
+    </inkml:brush>
+  </inkml:definitions>
+  <inkml:trace contextRef="#ctx0" brushRef="#br0">0 396 24575,'0'0'0,"13"0"0,10-5 0,7-5 0,8-5 0,6-5 0,4-2 0,2 2 0,1 0 0,0-6 0,1 0 0,-1-7 0,4 0 0,-4-5 0,-1 2 0,-6 2 0,-6 8 0,-14 7 0,-10 7 0</inkml:trace>
+</inkml:ink>
+</file>
+
+<file path=ppt/ink/ink34.xml><?xml version="1.0" encoding="utf-8"?>
+<inkml:ink xmlns:inkml="http://www.w3.org/2003/InkML">
+  <inkml:definitions>
+    <inkml:context xml:id="ctx0">
+      <inkml:inkSource xml:id="inkSrc0">
+        <inkml:traceFormat>
+          <inkml:channel name="X" type="integer" min="-2.14748E9" max="2.14748E9" units="cm"/>
+          <inkml:channel name="Y" type="integer" min="-2.14748E9" max="2.14748E9" units="cm"/>
+          <inkml:channel name="F" type="integer" max="32767" units="dev"/>
+        </inkml:traceFormat>
+        <inkml:channelProperties>
+          <inkml:channelProperty channel="X" name="resolution" value="1000" units="1/cm"/>
+          <inkml:channelProperty channel="Y" name="resolution" value="1000" units="1/cm"/>
+          <inkml:channelProperty channel="F" name="resolution" value="0" units="1/dev"/>
+        </inkml:channelProperties>
+      </inkml:inkSource>
+      <inkml:timestamp xml:id="ts0" timeString="2023-07-21T23:49:28.150"/>
+    </inkml:context>
+    <inkml:brush xml:id="br0">
+      <inkml:brushProperty name="width" value="0.1" units="cm"/>
+      <inkml:brushProperty name="height" value="0.1" units="cm"/>
+      <inkml:brushProperty name="color" value="#AE198D"/>
+      <inkml:brushProperty name="inkEffects" value="galaxy"/>
+      <inkml:brushProperty name="anchorX" value="-61112.82031"/>
+      <inkml:brushProperty name="anchorY" value="-77070.32031"/>
+      <inkml:brushProperty name="scaleFactor" value="0.5"/>
+    </inkml:brush>
+  </inkml:definitions>
+  <inkml:trace contextRef="#ctx0" brushRef="#br0">0 246 24575,'0'0'0,"0"-4"0,5-2 0,5 1 0,5-4 0,5 0 0,7-2 0,3 0 0,5-2 0,5-4 0,4-7 0,3 2 0,7-1 0,2 0 0,-1-1 0,0 4 0,-6 5 0,-7 6 0,-15 8 0,-27 2 0,1-1 0,-1 0 0,1 1 0,-1-1 0,1 0 0,0 0 0,-1 1 0,1-1 0,-1 0 0,1 1 0,-1-1 0,1 1 0,-1-1 0,0 1 0,1-1 0,-1 0 0,0 1 0,1-1 0,-1 1 0,0 0 0,1-1 0,-1 1 0,0-1 0,0 1 0,0-1 0,1 2 0,-1-3 0,0 2 0,0 0 0,0 0 0,0 0 0,0 0 0,0 0 0,0 0 0,0 0 0,0 0 0,0 0 0,-1-1 0,1 1 0,0 0 0,-1 0 0,1 0 0,-1 1 0,-8 13 0</inkml:trace>
+</inkml:ink>
+</file>
+
+<file path=ppt/ink/ink35.xml><?xml version="1.0" encoding="utf-8"?>
+<inkml:ink xmlns:inkml="http://www.w3.org/2003/InkML">
+  <inkml:definitions>
+    <inkml:context xml:id="ctx0">
+      <inkml:inkSource xml:id="inkSrc0">
+        <inkml:traceFormat>
+          <inkml:channel name="X" type="integer" min="-2.14748E9" max="2.14748E9" units="cm"/>
+          <inkml:channel name="Y" type="integer" min="-2.14748E9" max="2.14748E9" units="cm"/>
+          <inkml:channel name="F" type="integer" max="32767" units="dev"/>
+        </inkml:traceFormat>
+        <inkml:channelProperties>
+          <inkml:channelProperty channel="X" name="resolution" value="1000" units="1/cm"/>
+          <inkml:channelProperty channel="Y" name="resolution" value="1000" units="1/cm"/>
+          <inkml:channelProperty channel="F" name="resolution" value="0" units="1/dev"/>
+        </inkml:channelProperties>
+      </inkml:inkSource>
+      <inkml:timestamp xml:id="ts0" timeString="2023-07-21T23:49:28.349"/>
+    </inkml:context>
+    <inkml:brush xml:id="br0">
+      <inkml:brushProperty name="width" value="0.1" units="cm"/>
+      <inkml:brushProperty name="height" value="0.1" units="cm"/>
+      <inkml:brushProperty name="color" value="#AE198D"/>
+      <inkml:brushProperty name="inkEffects" value="galaxy"/>
+      <inkml:brushProperty name="anchorX" value="-62738.46875"/>
+      <inkml:brushProperty name="anchorY" value="-77883.17969"/>
+      <inkml:brushProperty name="scaleFactor" value="0.5"/>
+    </inkml:brush>
+  </inkml:definitions>
+  <inkml:trace contextRef="#ctx0" brushRef="#br0">1 118 24575,'0'0'0,"8"0"0,9 0 0,8-5 0,8 0 0,3-5 0,5-4 0,-3-5 0,4-2 0,-4-3 0,-8 4 0</inkml:trace>
+</inkml:ink>
+</file>
+
+<file path=ppt/ink/ink36.xml><?xml version="1.0" encoding="utf-8"?>
+<inkml:ink xmlns:inkml="http://www.w3.org/2003/InkML">
+  <inkml:definitions>
+    <inkml:context xml:id="ctx0">
+      <inkml:inkSource xml:id="inkSrc0">
+        <inkml:traceFormat>
+          <inkml:channel name="X" type="integer" min="-2.14748E9" max="2.14748E9" units="cm"/>
+          <inkml:channel name="Y" type="integer" min="-2.14748E9" max="2.14748E9" units="cm"/>
+          <inkml:channel name="F" type="integer" max="32767" units="dev"/>
+        </inkml:traceFormat>
+        <inkml:channelProperties>
+          <inkml:channelProperty channel="X" name="resolution" value="1000" units="1/cm"/>
+          <inkml:channelProperty channel="Y" name="resolution" value="1000" units="1/cm"/>
+          <inkml:channelProperty channel="F" name="resolution" value="0" units="1/dev"/>
+        </inkml:channelProperties>
+      </inkml:inkSource>
+      <inkml:timestamp xml:id="ts0" timeString="2023-07-21T23:51:13.758"/>
+    </inkml:context>
+    <inkml:brush xml:id="br0">
+      <inkml:brushProperty name="width" value="0.1" units="cm"/>
+      <inkml:brushProperty name="height" value="0.1" units="cm"/>
+      <inkml:brushProperty name="color" value="#AE198D"/>
+      <inkml:brushProperty name="inkEffects" value="galaxy"/>
+      <inkml:brushProperty name="anchorX" value="-64063.11328"/>
+      <inkml:brushProperty name="anchorY" value="-78781.84375"/>
+      <inkml:brushProperty name="scaleFactor" value="0.5"/>
+    </inkml:brush>
+  </inkml:definitions>
+  <inkml:trace contextRef="#ctx0" brushRef="#br0">3889 5376 24575,'0'0'0,"4"0"0,2 5 0,-6 5 0,-6 0 0,-6 4 0,-5-2 0,-5 3 0,-1-2 0,-3-3 0,0-4 0,5 3 0,0-1 0,0-3 0,0 4 0,-1-1 0,-1-2 0,-1-1 0,-1 3 0,-4 4 0,-1-1 0,-5-2 0,0 3 0,2-2 0,-3-3 0,2 4 0,1-3 0,3-1 0,2-2 0,1-1 0,2-3 0,0 5 0,0-1 0,0 0 0,1-2 0,-1 5 0,1-1 0,-6 4 0,0-2 0,0-1 0,1-2 0,1-2 0,1-2 0,1-1 0,1-1 0,0 0 0,0 0 0,0 4 0,1 1 0,-1 0 0,-5 3 0,0 1 0,0 3 0,-4-2 0,1 4 0,1-3 0,2-2 0,2-2 0,1-3 0,1-2 0,1-1 0,0-1 0,1-1 0,-1 6 0,0-1 0,1 1 0,-1 4 0,0-1 0,0-2 0,1 0 0,-1 2 0,0-1 0,0-1 0,0-2 0,0-1 0,0 4 0,-5-1 0,0-1 0,0 4 0,-4-1 0,1-1 0,1-2 0,2-1 0,1-3 0,3 5 0,0 0 0,1-2 0,0 5 0,-5-1 0,1 4 0,-6-2 0,-4 3 0,1-2 0,2-2 0,-2-3 0,2-2 0,3-2 0,3-1 0,2-1 0,-4 0 0,2-1 0,0 1 0,-4-1 0,2 1 0,-5 0 0,2 0 0,2 0 0,2 0 0,2 0 0,2 0 0,1 0 0,1 0 0,6-5 0,-1 0 0,1-5 0,-1 1 0,-2-4 0,-1-4 0,-1 3 0,5-2 0,-1-3 0,5-2 0,0-1 0,-2-1 0,-2-7 0,-2 0 0,-7 0 0,-1 0 0,0 2 0,-6 1 0,2 1 0,0 0 0,3 1 0,1 0 0,7-4 0,1-1 0,1 0 0,5-4 0,-2 1 0,0 2 0,-3 0 0,4 3 0,4 1 0,-2 1 0,4 1 0,2 0 0,3 1 0,2-6 0,2-4 0,1-1 0,0-4 0,1 2 0,-6 2 0,-5-2 0,0 2 0,-4-3 0,-3 3 0,-3 2 0,-3 3 0,-1 1 0,4 2 0,5 2 0,5 0 0,3 0 0,4 1 0,8 5 0,5-1 0,1 0 0,5 0 0,2-2 0,3-1 0,1-1 0,3 0 0,0-1 0,5 0 0,1 0 0,-1 5 0,0 0 0,-2 0 0,-1 4 0,-1-1 0,-1 4 0,0 3 0,0-1 0,0 2 0,0-2 0,-1 1 0,1-2 0,0 1 0,0 3 0,-1 2 0,1 2 0,0 2 0,0 1 0,0 1 0,0 1 0,0-1 0,0 1 0,0-1 0,0 0 0,-1 0 0,1 1 0,5 3 0,0 2 0,0-1 0,-1-1 0,-1-1 0,-1-1 0,-1-1 0,0-1 0,-2 0 0,1 0 0,0 0 0,0 0 0,-1-1 0,1-4 0,0 0 0,0 0 0,0-4 0,0 1 0,-1 1 0,1 2 0,0 1 0,0 2 0,0 1 0,0 1 0,0 0 0,0 1 0,5-1 0,0-5 0,0 1 0,4-1 0,-1 1 0,-1 1 0,3 1 0,-2 1 0,-1 0 0,-2 1 0,-2 0 0,-1 0 0,-1-5 0,-1 0 0,0 0 0,-1 1 0,0 1 0,1 1 0,0-4 0,5 0 0,-1 1 0,1-4 0,4 1 0,0 1 0,2-2 0,0 0 0,2 2 0,-2 2 0,3-3 0,-2 1 0,2 1 0,-3 2 0,-2-4 0,-3 2 0,2 0 0,-1-3 0,-1 0 0,3 2 0,-2 2 0,0-3 0,2 1 0,0 1 0,-3 2 0,4-4 0,-2 1 0,-1 2 0,-2-4 0,-2 1 0,4 1 0,-2-3 0,1-3 0,2-4 0,0 1 0,-2-1 0,4-2 0,-1 3 0,2-2 0,-1 5 0,-1-2 0,2 3 0,-3 3 0,-1-2 0,-2-2 0,-2 1 0,-1-3 0,-2-2 0,0-3 0,0-2 0,-1-1 0,-4-1 0,-1 3 0,1 6 0,-4 0 0,0 4 0,2 3 0,2 3 0,1 2 0,2 2 0,1 1 0,1 0 0,0 1 0,0-5 0,-5-6 0,0-4 0,-4-5 0,-1 1 0,2-1 0,-3-1 0,-3-2 0,1-1 0,-2-1 0,2-5 0,-2-2 0,2-4 0,-1 1 0,-3 1 0,4 1 0,-3 3 0,3 2 0,-2 1 0,-2 1 0,3 0 0,-3 0 0,4-4 0,-2-1 0,3-4 0,-2 0 0,3-4 0,-3 1 0,3-1 0,-3 1 0,3-2 0,-2 2 0,1 3 0,-1-2 0,1 2 0,3 2 0,-2-2 0,2 1 0,-3 1 0,-3-2 0,-3 1 0,2 1 0,-2 3 0,-1 1 0,3 1 0,-1 1 0,-2 1 0,4-4 0,-2-1 0,4-5 0,-2-3 0,3-6 0,-2 3 0,-3-2 0,3 4 0,-2-3 0,4 5 0,-3 3 0,3 2 0,-2-1 0,3 1 0,-3-3 0,3 1 0,-3-3 0,3 1 0,-3-2 0,3 1 0,-3-1 0,3 1 0,-3 3 0,3 3 0,-3 3 0,-2-4 0,-3 1 0,2 1 0,-1 1 0,-1 2 0,3 6 0,-1-5 0,3 1 0,-1-5 0,3-1 0,-2-5 0,3 1 0,2 1 0,-1 3 0,-4 2 0,2 7 0,-3 1 0,3 6 0,-3 0 0,3-2 0,3-1 0,3-8 0,2-1 0,-3-2 0,1 1 0,1-6 0,1 2 0,1 1 0,2 1 0,-5 2 0,1 1 0,-5 1 0,-4 0 0,-4 2 0,-3-1 0,-3 1 0,0-1 0,-2 0 0,5 5 0,0 1 0,6-1 0,-1-6 0,3 4 0,-1-1 0,3 0 0,-2 0 0,-3-1 0,-3 10 0,-2 10 0,-2 4 0</inkml:trace>
+</inkml:ink>
+</file>
+
+<file path=ppt/ink/ink37.xml><?xml version="1.0" encoding="utf-8"?>
+<inkml:ink xmlns:inkml="http://www.w3.org/2003/InkML">
+  <inkml:definitions>
+    <inkml:context xml:id="ctx0">
+      <inkml:inkSource xml:id="inkSrc0">
+        <inkml:traceFormat>
+          <inkml:channel name="X" type="integer" min="-2.14748E9" max="2.14748E9" units="cm"/>
+          <inkml:channel name="Y" type="integer" min="-2.14748E9" max="2.14748E9" units="cm"/>
+          <inkml:channel name="F" type="integer" max="32767" units="dev"/>
+        </inkml:traceFormat>
+        <inkml:channelProperties>
+          <inkml:channelProperty channel="X" name="resolution" value="1000" units="1/cm"/>
+          <inkml:channelProperty channel="Y" name="resolution" value="1000" units="1/cm"/>
+          <inkml:channelProperty channel="F" name="resolution" value="0" units="1/dev"/>
+        </inkml:channelProperties>
+      </inkml:inkSource>
+      <inkml:timestamp xml:id="ts0" timeString="2023-07-21T23:51:17.193"/>
+    </inkml:context>
+    <inkml:brush xml:id="br0">
+      <inkml:brushProperty name="width" value="0.1" units="cm"/>
+      <inkml:brushProperty name="height" value="0.1" units="cm"/>
+      <inkml:brushProperty name="color" value="#AE198D"/>
+      <inkml:brushProperty name="inkEffects" value="galaxy"/>
+      <inkml:brushProperty name="anchorX" value="-66574.91406"/>
+      <inkml:brushProperty name="anchorY" value="-74423.55469"/>
+      <inkml:brushProperty name="scaleFactor" value="0.5"/>
+    </inkml:brush>
+  </inkml:definitions>
+  <inkml:trace contextRef="#ctx0" brushRef="#br0">52 16 24575,'0'0'0,"0"-4"0,-5-2 0,-5 1 0,0 6 0,0 6 0,3 11 0,2 10 0,2 9 0,2 7 0,5 9 0,2 2 0,-1 2 0,0-1 0,-2 4 0,4-2 0,-1-6 0,0-2 0,3-2 0,-1 0 0,-1-1 0,-2 1 0,3 1 0,-1 5 0,-1 0 0,3 1 0,0-1 0,2-1 0,5-6 0,-3 3 0,3-4 0,2-1 0,2 1 0,-3 1 0,2 0 0,-5 1 0,2 2 0,-4-1 0,3 1 0,-4 0 0,-3 0 0,3 0 0,-3-6 0,-1 1 0,3 0 0,-3-4 0,5 0 0,-2 2 0,-2-3 0,3-4 0,-2-4 0,3-2 0,-2-3 0,3-6 0,-2-1 0,3-1 0,2-4 0,-2 1 0,2 1 0,2 2 0,-2 3 0,0 1 0,3-4 0,-4 0 0,2 6 0,1 1 0,-3 2 0,1-1 0,3 0 0,1 0 0,-3-1 0,1-1 0,1 0 0,1-4 0,-3-2 0,2 1 0,-5 0 0,1-3 0,-3 1 0,2 1 0,2 1 0,-2 7 0,-3 1 0,-4 6 0,-2 5 0,-3 4 0,4 4 0,-1-3 0,5 1 0,-2-5 0,0-4 0,-2-3 0,2 1 0,-1 3 0,5-2 0,-3-1 0,4 2 0,-1-1 0,1 2 0,4-2 0,2-2 0,-3-2 0,2-2 0,1-2 0,-3-2 0,2 0 0,0 0 0,-3-1 0,2 1 0,1-1 0,2-4 0,1-6 0,3-4 0,0-5 0,1-2 0,0-3 0,0 0 0,-5 4 0,0 0 0,0 0 0,1-1 0,1 5 0,1-1 0,1-1 0,0 4 0,1-2 0,0-1 0,1-1 0,3-3 0,2 4 0,-1-2 0,-1 1 0,-1 3 0,-1-2 0,-1 0 0,4-2 0,0-2 0,0-1 0,-1-1 0,-2-1 0,0 0 0,-1-1 0,-1 1 0,0 0 0,0 0 0,0-1 0,-1 1 0,1 0 0,0 0 0,0 5 0,4 0 0,2 0 0,-1 4 0,-1 0 0,4-2 0,-1-2 0,4-2 0,-2-1 0,-1-1 0,-2-1 0,3 5 0,-2 0 0,-1 0 0,3 4 0,-1-1 0,-1-1 0,-2-2 0,2-1 0,0-2 0,-1-1 0,3-1 0,-1 0 0,-1-1 0,2 1 0,0 0 0,-3 0 0,4-1 0,-2 1 0,-1 5 0,3 0 0,-2 0 0,-1 0 0,-2-2 0,-3-2 0,5 1 0,-1-2 0,4 0 0,-1 5 0,-1 0 0,2 0 0,-1-1 0,3 3 0,-2 0 0,4 4 0,2-1 0,-3-2 0,3-2 0,-2 3 0,0-2 0,3 5 0,-2 2 0,1-1 0,-3 3 0,2 2 0,1 2 0,-2-3 0,-3 2 0,2 0 0,-3 2 0,-3 1 0,-2 2 0,-2 0 0,-2 1 0,-1 0 0,0 0 0,0-5 0,-6 0 0,0 5 0,1 1 0,-5 1 0,2 0 0,1 0 0,-4 0 0,3-2 0,1 6 0,-3-1 0,1 0 0,-3-1 0,2-1 0,-3-1 0,1-1 0,-2-1 0,3 0 0,-3 0 0,3-1 0,-3 6 0,3 0 0,-3 0 0,-2-1 0,-3-1 0,-3-2 0,-1 5 0,-1 0 0,-1-1 0,-1-1 0,1 4 0,-1-2 0,1 0 0,-1-1 0,1-3 0,-5 0 0,0 4 0,-5-1 0,1 0 0,-4-1 0,-4-2 0,-2 0 0,-3-1 0,-1-6 0,-2-5 0,0-5 0,-1 0 0,1-3 0,-1-1 0,1-3 0,0-1 0,0-1 0,0-1 0,0 0 0,0-1 0,-5 1 0,0 0 0,0-1 0,1 1 0,1 0 0,-3 0 0,-1 0 0,2 0 0,1 0 0,1 0 0,1 0 0,2 0 0,0 0 0,0 0 0,0 0 0,-5 0 0,1 5 0,-6 0 0,-4 0 0,-4 4 0,2 0 0,-3-2 0,5-2 0,-2 3 0,3 0 0,4-2 0,2-2 0,4-1 0,1-1 0,2-1 0,1 4 0,-1 0 0,1 5 0,-1-2 0,1 0 0,0 3 0,-6-2 0,0-2 0,0-1 0,6 2 0,6-1 0</inkml:trace>
+</inkml:ink>
+</file>
+
+<file path=ppt/ink/ink4.xml><?xml version="1.0" encoding="utf-8"?>
+<inkml:ink xmlns:inkml="http://www.w3.org/2003/InkML">
+  <inkml:definitions>
+    <inkml:context xml:id="ctx0">
+      <inkml:inkSource xml:id="inkSrc0">
+        <inkml:traceFormat>
+          <inkml:channel name="X" type="integer" min="-2.14748E9" max="2.14748E9" units="cm"/>
+          <inkml:channel name="Y" type="integer" min="-2.14748E9" max="2.14748E9" units="cm"/>
+          <inkml:channel name="F" type="integer" max="32767" units="dev"/>
+        </inkml:traceFormat>
+        <inkml:channelProperties>
+          <inkml:channelProperty channel="X" name="resolution" value="1000" units="1/cm"/>
+          <inkml:channelProperty channel="Y" name="resolution" value="1000" units="1/cm"/>
+          <inkml:channelProperty channel="F" name="resolution" value="0" units="1/dev"/>
+        </inkml:channelProperties>
+      </inkml:inkSource>
+      <inkml:timestamp xml:id="ts0" timeString="2023-07-21T22:45:26.759"/>
+    </inkml:context>
+    <inkml:brush xml:id="br0">
+      <inkml:brushProperty name="width" value="0.1" units="cm"/>
+      <inkml:brushProperty name="height" value="0.1" units="cm"/>
+      <inkml:brushProperty name="color" value="#AE198D"/>
+      <inkml:brushProperty name="inkEffects" value="galaxy"/>
+      <inkml:brushProperty name="anchorX" value="-15302.30176"/>
+      <inkml:brushProperty name="anchorY" value="-31252.41992"/>
+      <inkml:brushProperty name="scaleFactor" value="0.5"/>
+    </inkml:brush>
+  </inkml:definitions>
+  <inkml:trace contextRef="#ctx0" brushRef="#br0">1 2448 24575,'0'0'0,"0"-5"0,0 5 0,0 5 0,0 5 0,4 7 0,2 3 0,-1 4 0,-1 1 0,4-4 0,4-10 0,4-6 0,4-8 0,3-8 0,1-7 0,1-3 0,6-4 0,0 4 0,-1 0 0,0 5 0,-2 4 0,0-1 0,-2-1 0,-1 2 0,0-2 0,0 2 0,-1 2 0,1 4 0,0 2 0,-1-3 0,1 1 0,0 1 0,0 1 0,0-3 0,5 1 0,0-5 0,10-3 0,4-4 0,4-3 0,3-3 0,5 0 0,1-2 0,-1 6 0,0-1 0,2 6 0,5 4 0,-2 4 0,4 3 0,2 3 0,3-4 0,2 0 0,1-4 0,1 0 0,1-3 0,-5-4 0,1 2 0,-6-3 0,-5 4 0,-3 3 0,-3-2 0,2 2 0,-1 3 0,4 3 0,0 1 0,2-4 0,10-3 0,3-5 0,7-9 0,1-3 0,6-8 0,3 1 0,-1 0 0,2 2 0,-3 7 0,-4 8 0,-3 5 0,2 6 0,-2 4 0,3 2 0,9-4 0,4 0 0,2-5 0,2-4 0,0 0 0,0-2 0,-6-3 0,-5 2 0,-1-1 0,-5 3 0,-2 4 0,-4 3 0,-2 3 0,-1 2 0,3 1 0,1 2 0,-1-1 0,-1 1 0,-5 0 0,-2-1 0,-1 0 0,-4 1 0,1-1 0,0 0 0,2 5 0,2 0 0,2 5 0,1-1 0,5-1 0,1-2 0,5-2 0,0-2 0,3-1 0,3 0 0,3-1 0,-2-1 0,-4 6 0,-4-1 0,-8 6 0,-9 0 0,-6-2 0,-11-2 0,-8-2 0,-8-1 0,-5-2 0,-3-1 0,-2 0 0,-5 5 0,-1 4 0,0 1 0,1 4 0,7 3 0,7 3 0,6 7 0,10 2 0,3 6 0,3 0 0,0-7 0,-6-1 0,-1-7 0,-7-7 0,-4-5 0,-10-9 0,-9-8 0,-7-6 0,-10-1 0,-5-2 0,-1-3 0,-6-1 0,-3-1 0,0-6 0,-2-1 0,2-6 0,3-3 0,-1 0 0,-2-2 0,1-3 0,-2 4 0,3-3 0,-3 5 0,-1-3 0,1 5 0,4-3 0,3 3 0,4 2 0,1 3 0,2 3 0,1 1 0,1 2 0,-1 0 0,1 1 0,0 0 0,4-1 0,0-4 0,0-1 0,4-5 0,0 1 0,-3-4 0,0 2 0,2-3 0,-1 2 0,-1 3 0,-2 2 0,-1 4 0,-1 1 0,-1 1 0,-1 1 0,-5 1 0,-1-5 0,1-6 0,0-5 0,2-9 0,1-3 0,1-2 0,1-6 0,-1 6 0,2 2 0,-1 6 0,-5 11 0,4 33 0,0 0 0,0-1 0,0 1 0,0 0 0,0 0 0,0 0 0,-1 0 0,1 0 0,-4-3 0,-15-9 0,1 7 0</inkml:trace>
+</inkml:ink>
+</file>
+
+<file path=ppt/ink/ink5.xml><?xml version="1.0" encoding="utf-8"?>
+<inkml:ink xmlns:inkml="http://www.w3.org/2003/InkML">
+  <inkml:definitions>
+    <inkml:context xml:id="ctx0">
+      <inkml:inkSource xml:id="inkSrc0">
+        <inkml:traceFormat>
+          <inkml:channel name="X" type="integer" min="-2.14748E9" max="2.14748E9" units="cm"/>
+          <inkml:channel name="Y" type="integer" min="-2.14748E9" max="2.14748E9" units="cm"/>
+          <inkml:channel name="F" type="integer" max="32767" units="dev"/>
+        </inkml:traceFormat>
+        <inkml:channelProperties>
+          <inkml:channelProperty channel="X" name="resolution" value="1000" units="1/cm"/>
+          <inkml:channelProperty channel="Y" name="resolution" value="1000" units="1/cm"/>
+          <inkml:channelProperty channel="F" name="resolution" value="0" units="1/dev"/>
+        </inkml:channelProperties>
+      </inkml:inkSource>
+      <inkml:timestamp xml:id="ts0" timeString="2023-07-21T22:45:01.913"/>
+    </inkml:context>
+    <inkml:brush xml:id="br0">
+      <inkml:brushProperty name="width" value="0.1" units="cm"/>
+      <inkml:brushProperty name="height" value="0.1" units="cm"/>
+      <inkml:brushProperty name="color" value="#AE198D"/>
+      <inkml:brushProperty name="inkEffects" value="galaxy"/>
+      <inkml:brushProperty name="anchorX" value="-2764.67554"/>
+      <inkml:brushProperty name="anchorY" value="-17274.11914"/>
+      <inkml:brushProperty name="scaleFactor" value="0.5"/>
+    </inkml:brush>
+  </inkml:definitions>
+  <inkml:trace contextRef="#ctx0" brushRef="#br0">0 11 24575,'0'0'0,"5"-5"0,0-1 0</inkml:trace>
+</inkml:ink>
+</file>
+
+<file path=ppt/ink/ink6.xml><?xml version="1.0" encoding="utf-8"?>
+<inkml:ink xmlns:inkml="http://www.w3.org/2003/InkML">
+  <inkml:definitions>
+    <inkml:context xml:id="ctx0">
+      <inkml:inkSource xml:id="inkSrc0">
+        <inkml:traceFormat>
+          <inkml:channel name="X" type="integer" min="-2.14748E9" max="2.14748E9" units="cm"/>
+          <inkml:channel name="Y" type="integer" min="-2.14748E9" max="2.14748E9" units="cm"/>
+          <inkml:channel name="F" type="integer" max="32767" units="dev"/>
+        </inkml:traceFormat>
+        <inkml:channelProperties>
+          <inkml:channelProperty channel="X" name="resolution" value="1000" units="1/cm"/>
+          <inkml:channelProperty channel="Y" name="resolution" value="1000" units="1/cm"/>
+          <inkml:channelProperty channel="F" name="resolution" value="0" units="1/dev"/>
+        </inkml:channelProperties>
+      </inkml:inkSource>
+      <inkml:timestamp xml:id="ts0" timeString="2023-07-21T22:45:02.019"/>
+    </inkml:context>
+    <inkml:brush xml:id="br0">
+      <inkml:brushProperty name="width" value="0.1" units="cm"/>
+      <inkml:brushProperty name="height" value="0.1" units="cm"/>
+      <inkml:brushProperty name="color" value="#AE198D"/>
+      <inkml:brushProperty name="inkEffects" value="galaxy"/>
+      <inkml:brushProperty name="anchorX" value="-3790.69312"/>
+      <inkml:brushProperty name="anchorY" value="-18279.625"/>
+      <inkml:brushProperty name="scaleFactor" value="0.5"/>
+    </inkml:brush>
+  </inkml:definitions>
+  <inkml:trace contextRef="#ctx0" brushRef="#br0">0 1 24575,'0'0'0</inkml:trace>
+</inkml:ink>
+</file>
+
+<file path=ppt/ink/ink7.xml><?xml version="1.0" encoding="utf-8"?>
+<inkml:ink xmlns:inkml="http://www.w3.org/2003/InkML">
+  <inkml:definitions>
+    <inkml:context xml:id="ctx0">
+      <inkml:inkSource xml:id="inkSrc0">
+        <inkml:traceFormat>
+          <inkml:channel name="X" type="integer" min="-2.14748E9" max="2.14748E9" units="cm"/>
+          <inkml:channel name="Y" type="integer" min="-2.14748E9" max="2.14748E9" units="cm"/>
+          <inkml:channel name="F" type="integer" max="32767" units="dev"/>
+        </inkml:traceFormat>
+        <inkml:channelProperties>
+          <inkml:channelProperty channel="X" name="resolution" value="1000" units="1/cm"/>
+          <inkml:channelProperty channel="Y" name="resolution" value="1000" units="1/cm"/>
+          <inkml:channelProperty channel="F" name="resolution" value="0" units="1/dev"/>
+        </inkml:channelProperties>
+      </inkml:inkSource>
+      <inkml:timestamp xml:id="ts0" timeString="2023-07-21T22:45:03.515"/>
+    </inkml:context>
+    <inkml:brush xml:id="br0">
+      <inkml:brushProperty name="width" value="0.1" units="cm"/>
+      <inkml:brushProperty name="height" value="0.1" units="cm"/>
+      <inkml:brushProperty name="color" value="#AE198D"/>
+      <inkml:brushProperty name="inkEffects" value="galaxy"/>
+      <inkml:brushProperty name="anchorX" value="-4806.69287"/>
+      <inkml:brushProperty name="anchorY" value="-19295.625"/>
+      <inkml:brushProperty name="scaleFactor" value="0.5"/>
+    </inkml:brush>
+  </inkml:definitions>
+  <inkml:trace contextRef="#ctx0" brushRef="#br0">38 15 24575,'0'0'0,"0"-4"0,-5-2 0,-6 1 0,1 6 0,1 6 0,6 6 0,9 6 0,1 8 0,1 2 0,3 2 0,0 4 0,-3 4 0,3 4 0,-2 8 0,-2 8 0,-2 1 0,-1 4 0,-3 4 0,0 8 0,4 2 0,0 1 0,4 5 0,0 0 0,4 3 0,3 4 0,3 2 0,-2 4 0,6 1 0,2-4 0,1 1 0,1-5 0,0-4 0,-1-4 0,0-3 0,-1-3 0,0-6 0,1-1 0,-6 0 0,-1 1 0,1-4 0,-4 1 0,0 2 0,2-4 0,-3 1 0,1-3 0,2-4 0,-3-3 0,1-2 0,-3 2 0,-3 5 0,-3-1 0,2 3 0,-2 4 0,-2 2 0,4 3 0,3 1 0,0 2 0,3 0 0,2 0 0,-2 1 0,2-6 0,-3 0 0,1 4 0,-3 2 0,-3 6 0,2 0 0,-2 0 0,-3-2 0,-1-1 0,3-7 0,-2-6 0,0-6 0,3-5 0,-1-2 0,-1-4 0,-2 5 0,-2 5 0,-6 5 0,-7 4 0,0 4 0,1-4 0,1 2 0,3-4 0,1-10 0,2-4 0,2-8 0,0-1 0,-5-11 0,1 1 0,-1-3 0,1-2 0,1-1 0,2 3 0,-5 0 0,0 5 0,1 4 0,1 4 0,1 3 0,-3-3 0,0 2 0,0-5 0,2-4 0,1-4 0,2-2 0,-5-13 0,0-12 0,-4-21 0,1-4 0</inkml:trace>
+</inkml:ink>
+</file>
+
+<file path=ppt/ink/ink8.xml><?xml version="1.0" encoding="utf-8"?>
+<inkml:ink xmlns:inkml="http://www.w3.org/2003/InkML">
+  <inkml:definitions>
+    <inkml:context xml:id="ctx0">
+      <inkml:inkSource xml:id="inkSrc0">
+        <inkml:traceFormat>
+          <inkml:channel name="X" type="integer" min="-2.14748E9" max="2.14748E9" units="cm"/>
+          <inkml:channel name="Y" type="integer" min="-2.14748E9" max="2.14748E9" units="cm"/>
+          <inkml:channel name="F" type="integer" max="32767" units="dev"/>
+        </inkml:traceFormat>
+        <inkml:channelProperties>
+          <inkml:channelProperty channel="X" name="resolution" value="1000" units="1/cm"/>
+          <inkml:channelProperty channel="Y" name="resolution" value="1000" units="1/cm"/>
+          <inkml:channelProperty channel="F" name="resolution" value="0" units="1/dev"/>
+        </inkml:channelProperties>
+      </inkml:inkSource>
+      <inkml:timestamp xml:id="ts0" timeString="2023-07-21T22:45:06.167"/>
+    </inkml:context>
+    <inkml:brush xml:id="br0">
+      <inkml:brushProperty name="width" value="0.1" units="cm"/>
+      <inkml:brushProperty name="height" value="0.1" units="cm"/>
+      <inkml:brushProperty name="color" value="#AE198D"/>
+      <inkml:brushProperty name="inkEffects" value="galaxy"/>
+      <inkml:brushProperty name="anchorX" value="-6539.14014"/>
+      <inkml:brushProperty name="anchorY" value="-26327.08398"/>
+      <inkml:brushProperty name="scaleFactor" value="0.5"/>
+    </inkml:brush>
+  </inkml:definitions>
+  <inkml:trace contextRef="#ctx0" brushRef="#br0">44 823 24575,'0'0'0,"-4"0"0,-2-5 0,-4 0 0,1-5 0,1-5 0,2-3 0,7-3 0,1-2 0,7 3 0,0-1 0,4 6 0,4 3 0,2 5 0,4 3 0,1 2 0,5 2 0,7 0 0,0 1 0,3 0 0,9-5 0,8-1 0,6-5 0,7 1 0,3 1 0,2-3 0,2-3 0,0 2 0,0-4 0,0 3 0,0-2 0,-6 3 0,0-2 0,0 3 0,-4-3 0,0 3 0,-3 2 0,1 3 0,-3-2 0,2 1 0,3 1 0,-3-3 0,3 2 0,2 0 0,2-3 0,1 2 0,2 1 0,2 2 0,-1 1 0,1 3 0,-5 0 0,0 1 0,-5 0 0,1 0 0,0 1 0,-2-1 0,2 0 0,1-5 0,7 0 0,3 0 0,1-4 0,0-4 0,0 1 0,-1 2 0,-6 2 0,-6 3 0,-5 2 0,-4 2 0,-4 6 0,-2 0 0,4 1 0,5-2 0,5 0 0,-1-2 0,4-1 0,1-5 0,-2-1 0,-4 0 0,-3-4 0,-9 0 0,-2 2 0,-8 2 0,1 1 0,-5 2 0,2 1 0,1 1 0,9 0 0,2-4 0,8-1 0,0-5 0,5-4 0,-2-4 0,-1-4 0,-3-1 0,-3 3 0,-2 5 0,-6 4 0,-6 5 0,0 3 0,-1 2 0,4 1 0,1 1 0,7 0 0,3 0 0,5-5 0,0-1 0,4-5 0,4 1 0,2-5 0,3 3 0,-3 2 0,-4 2 0,-5 3 0,-5 2 0,-2 1 0,-2 1 0,-6 0 0,-1 0 0,-1 1 0,2-1 0,1 1 0,-3-6 0,0 0 0,1 0 0,2 1 0,1-4 0,1 1 0,1 1 0,1 1 0,4 2 0,1 1 0,6 1 0,-2 1 0,-1 0 0,-2 0 0,-2 1 0,-7-1 0,-6 0 0,-6 5 0,-4 0 0,-5 1 0,-1-2 0,-1-1 0,0-1 0,0-1 0,-5 4 0,0 0 0,0 0 0,2-1 0,0-1 0,2-1 0,1-2 0,1 1 0,0 4 0,0 0 0,0 5 0,-5 4 0,0 4 0,0-2 0,1-2 0,-4 0 0,1-3 0,0-2 0,-2 1 0,-5 3 0,-3 4 0,-3 3 0,-3 2 0,-1 2 0,-2 1 0,1 0 0,4-5 0,0 1 0,1 4 0,-1 6 0,-2 7 0,0 4 0,-1 10 0,0 2 0,-1 1 0,0 0 0,-1 4 0,1-1 0,0-1 0,0 3 0,0 3 0,0 4 0,0 3 0,0 7 0,0 3 0,0 0 0,0-1 0,0-1 0,0 0 0,0-2 0,0-5 0,0-2 0,0 1 0,-5-4 0,0 0 0,0 1 0,-4 2 0,1 7 0,1 2 0,1 1 0,-2 5 0,1-1 0,1-1 0,2-2 0,1-1 0,1-7 0,1-7 0,1 0 0,0-5 0,1 2 0,-1 8 0,0 2 0,1 3 0,-1 6 0,0 1 0,0 5 0,0-2 0,0-1 0,0-2 0,0-3 0,0-2 0,0-1 0,0-1 0,0-1 0,0 0 0,0 0 0,-5 1 0,0-1 0,0-4 0,0-1 0,2-14 0</inkml:trace>
+</inkml:ink>
+</file>
+
+<file path=ppt/ink/ink9.xml><?xml version="1.0" encoding="utf-8"?>
+<inkml:ink xmlns:inkml="http://www.w3.org/2003/InkML">
+  <inkml:definitions>
+    <inkml:context xml:id="ctx0">
+      <inkml:inkSource xml:id="inkSrc0">
+        <inkml:traceFormat>
+          <inkml:channel name="X" type="integer" min="-2.14748E9" max="2.14748E9" units="cm"/>
+          <inkml:channel name="Y" type="integer" min="-2.14748E9" max="2.14748E9" units="cm"/>
+          <inkml:channel name="F" type="integer" max="32767" units="dev"/>
+        </inkml:traceFormat>
+        <inkml:channelProperties>
+          <inkml:channelProperty channel="X" name="resolution" value="1000" units="1/cm"/>
+          <inkml:channelProperty channel="Y" name="resolution" value="1000" units="1/cm"/>
+          <inkml:channelProperty channel="F" name="resolution" value="0" units="1/dev"/>
+        </inkml:channelProperties>
+      </inkml:inkSource>
+      <inkml:timestamp xml:id="ts0" timeString="2023-07-21T22:45:32.495"/>
+    </inkml:context>
+    <inkml:brush xml:id="br0">
+      <inkml:brushProperty name="width" value="0.1" units="cm"/>
+      <inkml:brushProperty name="height" value="0.1" units="cm"/>
+      <inkml:brushProperty name="color" value="#AE198D"/>
+      <inkml:brushProperty name="inkEffects" value="galaxy"/>
+      <inkml:brushProperty name="anchorX" value="-23878.87305"/>
+      <inkml:brushProperty name="anchorY" value="-29821.33203"/>
+      <inkml:brushProperty name="scaleFactor" value="0.5"/>
+    </inkml:brush>
+  </inkml:definitions>
+  <inkml:trace contextRef="#ctx0" brushRef="#br0">21 1696 24575,'0'0'0,"0"4"0,0 7 0,-5-1 0,0 4 0,-1 4 0,2 2 0,6 3 0,6-4 0,6-5 0,5-4 0,4 1 0,1-3 0,2-1 0,0-3 0,0-2 0,0-1 0,0-1 0,-1 0 0,5-1 0,0-4 0,0 0 0,-1-1 0,-1 2 0,4 1 0,-1 1 0,4-4 0,0 0 0,-2-4 0,2 1 0,-1-4 0,-2-3 0,4 2 0,-3-2 0,4 2 0,-3 4 0,5 3 0,-4 2 0,4 3 0,-3 2 0,-2 0 0,-3 0 0,-2 1 0,-2 0 0,-2-1 0,0 1 0,-1-6 0,1 0 0,-6-5 0,-4-4 0,-1 0 0,-3-2 0,-4-2 0,-7 2 0,-2-1 0,-2-2 0,-6-2 0,2-1 0,-5 4 0,2-1 0,2-1 0,2-1 0,-2-1 0,2-1 0,-4-1 0,1-1 0,3 0 0,-4 0 0,2-5 0,-3 4 0,-3 2 0,-3-1 0,2 2 0,2-1 0,5 0 0,3-1 0,3 1 0,2-1 0,1 0 0,1 0 0,-1 0 0,1 1 0,0-6 0,4 0 0,5-1 0,1 2 0,3 1 0,-1 2 0,2 0 0,2 0 0,3-4 0,-3 1 0,1-1 0,1-4 0,2 1 0,-4 1 0,-3 2 0,0 2 0,1 1 0,3 1 0,2 1 0,-3 0 0,2 1 0,0 4 0,2 1 0,2-1 0,-5 0 0,1 3 0,-4-1 0,0 4 0,3-1 0,1-2 0,2 3 0,2-2 0,0-1 0,2-3 0,0 3 0,0 4 0,1 4 0,-1 3 0,0-2 0,0 2 0,0-4 0,0 2 0,0-4 0,0 1 0,0-2 0,0 1 0,0 4 0,0 1 0,4 3 0,1 2 0,0 2 0,-1 0 0,-1 0 0,-1 1 0,4-1 0,0 1 0,-1-1 0,4 0 0,-1 0 0,3 0 0,-1 0 0,4 5 0,-3 0 0,-2 5 0,-3-1 0,-2 4 0,-2-2 0,-2 3 0,0-2 0,0 2 0,-1 3 0,-5 2 0,1 3 0,-1 1 0,2 6 0,1 6 0,1 1 0,0 3 0,-3-1 0,0 2 0,0-2 0,-4-3 0,1-4 0,1 3 0,-3-2 0,1-1 0,2-2 0,-4-2 0,3-6 0,1 0 0,-3-1 0,2 0 0,-4 7 0,2 0 0,2 7 0,2 5 0,2 3 0,2 0 0,1 1 0,1-3 0,-5 1 0,0-3 0,0-3 0,-4-4 0,-4-3 0,1-6 0,-3-2 0,-3 0 0,3 0 0,-2 1 0,-2 1 0,-1 2 0,-3 0 0,0 1 0,-2 0 0,0 0 0,0 0 0,0 0 0,-1 0 0,1 0 0,5-5 0,0-10 0,5-6 0,4-8 0,4-8 0,3-1 0,3 2 0,1 1 0,0-1 0,1 2 0,0 2 0,-1-3 0,1 2 0,4 2 0,0 1 0,0 2 0,-1 1 0,-1 2 0,-1 0 0,-1 0 0,-1 0 0,0 1 0,0-1 0,0 0 0,-1 0 0,1 0 0,0 1 0,-1-1 0,1 0 0,0-1 0,0-4 0,0 0 0,0-5 0,0 0 0,0 2 0,-5-3 0,0-3 0,-1 1 0,-3-2 0,1 2 0,-4 9 0,-4 7 0,-3 8 0,-2 6 0,-3 5 0,0 2 0,-2 2 0,1 1 0,-1-1 0,1 0 0,-1 0 0,1 0 0,0-1 0,0 0 0,0 0 0,0 0 0,0 0 0,0 0 0,0-1 0,0 1 0,0 0 0,0 0 0,-5-5 0,-5-6 0,-5-4 0,-5-9 0,-2-4 0,-3-7 0,0 1 0,-1-5 0,-5 2 0,0 2 0,1 2 0,0 4 0,2 1 0,1 2 0,1 1 0,1 1 0,-5-1 0,0 1 0,0-1 0,-3 0 0,-5 1 0,1 4 0,-3 0 0,-3 5 0,-2-1 0,3-1 0,-2-2 0,5 3 0,-2-1 0,4-2 0,3 3 0,-2 0 0,2-3 0,-2-1 0,1-1 0,-3-3 0,3-5 0,-3-1 0,1-1 0,4 2 0,-3 0 0,2 2 0,2 0 0,-3 2 0,2 0 0,-3 0 0,1 0 0,-3 5 0,-3 1 0,-3-1 0,-2 0 0,-2 3 0,-1-1 0,-1 4 0,4-1 0,1-2 0,5 3 0,4-2 0,-1 3 0,3-2 0,-2-2 0,1-2 0,-2-2 0,2-2 0,-4-1 0,-2-1 0,-2-1 0,2 1 0,-2-1 0,3 1 0,0 5 0,2 0 0,4 0 0,3-1 0,3-1 0,1-1 0,2-1 0,0-1 0,1 0 0,-5 0 0,-1 0 0,1 0 0,0 5 0,1 0 0,1 5 0,1-1 0,1 0 0,0-3 0,0-2 0,1 3 0,-6-1 0,0 0 0,-5-2 0,1-2 0,1 0 0,2-1 0,-3 4 0,2 0 0,1 4 0,1 5 0,2-1 0,2 3 0,0-2 0,-4 1 0,1-2 0,-1-4 0,1-2 0,1-3 0,2-3 0,0 0 0,1-1 0,0-1 0,0 1 0,0-1 0,1 1 0,-1-1 0,0 1 0,0 0 0,0 0 0,1 5 0,-1 0 0,0 5 0,0 4 0,0 0 0,0 2 0,0-3 0,5-8 0,0-7 0,6-9 0,3-6 0,0-5 0,2-2 0,-3 3 0,3-1 0,1 1 0,-2-1 0,1-1 0,-3 0 0,2-2 0,2 1 0,7 4 0,3 0 0,6 0 0,0-1 0,6-6 0,-3 4 0</inkml:trace>
+</inkml:ink>
 </file>
 
 <file path=ppt/notesMasters/notesMaster1.xml><?xml version="1.0" encoding="utf-8"?>
@@ -4232,6 +5414,824 @@
 </p:sld>
 </file>
 
+<file path=ppt/slides/slide12.xml><?xml version="1.0" encoding="utf-8"?>
+<p:sld xmlns:a="http://schemas.openxmlformats.org/drawingml/2006/main" xmlns:r="http://schemas.openxmlformats.org/officeDocument/2006/relationships" xmlns:p="http://schemas.openxmlformats.org/presentationml/2006/main">
+  <p:cSld>
+    <p:spTree>
+      <p:nvGrpSpPr>
+        <p:cNvPr id="1" name=""/>
+        <p:cNvGrpSpPr/>
+        <p:nvPr/>
+      </p:nvGrpSpPr>
+      <p:grpSpPr>
+        <a:xfrm>
+          <a:off x="0" y="0"/>
+          <a:ext cx="0" cy="0"/>
+          <a:chOff x="0" y="0"/>
+          <a:chExt cx="0" cy="0"/>
+        </a:xfrm>
+      </p:grpSpPr>
+      <p:sp>
+        <p:nvSpPr>
+          <p:cNvPr id="2" name="Espaço Reservado para Número de Slide 1">
+            <a:extLst>
+              <a:ext uri="{FF2B5EF4-FFF2-40B4-BE49-F238E27FC236}">
+                <a16:creationId xmlns:a16="http://schemas.microsoft.com/office/drawing/2014/main" id="{5A9CF9AE-FFAA-DB45-B0BA-289E9A261A75}"/>
+              </a:ext>
+            </a:extLst>
+          </p:cNvPr>
+          <p:cNvSpPr>
+            <a:spLocks noGrp="1"/>
+          </p:cNvSpPr>
+          <p:nvPr>
+            <p:ph type="sldNum" sz="quarter" idx="12"/>
+          </p:nvPr>
+        </p:nvSpPr>
+        <p:spPr/>
+        <p:txBody>
+          <a:bodyPr/>
+          <a:lstStyle/>
+          <a:p>
+            <a:fld id="{4FAB73BC-B049-4115-A692-8D63A059BFB8}" type="slidenum">
+              <a:rPr lang="en-US" smtClean="0"/>
+              <a:pPr/>
+              <a:t>12</a:t>
+            </a:fld>
+            <a:endParaRPr lang="en-US" dirty="0"/>
+          </a:p>
+        </p:txBody>
+      </p:sp>
+      <p:pic>
+        <p:nvPicPr>
+          <p:cNvPr id="4" name="Imagem 3">
+            <a:extLst>
+              <a:ext uri="{FF2B5EF4-FFF2-40B4-BE49-F238E27FC236}">
+                <a16:creationId xmlns:a16="http://schemas.microsoft.com/office/drawing/2014/main" id="{9B1038C9-3374-80ED-6F18-8A706DB2EF76}"/>
+              </a:ext>
+            </a:extLst>
+          </p:cNvPr>
+          <p:cNvPicPr>
+            <a:picLocks noChangeAspect="1"/>
+          </p:cNvPicPr>
+          <p:nvPr/>
+        </p:nvPicPr>
+        <p:blipFill rotWithShape="1">
+          <a:blip r:embed="rId2"/>
+          <a:srcRect t="5582"/>
+          <a:stretch/>
+        </p:blipFill>
+        <p:spPr>
+          <a:xfrm>
+            <a:off x="2450701" y="708211"/>
+            <a:ext cx="6576004" cy="4912659"/>
+          </a:xfrm>
+          <a:prstGeom prst="rect">
+            <a:avLst/>
+          </a:prstGeom>
+        </p:spPr>
+      </p:pic>
+      <mc:AlternateContent xmlns:mc="http://schemas.openxmlformats.org/markup-compatibility/2006">
+        <mc:Choice xmlns:p14="http://schemas.microsoft.com/office/powerpoint/2010/main" xmlns:aink="http://schemas.microsoft.com/office/drawing/2016/ink" Requires="p14 aink">
+          <p:contentPart p14:bwMode="auto" r:id="rId3">
+            <p14:nvContentPartPr>
+              <p14:cNvPr id="5" name="Tinta 4">
+                <a:extLst>
+                  <a:ext uri="{FF2B5EF4-FFF2-40B4-BE49-F238E27FC236}">
+                    <a16:creationId xmlns:a16="http://schemas.microsoft.com/office/drawing/2014/main" id="{2CC3D92D-AA04-DC5B-986D-460625AFB604}"/>
+                  </a:ext>
+                </a:extLst>
+              </p14:cNvPr>
+              <p14:cNvContentPartPr/>
+              <p14:nvPr/>
+            </p14:nvContentPartPr>
+            <p14:xfrm>
+              <a:off x="2886141" y="904779"/>
+              <a:ext cx="5898240" cy="4633920"/>
+            </p14:xfrm>
+          </p:contentPart>
+        </mc:Choice>
+        <mc:Fallback>
+          <p:pic>
+            <p:nvPicPr>
+              <p:cNvPr id="5" name="Tinta 4">
+                <a:extLst>
+                  <a:ext uri="{FF2B5EF4-FFF2-40B4-BE49-F238E27FC236}">
+                    <a16:creationId xmlns:a16="http://schemas.microsoft.com/office/drawing/2014/main" id="{2CC3D92D-AA04-DC5B-986D-460625AFB604}"/>
+                  </a:ext>
+                </a:extLst>
+              </p:cNvPr>
+              <p:cNvPicPr/>
+              <p:nvPr/>
+            </p:nvPicPr>
+            <p:blipFill>
+              <a:blip r:embed="rId4"/>
+              <a:stretch>
+                <a:fillRect/>
+              </a:stretch>
+            </p:blipFill>
+            <p:spPr>
+              <a:xfrm>
+                <a:off x="2868141" y="887139"/>
+                <a:ext cx="5933880" cy="4669560"/>
+              </a:xfrm>
+              <a:prstGeom prst="rect">
+                <a:avLst/>
+              </a:prstGeom>
+            </p:spPr>
+          </p:pic>
+        </mc:Fallback>
+      </mc:AlternateContent>
+      <mc:AlternateContent xmlns:mc="http://schemas.openxmlformats.org/markup-compatibility/2006">
+        <mc:Choice xmlns:p14="http://schemas.microsoft.com/office/powerpoint/2010/main" Requires="p14">
+          <p:contentPart p14:bwMode="auto" r:id="rId5">
+            <p14:nvContentPartPr>
+              <p14:cNvPr id="14" name="Tinta 13">
+                <a:extLst>
+                  <a:ext uri="{FF2B5EF4-FFF2-40B4-BE49-F238E27FC236}">
+                    <a16:creationId xmlns:a16="http://schemas.microsoft.com/office/drawing/2014/main" id="{629917CB-2934-EAC5-6D7F-9B80B0880235}"/>
+                  </a:ext>
+                </a:extLst>
+              </p14:cNvPr>
+              <p14:cNvContentPartPr/>
+              <p14:nvPr/>
+            </p14:nvContentPartPr>
+            <p14:xfrm>
+              <a:off x="1728021" y="1406619"/>
+              <a:ext cx="820800" cy="921960"/>
+            </p14:xfrm>
+          </p:contentPart>
+        </mc:Choice>
+        <mc:Fallback>
+          <p:pic>
+            <p:nvPicPr>
+              <p:cNvPr id="14" name="Tinta 13">
+                <a:extLst>
+                  <a:ext uri="{FF2B5EF4-FFF2-40B4-BE49-F238E27FC236}">
+                    <a16:creationId xmlns:a16="http://schemas.microsoft.com/office/drawing/2014/main" id="{629917CB-2934-EAC5-6D7F-9B80B0880235}"/>
+                  </a:ext>
+                </a:extLst>
+              </p:cNvPr>
+              <p:cNvPicPr/>
+              <p:nvPr/>
+            </p:nvPicPr>
+            <p:blipFill>
+              <a:blip r:embed="rId6"/>
+              <a:stretch>
+                <a:fillRect/>
+              </a:stretch>
+            </p:blipFill>
+            <p:spPr>
+              <a:xfrm>
+                <a:off x="1719381" y="1397979"/>
+                <a:ext cx="838440" cy="939600"/>
+              </a:xfrm>
+              <a:prstGeom prst="rect">
+                <a:avLst/>
+              </a:prstGeom>
+            </p:spPr>
+          </p:pic>
+        </mc:Fallback>
+      </mc:AlternateContent>
+      <p:grpSp>
+        <p:nvGrpSpPr>
+          <p:cNvPr id="16" name="Agrupar 15">
+            <a:extLst>
+              <a:ext uri="{FF2B5EF4-FFF2-40B4-BE49-F238E27FC236}">
+                <a16:creationId xmlns:a16="http://schemas.microsoft.com/office/drawing/2014/main" id="{464EED28-BEF2-8099-0129-5E201D589218}"/>
+              </a:ext>
+            </a:extLst>
+          </p:cNvPr>
+          <p:cNvGrpSpPr/>
+          <p:nvPr/>
+        </p:nvGrpSpPr>
+        <p:grpSpPr>
+          <a:xfrm>
+            <a:off x="3440901" y="1179"/>
+            <a:ext cx="2661120" cy="3214440"/>
+            <a:chOff x="3440901" y="1179"/>
+            <a:chExt cx="2661120" cy="3214440"/>
+          </a:xfrm>
+        </p:grpSpPr>
+        <mc:AlternateContent xmlns:mc="http://schemas.openxmlformats.org/markup-compatibility/2006">
+          <mc:Choice xmlns:p14="http://schemas.microsoft.com/office/powerpoint/2010/main" xmlns:aink="http://schemas.microsoft.com/office/drawing/2016/ink" Requires="p14 aink">
+            <p:contentPart p14:bwMode="auto" r:id="rId7">
+              <p14:nvContentPartPr>
+                <p14:cNvPr id="6" name="Tinta 5">
+                  <a:extLst>
+                    <a:ext uri="{FF2B5EF4-FFF2-40B4-BE49-F238E27FC236}">
+                      <a16:creationId xmlns:a16="http://schemas.microsoft.com/office/drawing/2014/main" id="{990349E4-0BE6-7175-2E16-77DB67D105EE}"/>
+                    </a:ext>
+                  </a:extLst>
+                </p14:cNvPr>
+                <p14:cNvContentPartPr/>
+                <p14:nvPr/>
+              </p14:nvContentPartPr>
+              <p14:xfrm>
+                <a:off x="5485701" y="2393379"/>
+                <a:ext cx="136440" cy="793080"/>
+              </p14:xfrm>
+            </p:contentPart>
+          </mc:Choice>
+          <mc:Fallback>
+            <p:pic>
+              <p:nvPicPr>
+                <p:cNvPr id="6" name="Tinta 5">
+                  <a:extLst>
+                    <a:ext uri="{FF2B5EF4-FFF2-40B4-BE49-F238E27FC236}">
+                      <a16:creationId xmlns:a16="http://schemas.microsoft.com/office/drawing/2014/main" id="{990349E4-0BE6-7175-2E16-77DB67D105EE}"/>
+                    </a:ext>
+                  </a:extLst>
+                </p:cNvPr>
+                <p:cNvPicPr/>
+                <p:nvPr/>
+              </p:nvPicPr>
+              <p:blipFill>
+                <a:blip r:embed="rId8"/>
+                <a:stretch>
+                  <a:fillRect/>
+                </a:stretch>
+              </p:blipFill>
+              <p:spPr>
+                <a:xfrm>
+                  <a:off x="5467701" y="2375379"/>
+                  <a:ext cx="172080" cy="828720"/>
+                </a:xfrm>
+                <a:prstGeom prst="rect">
+                  <a:avLst/>
+                </a:prstGeom>
+              </p:spPr>
+            </p:pic>
+          </mc:Fallback>
+        </mc:AlternateContent>
+        <mc:AlternateContent xmlns:mc="http://schemas.openxmlformats.org/markup-compatibility/2006">
+          <mc:Choice xmlns:p14="http://schemas.microsoft.com/office/powerpoint/2010/main" xmlns:aink="http://schemas.microsoft.com/office/drawing/2016/ink" Requires="p14 aink">
+            <p:contentPart p14:bwMode="auto" r:id="rId9">
+              <p14:nvContentPartPr>
+                <p14:cNvPr id="7" name="Tinta 6">
+                  <a:extLst>
+                    <a:ext uri="{FF2B5EF4-FFF2-40B4-BE49-F238E27FC236}">
+                      <a16:creationId xmlns:a16="http://schemas.microsoft.com/office/drawing/2014/main" id="{1F040E38-BF11-24F6-6944-6D16762A70C9}"/>
+                    </a:ext>
+                  </a:extLst>
+                </p14:cNvPr>
+                <p14:cNvContentPartPr/>
+                <p14:nvPr/>
+              </p14:nvContentPartPr>
+              <p14:xfrm>
+                <a:off x="5570301" y="2375379"/>
+                <a:ext cx="531720" cy="840240"/>
+              </p14:xfrm>
+            </p:contentPart>
+          </mc:Choice>
+          <mc:Fallback>
+            <p:pic>
+              <p:nvPicPr>
+                <p:cNvPr id="7" name="Tinta 6">
+                  <a:extLst>
+                    <a:ext uri="{FF2B5EF4-FFF2-40B4-BE49-F238E27FC236}">
+                      <a16:creationId xmlns:a16="http://schemas.microsoft.com/office/drawing/2014/main" id="{1F040E38-BF11-24F6-6944-6D16762A70C9}"/>
+                    </a:ext>
+                  </a:extLst>
+                </p:cNvPr>
+                <p:cNvPicPr/>
+                <p:nvPr/>
+              </p:nvPicPr>
+              <p:blipFill>
+                <a:blip r:embed="rId10"/>
+                <a:stretch>
+                  <a:fillRect/>
+                </a:stretch>
+              </p:blipFill>
+              <p:spPr>
+                <a:xfrm>
+                  <a:off x="5552661" y="2357739"/>
+                  <a:ext cx="567360" cy="875880"/>
+                </a:xfrm>
+                <a:prstGeom prst="rect">
+                  <a:avLst/>
+                </a:prstGeom>
+              </p:spPr>
+            </p:pic>
+          </mc:Fallback>
+        </mc:AlternateContent>
+        <mc:AlternateContent xmlns:mc="http://schemas.openxmlformats.org/markup-compatibility/2006">
+          <mc:Choice xmlns:p14="http://schemas.microsoft.com/office/powerpoint/2010/main" xmlns:aink="http://schemas.microsoft.com/office/drawing/2016/ink" Requires="p14 aink">
+            <p:contentPart p14:bwMode="auto" r:id="rId11">
+              <p14:nvContentPartPr>
+                <p14:cNvPr id="8" name="Tinta 7">
+                  <a:extLst>
+                    <a:ext uri="{FF2B5EF4-FFF2-40B4-BE49-F238E27FC236}">
+                      <a16:creationId xmlns:a16="http://schemas.microsoft.com/office/drawing/2014/main" id="{12C27E5D-DF8B-1575-0948-4F8A6B63EA05}"/>
+                    </a:ext>
+                  </a:extLst>
+                </p14:cNvPr>
+                <p14:cNvContentPartPr/>
+                <p14:nvPr/>
+              </p14:nvContentPartPr>
+              <p14:xfrm>
+                <a:off x="5497581" y="2177739"/>
+                <a:ext cx="192600" cy="60840"/>
+              </p14:xfrm>
+            </p:contentPart>
+          </mc:Choice>
+          <mc:Fallback>
+            <p:pic>
+              <p:nvPicPr>
+                <p:cNvPr id="8" name="Tinta 7">
+                  <a:extLst>
+                    <a:ext uri="{FF2B5EF4-FFF2-40B4-BE49-F238E27FC236}">
+                      <a16:creationId xmlns:a16="http://schemas.microsoft.com/office/drawing/2014/main" id="{12C27E5D-DF8B-1575-0948-4F8A6B63EA05}"/>
+                    </a:ext>
+                  </a:extLst>
+                </p:cNvPr>
+                <p:cNvPicPr/>
+                <p:nvPr/>
+              </p:nvPicPr>
+              <p:blipFill>
+                <a:blip r:embed="rId12"/>
+                <a:stretch>
+                  <a:fillRect/>
+                </a:stretch>
+              </p:blipFill>
+              <p:spPr>
+                <a:xfrm>
+                  <a:off x="5479941" y="2159739"/>
+                  <a:ext cx="228240" cy="96480"/>
+                </a:xfrm>
+                <a:prstGeom prst="rect">
+                  <a:avLst/>
+                </a:prstGeom>
+              </p:spPr>
+            </p:pic>
+          </mc:Fallback>
+        </mc:AlternateContent>
+        <mc:AlternateContent xmlns:mc="http://schemas.openxmlformats.org/markup-compatibility/2006">
+          <mc:Choice xmlns:p14="http://schemas.microsoft.com/office/powerpoint/2010/main" xmlns:aink="http://schemas.microsoft.com/office/drawing/2016/ink" Requires="p14 aink">
+            <p:contentPart p14:bwMode="auto" r:id="rId13">
+              <p14:nvContentPartPr>
+                <p14:cNvPr id="9" name="Tinta 8">
+                  <a:extLst>
+                    <a:ext uri="{FF2B5EF4-FFF2-40B4-BE49-F238E27FC236}">
+                      <a16:creationId xmlns:a16="http://schemas.microsoft.com/office/drawing/2014/main" id="{7CD41486-D7DF-98CD-50FB-BFBDC39E5BB2}"/>
+                    </a:ext>
+                  </a:extLst>
+                </p14:cNvPr>
+                <p14:cNvContentPartPr/>
+                <p14:nvPr/>
+              </p14:nvContentPartPr>
+              <p14:xfrm>
+                <a:off x="5423421" y="2348019"/>
+                <a:ext cx="277920" cy="72720"/>
+              </p14:xfrm>
+            </p:contentPart>
+          </mc:Choice>
+          <mc:Fallback>
+            <p:pic>
+              <p:nvPicPr>
+                <p:cNvPr id="9" name="Tinta 8">
+                  <a:extLst>
+                    <a:ext uri="{FF2B5EF4-FFF2-40B4-BE49-F238E27FC236}">
+                      <a16:creationId xmlns:a16="http://schemas.microsoft.com/office/drawing/2014/main" id="{7CD41486-D7DF-98CD-50FB-BFBDC39E5BB2}"/>
+                    </a:ext>
+                  </a:extLst>
+                </p:cNvPr>
+                <p:cNvPicPr/>
+                <p:nvPr/>
+              </p:nvPicPr>
+              <p:blipFill>
+                <a:blip r:embed="rId14"/>
+                <a:stretch>
+                  <a:fillRect/>
+                </a:stretch>
+              </p:blipFill>
+              <p:spPr>
+                <a:xfrm>
+                  <a:off x="5405421" y="2330379"/>
+                  <a:ext cx="313560" cy="108360"/>
+                </a:xfrm>
+                <a:prstGeom prst="rect">
+                  <a:avLst/>
+                </a:prstGeom>
+              </p:spPr>
+            </p:pic>
+          </mc:Fallback>
+        </mc:AlternateContent>
+        <mc:AlternateContent xmlns:mc="http://schemas.openxmlformats.org/markup-compatibility/2006">
+          <mc:Choice xmlns:p14="http://schemas.microsoft.com/office/powerpoint/2010/main" xmlns:aink="http://schemas.microsoft.com/office/drawing/2016/ink" Requires="p14 aink">
+            <p:contentPart p14:bwMode="auto" r:id="rId15">
+              <p14:nvContentPartPr>
+                <p14:cNvPr id="10" name="Tinta 9">
+                  <a:extLst>
+                    <a:ext uri="{FF2B5EF4-FFF2-40B4-BE49-F238E27FC236}">
+                      <a16:creationId xmlns:a16="http://schemas.microsoft.com/office/drawing/2014/main" id="{179071B8-3EB6-3F54-DA76-4FB3F348C7D1}"/>
+                    </a:ext>
+                  </a:extLst>
+                </p14:cNvPr>
+                <p14:cNvContentPartPr/>
+                <p14:nvPr/>
+              </p14:nvContentPartPr>
+              <p14:xfrm>
+                <a:off x="5423421" y="2134539"/>
+                <a:ext cx="261720" cy="142560"/>
+              </p14:xfrm>
+            </p:contentPart>
+          </mc:Choice>
+          <mc:Fallback>
+            <p:pic>
+              <p:nvPicPr>
+                <p:cNvPr id="10" name="Tinta 9">
+                  <a:extLst>
+                    <a:ext uri="{FF2B5EF4-FFF2-40B4-BE49-F238E27FC236}">
+                      <a16:creationId xmlns:a16="http://schemas.microsoft.com/office/drawing/2014/main" id="{179071B8-3EB6-3F54-DA76-4FB3F348C7D1}"/>
+                    </a:ext>
+                  </a:extLst>
+                </p:cNvPr>
+                <p:cNvPicPr/>
+                <p:nvPr/>
+              </p:nvPicPr>
+              <p:blipFill>
+                <a:blip r:embed="rId16"/>
+                <a:stretch>
+                  <a:fillRect/>
+                </a:stretch>
+              </p:blipFill>
+              <p:spPr>
+                <a:xfrm>
+                  <a:off x="5405421" y="2116899"/>
+                  <a:ext cx="297360" cy="178200"/>
+                </a:xfrm>
+                <a:prstGeom prst="rect">
+                  <a:avLst/>
+                </a:prstGeom>
+              </p:spPr>
+            </p:pic>
+          </mc:Fallback>
+        </mc:AlternateContent>
+        <mc:AlternateContent xmlns:mc="http://schemas.openxmlformats.org/markup-compatibility/2006">
+          <mc:Choice xmlns:p14="http://schemas.microsoft.com/office/powerpoint/2010/main" xmlns:aink="http://schemas.microsoft.com/office/drawing/2016/ink" Requires="p14 aink">
+            <p:contentPart p14:bwMode="auto" r:id="rId17">
+              <p14:nvContentPartPr>
+                <p14:cNvPr id="11" name="Tinta 10">
+                  <a:extLst>
+                    <a:ext uri="{FF2B5EF4-FFF2-40B4-BE49-F238E27FC236}">
+                      <a16:creationId xmlns:a16="http://schemas.microsoft.com/office/drawing/2014/main" id="{CF0291C6-76BB-7BB0-6C70-F7637AF5440D}"/>
+                    </a:ext>
+                  </a:extLst>
+                </p14:cNvPr>
+                <p14:cNvContentPartPr/>
+                <p14:nvPr/>
+              </p14:nvContentPartPr>
+              <p14:xfrm>
+                <a:off x="5495421" y="2287179"/>
+                <a:ext cx="224280" cy="88920"/>
+              </p14:xfrm>
+            </p:contentPart>
+          </mc:Choice>
+          <mc:Fallback>
+            <p:pic>
+              <p:nvPicPr>
+                <p:cNvPr id="11" name="Tinta 10">
+                  <a:extLst>
+                    <a:ext uri="{FF2B5EF4-FFF2-40B4-BE49-F238E27FC236}">
+                      <a16:creationId xmlns:a16="http://schemas.microsoft.com/office/drawing/2014/main" id="{CF0291C6-76BB-7BB0-6C70-F7637AF5440D}"/>
+                    </a:ext>
+                  </a:extLst>
+                </p:cNvPr>
+                <p:cNvPicPr/>
+                <p:nvPr/>
+              </p:nvPicPr>
+              <p:blipFill>
+                <a:blip r:embed="rId18"/>
+                <a:stretch>
+                  <a:fillRect/>
+                </a:stretch>
+              </p:blipFill>
+              <p:spPr>
+                <a:xfrm>
+                  <a:off x="5477421" y="2269179"/>
+                  <a:ext cx="259920" cy="124560"/>
+                </a:xfrm>
+                <a:prstGeom prst="rect">
+                  <a:avLst/>
+                </a:prstGeom>
+              </p:spPr>
+            </p:pic>
+          </mc:Fallback>
+        </mc:AlternateContent>
+        <mc:AlternateContent xmlns:mc="http://schemas.openxmlformats.org/markup-compatibility/2006">
+          <mc:Choice xmlns:p14="http://schemas.microsoft.com/office/powerpoint/2010/main" xmlns:aink="http://schemas.microsoft.com/office/drawing/2016/ink" Requires="p14 aink">
+            <p:contentPart p14:bwMode="auto" r:id="rId19">
+              <p14:nvContentPartPr>
+                <p14:cNvPr id="12" name="Tinta 11">
+                  <a:extLst>
+                    <a:ext uri="{FF2B5EF4-FFF2-40B4-BE49-F238E27FC236}">
+                      <a16:creationId xmlns:a16="http://schemas.microsoft.com/office/drawing/2014/main" id="{07549A8A-BC7B-AFE7-70AA-D97DBE12CC31}"/>
+                    </a:ext>
+                  </a:extLst>
+                </p14:cNvPr>
+                <p14:cNvContentPartPr/>
+                <p14:nvPr/>
+              </p14:nvContentPartPr>
+              <p14:xfrm>
+                <a:off x="5549061" y="2333259"/>
+                <a:ext cx="111600" cy="42480"/>
+              </p14:xfrm>
+            </p:contentPart>
+          </mc:Choice>
+          <mc:Fallback>
+            <p:pic>
+              <p:nvPicPr>
+                <p:cNvPr id="12" name="Tinta 11">
+                  <a:extLst>
+                    <a:ext uri="{FF2B5EF4-FFF2-40B4-BE49-F238E27FC236}">
+                      <a16:creationId xmlns:a16="http://schemas.microsoft.com/office/drawing/2014/main" id="{07549A8A-BC7B-AFE7-70AA-D97DBE12CC31}"/>
+                    </a:ext>
+                  </a:extLst>
+                </p:cNvPr>
+                <p:cNvPicPr/>
+                <p:nvPr/>
+              </p:nvPicPr>
+              <p:blipFill>
+                <a:blip r:embed="rId20"/>
+                <a:stretch>
+                  <a:fillRect/>
+                </a:stretch>
+              </p:blipFill>
+              <p:spPr>
+                <a:xfrm>
+                  <a:off x="5531421" y="2315259"/>
+                  <a:ext cx="147240" cy="78120"/>
+                </a:xfrm>
+                <a:prstGeom prst="rect">
+                  <a:avLst/>
+                </a:prstGeom>
+              </p:spPr>
+            </p:pic>
+          </mc:Fallback>
+        </mc:AlternateContent>
+        <mc:AlternateContent xmlns:mc="http://schemas.openxmlformats.org/markup-compatibility/2006">
+          <mc:Choice xmlns:p14="http://schemas.microsoft.com/office/powerpoint/2010/main" xmlns:aink="http://schemas.microsoft.com/office/drawing/2016/ink" Requires="p14 aink">
+            <p:contentPart p14:bwMode="auto" r:id="rId21">
+              <p14:nvContentPartPr>
+                <p14:cNvPr id="15" name="Tinta 14">
+                  <a:extLst>
+                    <a:ext uri="{FF2B5EF4-FFF2-40B4-BE49-F238E27FC236}">
+                      <a16:creationId xmlns:a16="http://schemas.microsoft.com/office/drawing/2014/main" id="{4F0A43E1-DF9A-BCF7-54F4-4237BB814D77}"/>
+                    </a:ext>
+                  </a:extLst>
+                </p14:cNvPr>
+                <p14:cNvContentPartPr/>
+                <p14:nvPr/>
+              </p14:nvContentPartPr>
+              <p14:xfrm>
+                <a:off x="3440901" y="1179"/>
+                <a:ext cx="1938600" cy="2169000"/>
+              </p14:xfrm>
+            </p:contentPart>
+          </mc:Choice>
+          <mc:Fallback>
+            <p:pic>
+              <p:nvPicPr>
+                <p:cNvPr id="15" name="Tinta 14">
+                  <a:extLst>
+                    <a:ext uri="{FF2B5EF4-FFF2-40B4-BE49-F238E27FC236}">
+                      <a16:creationId xmlns:a16="http://schemas.microsoft.com/office/drawing/2014/main" id="{4F0A43E1-DF9A-BCF7-54F4-4237BB814D77}"/>
+                    </a:ext>
+                  </a:extLst>
+                </p:cNvPr>
+                <p:cNvPicPr/>
+                <p:nvPr/>
+              </p:nvPicPr>
+              <p:blipFill>
+                <a:blip r:embed="rId22"/>
+                <a:stretch>
+                  <a:fillRect/>
+                </a:stretch>
+              </p:blipFill>
+              <p:spPr>
+                <a:xfrm>
+                  <a:off x="3422901" y="-16461"/>
+                  <a:ext cx="1974240" cy="2204640"/>
+                </a:xfrm>
+                <a:prstGeom prst="rect">
+                  <a:avLst/>
+                </a:prstGeom>
+              </p:spPr>
+            </p:pic>
+          </mc:Fallback>
+        </mc:AlternateContent>
+      </p:grpSp>
+      <mc:AlternateContent xmlns:mc="http://schemas.openxmlformats.org/markup-compatibility/2006">
+        <mc:Choice xmlns:p14="http://schemas.microsoft.com/office/powerpoint/2010/main" xmlns:aink="http://schemas.microsoft.com/office/drawing/2016/ink" Requires="p14 aink">
+          <p:contentPart p14:bwMode="auto" r:id="rId23">
+            <p14:nvContentPartPr>
+              <p14:cNvPr id="17" name="Tinta 16">
+                <a:extLst>
+                  <a:ext uri="{FF2B5EF4-FFF2-40B4-BE49-F238E27FC236}">
+                    <a16:creationId xmlns:a16="http://schemas.microsoft.com/office/drawing/2014/main" id="{F6E8BE53-905A-0CB8-0CED-A7F5446CE0B0}"/>
+                  </a:ext>
+                </a:extLst>
+              </p14:cNvPr>
+              <p14:cNvContentPartPr/>
+              <p14:nvPr/>
+            </p14:nvContentPartPr>
+            <p14:xfrm>
+              <a:off x="7493781" y="-32555"/>
+              <a:ext cx="1731960" cy="2116440"/>
+            </p14:xfrm>
+          </p:contentPart>
+        </mc:Choice>
+        <mc:Fallback>
+          <p:pic>
+            <p:nvPicPr>
+              <p:cNvPr id="17" name="Tinta 16">
+                <a:extLst>
+                  <a:ext uri="{FF2B5EF4-FFF2-40B4-BE49-F238E27FC236}">
+                    <a16:creationId xmlns:a16="http://schemas.microsoft.com/office/drawing/2014/main" id="{F6E8BE53-905A-0CB8-0CED-A7F5446CE0B0}"/>
+                  </a:ext>
+                </a:extLst>
+              </p:cNvPr>
+              <p:cNvPicPr/>
+              <p:nvPr/>
+            </p:nvPicPr>
+            <p:blipFill>
+              <a:blip r:embed="rId24"/>
+              <a:stretch>
+                <a:fillRect/>
+              </a:stretch>
+            </p:blipFill>
+            <p:spPr>
+              <a:xfrm>
+                <a:off x="7476141" y="-50195"/>
+                <a:ext cx="1767600" cy="2152080"/>
+              </a:xfrm>
+              <a:prstGeom prst="rect">
+                <a:avLst/>
+              </a:prstGeom>
+            </p:spPr>
+          </p:pic>
+        </mc:Fallback>
+      </mc:AlternateContent>
+    </p:spTree>
+    <p:extLst>
+      <p:ext uri="{BB962C8B-B14F-4D97-AF65-F5344CB8AC3E}">
+        <p14:creationId xmlns:p14="http://schemas.microsoft.com/office/powerpoint/2010/main" val="2552239558"/>
+      </p:ext>
+    </p:extLst>
+  </p:cSld>
+  <p:clrMapOvr>
+    <a:masterClrMapping/>
+  </p:clrMapOvr>
+</p:sld>
+</file>
+
+<file path=ppt/slides/slide13.xml><?xml version="1.0" encoding="utf-8"?>
+<p:sld xmlns:a="http://schemas.openxmlformats.org/drawingml/2006/main" xmlns:r="http://schemas.openxmlformats.org/officeDocument/2006/relationships" xmlns:p="http://schemas.openxmlformats.org/presentationml/2006/main">
+  <p:cSld>
+    <p:spTree>
+      <p:nvGrpSpPr>
+        <p:cNvPr id="1" name=""/>
+        <p:cNvGrpSpPr/>
+        <p:nvPr/>
+      </p:nvGrpSpPr>
+      <p:grpSpPr>
+        <a:xfrm>
+          <a:off x="0" y="0"/>
+          <a:ext cx="0" cy="0"/>
+          <a:chOff x="0" y="0"/>
+          <a:chExt cx="0" cy="0"/>
+        </a:xfrm>
+      </p:grpSpPr>
+      <p:sp>
+        <p:nvSpPr>
+          <p:cNvPr id="2" name="Espaço Reservado para Número de Slide 1">
+            <a:extLst>
+              <a:ext uri="{FF2B5EF4-FFF2-40B4-BE49-F238E27FC236}">
+                <a16:creationId xmlns:a16="http://schemas.microsoft.com/office/drawing/2014/main" id="{B15563BF-72CA-7B50-8802-3D59F5125DC0}"/>
+              </a:ext>
+            </a:extLst>
+          </p:cNvPr>
+          <p:cNvSpPr>
+            <a:spLocks noGrp="1"/>
+          </p:cNvSpPr>
+          <p:nvPr>
+            <p:ph type="sldNum" sz="quarter" idx="12"/>
+          </p:nvPr>
+        </p:nvSpPr>
+        <p:spPr/>
+        <p:txBody>
+          <a:bodyPr/>
+          <a:lstStyle/>
+          <a:p>
+            <a:fld id="{4FAB73BC-B049-4115-A692-8D63A059BFB8}" type="slidenum">
+              <a:rPr lang="en-US" smtClean="0"/>
+              <a:pPr/>
+              <a:t>13</a:t>
+            </a:fld>
+            <a:endParaRPr lang="en-US" dirty="0"/>
+          </a:p>
+        </p:txBody>
+      </p:sp>
+      <p:sp>
+        <p:nvSpPr>
+          <p:cNvPr id="3" name="CaixaDeTexto 2">
+            <a:extLst>
+              <a:ext uri="{FF2B5EF4-FFF2-40B4-BE49-F238E27FC236}">
+                <a16:creationId xmlns:a16="http://schemas.microsoft.com/office/drawing/2014/main" id="{759FF47F-808F-5A09-0ADC-57B7188BE79F}"/>
+              </a:ext>
+            </a:extLst>
+          </p:cNvPr>
+          <p:cNvSpPr txBox="1"/>
+          <p:nvPr/>
+        </p:nvSpPr>
+        <p:spPr>
+          <a:xfrm>
+            <a:off x="2492188" y="1048872"/>
+            <a:ext cx="6722546" cy="1384995"/>
+          </a:xfrm>
+          <a:prstGeom prst="rect">
+            <a:avLst/>
+          </a:prstGeom>
+          <a:noFill/>
+        </p:spPr>
+        <p:txBody>
+          <a:bodyPr wrap="none" rtlCol="0">
+            <a:spAutoFit/>
+          </a:bodyPr>
+          <a:lstStyle/>
+          <a:p>
+            <a:r>
+              <a:rPr lang="pt-BR" sz="2800" b="1" dirty="0"/>
+              <a:t>Péssimo</a:t>
+            </a:r>
+            <a:r>
+              <a:rPr lang="pt-BR" sz="2800" dirty="0"/>
+              <a:t>   Ruim   Regular   Bom   </a:t>
+            </a:r>
+            <a:r>
+              <a:rPr lang="pt-BR" sz="2800" b="1" dirty="0"/>
+              <a:t>Muito  bom</a:t>
+            </a:r>
+          </a:p>
+          <a:p>
+            <a:endParaRPr lang="pt-BR" sz="2800" b="1" dirty="0"/>
+          </a:p>
+          <a:p>
+            <a:r>
+              <a:rPr lang="pt-BR" sz="2800" b="1" dirty="0"/>
+              <a:t>- 2                    -1           0            1                    2</a:t>
+            </a:r>
+          </a:p>
+        </p:txBody>
+      </p:sp>
+      <p:sp>
+        <p:nvSpPr>
+          <p:cNvPr id="4" name="CaixaDeTexto 3">
+            <a:extLst>
+              <a:ext uri="{FF2B5EF4-FFF2-40B4-BE49-F238E27FC236}">
+                <a16:creationId xmlns:a16="http://schemas.microsoft.com/office/drawing/2014/main" id="{9397A44F-82E5-16CC-0CE7-E41AB5B7E9BA}"/>
+              </a:ext>
+            </a:extLst>
+          </p:cNvPr>
+          <p:cNvSpPr txBox="1"/>
+          <p:nvPr/>
+        </p:nvSpPr>
+        <p:spPr>
+          <a:xfrm>
+            <a:off x="1452282" y="3073115"/>
+            <a:ext cx="1239442" cy="584775"/>
+          </a:xfrm>
+          <a:prstGeom prst="rect">
+            <a:avLst/>
+          </a:prstGeom>
+          <a:noFill/>
+        </p:spPr>
+        <p:txBody>
+          <a:bodyPr wrap="none" rtlCol="0">
+            <a:spAutoFit/>
+          </a:bodyPr>
+          <a:lstStyle/>
+          <a:p>
+            <a:r>
+              <a:rPr lang="pt-BR" sz="3200" dirty="0"/>
+              <a:t>Média</a:t>
+            </a:r>
+          </a:p>
+        </p:txBody>
+      </p:sp>
+    </p:spTree>
+    <p:extLst>
+      <p:ext uri="{BB962C8B-B14F-4D97-AF65-F5344CB8AC3E}">
+        <p14:creationId xmlns:p14="http://schemas.microsoft.com/office/powerpoint/2010/main" val="3867033484"/>
+      </p:ext>
+    </p:extLst>
+  </p:cSld>
+  <p:clrMapOvr>
+    <a:masterClrMapping/>
+  </p:clrMapOvr>
+</p:sld>
+</file>
+
 <file path=ppt/slides/slide2.xml><?xml version="1.0" encoding="utf-8"?>
 <p:sld xmlns:a="http://schemas.openxmlformats.org/drawingml/2006/main" xmlns:r="http://schemas.openxmlformats.org/officeDocument/2006/relationships" xmlns:p="http://schemas.openxmlformats.org/presentationml/2006/main">
   <p:cSld>
@@ -5842,6 +7842,1416 @@
           </a:p>
         </p:txBody>
       </p:sp>
+      <mc:AlternateContent xmlns:mc="http://schemas.openxmlformats.org/markup-compatibility/2006">
+        <mc:Choice xmlns:p14="http://schemas.microsoft.com/office/powerpoint/2010/main" xmlns:aink="http://schemas.microsoft.com/office/drawing/2016/ink" Requires="p14 aink">
+          <p:contentPart p14:bwMode="auto" r:id="rId2">
+            <p14:nvContentPartPr>
+              <p14:cNvPr id="3" name="Tinta 2">
+                <a:extLst>
+                  <a:ext uri="{FF2B5EF4-FFF2-40B4-BE49-F238E27FC236}">
+                    <a16:creationId xmlns:a16="http://schemas.microsoft.com/office/drawing/2014/main" id="{A66FE0D8-8B1E-2B5D-299A-CF38DA0601EF}"/>
+                  </a:ext>
+                </a:extLst>
+              </p14:cNvPr>
+              <p14:cNvContentPartPr/>
+              <p14:nvPr/>
+            </p14:nvContentPartPr>
+            <p14:xfrm>
+              <a:off x="1398261" y="942579"/>
+              <a:ext cx="144360" cy="1755000"/>
+            </p14:xfrm>
+          </p:contentPart>
+        </mc:Choice>
+        <mc:Fallback>
+          <p:pic>
+            <p:nvPicPr>
+              <p:cNvPr id="3" name="Tinta 2">
+                <a:extLst>
+                  <a:ext uri="{FF2B5EF4-FFF2-40B4-BE49-F238E27FC236}">
+                    <a16:creationId xmlns:a16="http://schemas.microsoft.com/office/drawing/2014/main" id="{A66FE0D8-8B1E-2B5D-299A-CF38DA0601EF}"/>
+                  </a:ext>
+                </a:extLst>
+              </p:cNvPr>
+              <p:cNvPicPr/>
+              <p:nvPr/>
+            </p:nvPicPr>
+            <p:blipFill>
+              <a:blip r:embed="rId3"/>
+              <a:stretch>
+                <a:fillRect/>
+              </a:stretch>
+            </p:blipFill>
+            <p:spPr>
+              <a:xfrm>
+                <a:off x="1380261" y="924939"/>
+                <a:ext cx="180000" cy="1790640"/>
+              </a:xfrm>
+              <a:prstGeom prst="rect">
+                <a:avLst/>
+              </a:prstGeom>
+            </p:spPr>
+          </p:pic>
+        </mc:Fallback>
+      </mc:AlternateContent>
+      <mc:AlternateContent xmlns:mc="http://schemas.openxmlformats.org/markup-compatibility/2006">
+        <mc:Choice xmlns:p14="http://schemas.microsoft.com/office/powerpoint/2010/main" xmlns:aink="http://schemas.microsoft.com/office/drawing/2016/ink" Requires="p14 aink">
+          <p:contentPart p14:bwMode="auto" r:id="rId4">
+            <p14:nvContentPartPr>
+              <p14:cNvPr id="4" name="Tinta 3">
+                <a:extLst>
+                  <a:ext uri="{FF2B5EF4-FFF2-40B4-BE49-F238E27FC236}">
+                    <a16:creationId xmlns:a16="http://schemas.microsoft.com/office/drawing/2014/main" id="{CC59420F-5423-7270-A097-E73E3F8FABD3}"/>
+                  </a:ext>
+                </a:extLst>
+              </p14:cNvPr>
+              <p14:cNvContentPartPr/>
+              <p14:nvPr/>
+            </p14:nvContentPartPr>
+            <p14:xfrm>
+              <a:off x="1416261" y="770139"/>
+              <a:ext cx="2514240" cy="2016360"/>
+            </p14:xfrm>
+          </p:contentPart>
+        </mc:Choice>
+        <mc:Fallback>
+          <p:pic>
+            <p:nvPicPr>
+              <p:cNvPr id="4" name="Tinta 3">
+                <a:extLst>
+                  <a:ext uri="{FF2B5EF4-FFF2-40B4-BE49-F238E27FC236}">
+                    <a16:creationId xmlns:a16="http://schemas.microsoft.com/office/drawing/2014/main" id="{CC59420F-5423-7270-A097-E73E3F8FABD3}"/>
+                  </a:ext>
+                </a:extLst>
+              </p:cNvPr>
+              <p:cNvPicPr/>
+              <p:nvPr/>
+            </p:nvPicPr>
+            <p:blipFill>
+              <a:blip r:embed="rId5"/>
+              <a:stretch>
+                <a:fillRect/>
+              </a:stretch>
+            </p:blipFill>
+            <p:spPr>
+              <a:xfrm>
+                <a:off x="1398621" y="752499"/>
+                <a:ext cx="2549880" cy="2052000"/>
+              </a:xfrm>
+              <a:prstGeom prst="rect">
+                <a:avLst/>
+              </a:prstGeom>
+            </p:spPr>
+          </p:pic>
+        </mc:Fallback>
+      </mc:AlternateContent>
+      <mc:AlternateContent xmlns:mc="http://schemas.openxmlformats.org/markup-compatibility/2006">
+        <mc:Choice xmlns:p14="http://schemas.microsoft.com/office/powerpoint/2010/main" xmlns:aink="http://schemas.microsoft.com/office/drawing/2016/ink" Requires="p14 aink">
+          <p:contentPart p14:bwMode="auto" r:id="rId6">
+            <p14:nvContentPartPr>
+              <p14:cNvPr id="6" name="Tinta 5">
+                <a:extLst>
+                  <a:ext uri="{FF2B5EF4-FFF2-40B4-BE49-F238E27FC236}">
+                    <a16:creationId xmlns:a16="http://schemas.microsoft.com/office/drawing/2014/main" id="{095D115E-63B4-FF0A-A5F5-2EE54A2524AC}"/>
+                  </a:ext>
+                </a:extLst>
+              </p14:cNvPr>
+              <p14:cNvContentPartPr/>
+              <p14:nvPr/>
+            </p14:nvContentPartPr>
+            <p14:xfrm>
+              <a:off x="2455941" y="1254339"/>
+              <a:ext cx="297720" cy="360360"/>
+            </p14:xfrm>
+          </p:contentPart>
+        </mc:Choice>
+        <mc:Fallback>
+          <p:pic>
+            <p:nvPicPr>
+              <p:cNvPr id="6" name="Tinta 5">
+                <a:extLst>
+                  <a:ext uri="{FF2B5EF4-FFF2-40B4-BE49-F238E27FC236}">
+                    <a16:creationId xmlns:a16="http://schemas.microsoft.com/office/drawing/2014/main" id="{095D115E-63B4-FF0A-A5F5-2EE54A2524AC}"/>
+                  </a:ext>
+                </a:extLst>
+              </p:cNvPr>
+              <p:cNvPicPr/>
+              <p:nvPr/>
+            </p:nvPicPr>
+            <p:blipFill>
+              <a:blip r:embed="rId7"/>
+              <a:stretch>
+                <a:fillRect/>
+              </a:stretch>
+            </p:blipFill>
+            <p:spPr>
+              <a:xfrm>
+                <a:off x="2437941" y="1236339"/>
+                <a:ext cx="333360" cy="396000"/>
+              </a:xfrm>
+              <a:prstGeom prst="rect">
+                <a:avLst/>
+              </a:prstGeom>
+            </p:spPr>
+          </p:pic>
+        </mc:Fallback>
+      </mc:AlternateContent>
+      <mc:AlternateContent xmlns:mc="http://schemas.openxmlformats.org/markup-compatibility/2006">
+        <mc:Choice xmlns:p14="http://schemas.microsoft.com/office/powerpoint/2010/main" xmlns:aink="http://schemas.microsoft.com/office/drawing/2016/ink" Requires="p14 aink">
+          <p:contentPart p14:bwMode="auto" r:id="rId8">
+            <p14:nvContentPartPr>
+              <p14:cNvPr id="12" name="Tinta 11">
+                <a:extLst>
+                  <a:ext uri="{FF2B5EF4-FFF2-40B4-BE49-F238E27FC236}">
+                    <a16:creationId xmlns:a16="http://schemas.microsoft.com/office/drawing/2014/main" id="{CACA967E-9891-8A85-00B3-EBD804849FC7}"/>
+                  </a:ext>
+                </a:extLst>
+              </p14:cNvPr>
+              <p14:cNvContentPartPr/>
+              <p14:nvPr/>
+            </p14:nvContentPartPr>
+            <p14:xfrm>
+              <a:off x="2303661" y="3054339"/>
+              <a:ext cx="2806560" cy="929520"/>
+            </p14:xfrm>
+          </p:contentPart>
+        </mc:Choice>
+        <mc:Fallback>
+          <p:pic>
+            <p:nvPicPr>
+              <p:cNvPr id="12" name="Tinta 11">
+                <a:extLst>
+                  <a:ext uri="{FF2B5EF4-FFF2-40B4-BE49-F238E27FC236}">
+                    <a16:creationId xmlns:a16="http://schemas.microsoft.com/office/drawing/2014/main" id="{CACA967E-9891-8A85-00B3-EBD804849FC7}"/>
+                  </a:ext>
+                </a:extLst>
+              </p:cNvPr>
+              <p:cNvPicPr/>
+              <p:nvPr/>
+            </p:nvPicPr>
+            <p:blipFill>
+              <a:blip r:embed="rId9"/>
+              <a:stretch>
+                <a:fillRect/>
+              </a:stretch>
+            </p:blipFill>
+            <p:spPr>
+              <a:xfrm>
+                <a:off x="2286021" y="3036699"/>
+                <a:ext cx="2842200" cy="965160"/>
+              </a:xfrm>
+              <a:prstGeom prst="rect">
+                <a:avLst/>
+              </a:prstGeom>
+            </p:spPr>
+          </p:pic>
+        </mc:Fallback>
+      </mc:AlternateContent>
+      <p:grpSp>
+        <p:nvGrpSpPr>
+          <p:cNvPr id="18" name="Agrupar 17">
+            <a:extLst>
+              <a:ext uri="{FF2B5EF4-FFF2-40B4-BE49-F238E27FC236}">
+                <a16:creationId xmlns:a16="http://schemas.microsoft.com/office/drawing/2014/main" id="{2CBACB96-5BCC-A198-3839-F1298235908E}"/>
+              </a:ext>
+            </a:extLst>
+          </p:cNvPr>
+          <p:cNvGrpSpPr/>
+          <p:nvPr/>
+        </p:nvGrpSpPr>
+        <p:grpSpPr>
+          <a:xfrm>
+            <a:off x="2156061" y="1505619"/>
+            <a:ext cx="4201560" cy="3155400"/>
+            <a:chOff x="2156061" y="1505619"/>
+            <a:chExt cx="4201560" cy="3155400"/>
+          </a:xfrm>
+        </p:grpSpPr>
+        <mc:AlternateContent xmlns:mc="http://schemas.openxmlformats.org/markup-compatibility/2006">
+          <mc:Choice xmlns:p14="http://schemas.microsoft.com/office/powerpoint/2010/main" xmlns:aink="http://schemas.microsoft.com/office/drawing/2016/ink" Requires="p14 aink">
+            <p:contentPart p14:bwMode="auto" r:id="rId10">
+              <p14:nvContentPartPr>
+                <p14:cNvPr id="7" name="Tinta 6">
+                  <a:extLst>
+                    <a:ext uri="{FF2B5EF4-FFF2-40B4-BE49-F238E27FC236}">
+                      <a16:creationId xmlns:a16="http://schemas.microsoft.com/office/drawing/2014/main" id="{2AE63EDD-2714-89CE-A190-C003D73007E7}"/>
+                    </a:ext>
+                  </a:extLst>
+                </p14:cNvPr>
+                <p14:cNvContentPartPr/>
+                <p14:nvPr/>
+              </p14:nvContentPartPr>
+              <p14:xfrm>
+                <a:off x="2178381" y="1699659"/>
+                <a:ext cx="3960" cy="3960"/>
+              </p14:xfrm>
+            </p:contentPart>
+          </mc:Choice>
+          <mc:Fallback>
+            <p:pic>
+              <p:nvPicPr>
+                <p:cNvPr id="7" name="Tinta 6">
+                  <a:extLst>
+                    <a:ext uri="{FF2B5EF4-FFF2-40B4-BE49-F238E27FC236}">
+                      <a16:creationId xmlns:a16="http://schemas.microsoft.com/office/drawing/2014/main" id="{2AE63EDD-2714-89CE-A190-C003D73007E7}"/>
+                    </a:ext>
+                  </a:extLst>
+                </p:cNvPr>
+                <p:cNvPicPr/>
+                <p:nvPr/>
+              </p:nvPicPr>
+              <p:blipFill>
+                <a:blip r:embed="rId11"/>
+                <a:stretch>
+                  <a:fillRect/>
+                </a:stretch>
+              </p:blipFill>
+              <p:spPr>
+                <a:xfrm>
+                  <a:off x="2160381" y="1681659"/>
+                  <a:ext cx="39600" cy="39600"/>
+                </a:xfrm>
+                <a:prstGeom prst="rect">
+                  <a:avLst/>
+                </a:prstGeom>
+              </p:spPr>
+            </p:pic>
+          </mc:Fallback>
+        </mc:AlternateContent>
+        <mc:AlternateContent xmlns:mc="http://schemas.openxmlformats.org/markup-compatibility/2006">
+          <mc:Choice xmlns:p14="http://schemas.microsoft.com/office/powerpoint/2010/main" xmlns:aink="http://schemas.microsoft.com/office/drawing/2016/ink" Requires="p14 aink">
+            <p:contentPart p14:bwMode="auto" r:id="rId12">
+              <p14:nvContentPartPr>
+                <p14:cNvPr id="8" name="Tinta 7">
+                  <a:extLst>
+                    <a:ext uri="{FF2B5EF4-FFF2-40B4-BE49-F238E27FC236}">
+                      <a16:creationId xmlns:a16="http://schemas.microsoft.com/office/drawing/2014/main" id="{CAFC4734-1582-503B-C9A1-630F1984A373}"/>
+                    </a:ext>
+                  </a:extLst>
+                </p14:cNvPr>
+                <p14:cNvContentPartPr/>
+                <p14:nvPr/>
+              </p14:nvContentPartPr>
+              <p14:xfrm>
+                <a:off x="2205021" y="1667259"/>
+                <a:ext cx="360" cy="360"/>
+              </p14:xfrm>
+            </p:contentPart>
+          </mc:Choice>
+          <mc:Fallback>
+            <p:pic>
+              <p:nvPicPr>
+                <p:cNvPr id="8" name="Tinta 7">
+                  <a:extLst>
+                    <a:ext uri="{FF2B5EF4-FFF2-40B4-BE49-F238E27FC236}">
+                      <a16:creationId xmlns:a16="http://schemas.microsoft.com/office/drawing/2014/main" id="{CAFC4734-1582-503B-C9A1-630F1984A373}"/>
+                    </a:ext>
+                  </a:extLst>
+                </p:cNvPr>
+                <p:cNvPicPr/>
+                <p:nvPr/>
+              </p:nvPicPr>
+              <p:blipFill>
+                <a:blip r:embed="rId13"/>
+                <a:stretch>
+                  <a:fillRect/>
+                </a:stretch>
+              </p:blipFill>
+              <p:spPr>
+                <a:xfrm>
+                  <a:off x="2187021" y="1649619"/>
+                  <a:ext cx="36000" cy="36000"/>
+                </a:xfrm>
+                <a:prstGeom prst="rect">
+                  <a:avLst/>
+                </a:prstGeom>
+              </p:spPr>
+            </p:pic>
+          </mc:Fallback>
+        </mc:AlternateContent>
+        <mc:AlternateContent xmlns:mc="http://schemas.openxmlformats.org/markup-compatibility/2006">
+          <mc:Choice xmlns:p14="http://schemas.microsoft.com/office/powerpoint/2010/main" xmlns:aink="http://schemas.microsoft.com/office/drawing/2016/ink" Requires="p14 aink">
+            <p:contentPart p14:bwMode="auto" r:id="rId14">
+              <p14:nvContentPartPr>
+                <p14:cNvPr id="9" name="Tinta 8">
+                  <a:extLst>
+                    <a:ext uri="{FF2B5EF4-FFF2-40B4-BE49-F238E27FC236}">
+                      <a16:creationId xmlns:a16="http://schemas.microsoft.com/office/drawing/2014/main" id="{AD5D11FA-7AEE-208E-42E4-EB3AE4CD8731}"/>
+                    </a:ext>
+                  </a:extLst>
+                </p14:cNvPr>
+                <p14:cNvContentPartPr/>
+                <p14:nvPr/>
+              </p14:nvContentPartPr>
+              <p14:xfrm>
+                <a:off x="2156061" y="1670859"/>
+                <a:ext cx="327240" cy="2184120"/>
+              </p14:xfrm>
+            </p:contentPart>
+          </mc:Choice>
+          <mc:Fallback>
+            <p:pic>
+              <p:nvPicPr>
+                <p:cNvPr id="9" name="Tinta 8">
+                  <a:extLst>
+                    <a:ext uri="{FF2B5EF4-FFF2-40B4-BE49-F238E27FC236}">
+                      <a16:creationId xmlns:a16="http://schemas.microsoft.com/office/drawing/2014/main" id="{AD5D11FA-7AEE-208E-42E4-EB3AE4CD8731}"/>
+                    </a:ext>
+                  </a:extLst>
+                </p:cNvPr>
+                <p:cNvPicPr/>
+                <p:nvPr/>
+              </p:nvPicPr>
+              <p:blipFill>
+                <a:blip r:embed="rId15"/>
+                <a:stretch>
+                  <a:fillRect/>
+                </a:stretch>
+              </p:blipFill>
+              <p:spPr>
+                <a:xfrm>
+                  <a:off x="2138061" y="1652859"/>
+                  <a:ext cx="362880" cy="2219760"/>
+                </a:xfrm>
+                <a:prstGeom prst="rect">
+                  <a:avLst/>
+                </a:prstGeom>
+              </p:spPr>
+            </p:pic>
+          </mc:Fallback>
+        </mc:AlternateContent>
+        <mc:AlternateContent xmlns:mc="http://schemas.openxmlformats.org/markup-compatibility/2006">
+          <mc:Choice xmlns:p14="http://schemas.microsoft.com/office/powerpoint/2010/main" xmlns:aink="http://schemas.microsoft.com/office/drawing/2016/ink" Requires="p14 aink">
+            <p:contentPart p14:bwMode="auto" r:id="rId16">
+              <p14:nvContentPartPr>
+                <p14:cNvPr id="10" name="Tinta 9">
+                  <a:extLst>
+                    <a:ext uri="{FF2B5EF4-FFF2-40B4-BE49-F238E27FC236}">
+                      <a16:creationId xmlns:a16="http://schemas.microsoft.com/office/drawing/2014/main" id="{7DB70A2C-0E98-82D9-90BE-7D1EEB1D457C}"/>
+                    </a:ext>
+                  </a:extLst>
+                </p14:cNvPr>
+                <p14:cNvContentPartPr/>
+                <p14:nvPr/>
+              </p14:nvContentPartPr>
+              <p14:xfrm>
+                <a:off x="2162541" y="1505619"/>
+                <a:ext cx="2840040" cy="1703880"/>
+              </p14:xfrm>
+            </p:contentPart>
+          </mc:Choice>
+          <mc:Fallback>
+            <p:pic>
+              <p:nvPicPr>
+                <p:cNvPr id="10" name="Tinta 9">
+                  <a:extLst>
+                    <a:ext uri="{FF2B5EF4-FFF2-40B4-BE49-F238E27FC236}">
+                      <a16:creationId xmlns:a16="http://schemas.microsoft.com/office/drawing/2014/main" id="{7DB70A2C-0E98-82D9-90BE-7D1EEB1D457C}"/>
+                    </a:ext>
+                  </a:extLst>
+                </p:cNvPr>
+                <p:cNvPicPr/>
+                <p:nvPr/>
+              </p:nvPicPr>
+              <p:blipFill>
+                <a:blip r:embed="rId17"/>
+                <a:stretch>
+                  <a:fillRect/>
+                </a:stretch>
+              </p:blipFill>
+              <p:spPr>
+                <a:xfrm>
+                  <a:off x="2144901" y="1487619"/>
+                  <a:ext cx="2875680" cy="1739520"/>
+                </a:xfrm>
+                <a:prstGeom prst="rect">
+                  <a:avLst/>
+                </a:prstGeom>
+              </p:spPr>
+            </p:pic>
+          </mc:Fallback>
+        </mc:AlternateContent>
+        <mc:AlternateContent xmlns:mc="http://schemas.openxmlformats.org/markup-compatibility/2006">
+          <mc:Choice xmlns:p14="http://schemas.microsoft.com/office/powerpoint/2010/main" xmlns:aink="http://schemas.microsoft.com/office/drawing/2016/ink" Requires="p14 aink">
+            <p:contentPart p14:bwMode="auto" r:id="rId18">
+              <p14:nvContentPartPr>
+                <p14:cNvPr id="14" name="Tinta 13">
+                  <a:extLst>
+                    <a:ext uri="{FF2B5EF4-FFF2-40B4-BE49-F238E27FC236}">
+                      <a16:creationId xmlns:a16="http://schemas.microsoft.com/office/drawing/2014/main" id="{D1E1DED8-4553-59F2-815C-95CAD4F4524A}"/>
+                    </a:ext>
+                  </a:extLst>
+                </p14:cNvPr>
+                <p14:cNvContentPartPr/>
+                <p14:nvPr/>
+              </p14:nvContentPartPr>
+              <p14:xfrm>
+                <a:off x="2959941" y="1926459"/>
+                <a:ext cx="1541520" cy="837720"/>
+              </p14:xfrm>
+            </p:contentPart>
+          </mc:Choice>
+          <mc:Fallback>
+            <p:pic>
+              <p:nvPicPr>
+                <p:cNvPr id="14" name="Tinta 13">
+                  <a:extLst>
+                    <a:ext uri="{FF2B5EF4-FFF2-40B4-BE49-F238E27FC236}">
+                      <a16:creationId xmlns:a16="http://schemas.microsoft.com/office/drawing/2014/main" id="{D1E1DED8-4553-59F2-815C-95CAD4F4524A}"/>
+                    </a:ext>
+                  </a:extLst>
+                </p:cNvPr>
+                <p:cNvPicPr/>
+                <p:nvPr/>
+              </p:nvPicPr>
+              <p:blipFill>
+                <a:blip r:embed="rId19"/>
+                <a:stretch>
+                  <a:fillRect/>
+                </a:stretch>
+              </p:blipFill>
+              <p:spPr>
+                <a:xfrm>
+                  <a:off x="2942301" y="1908819"/>
+                  <a:ext cx="1577160" cy="873360"/>
+                </a:xfrm>
+                <a:prstGeom prst="rect">
+                  <a:avLst/>
+                </a:prstGeom>
+              </p:spPr>
+            </p:pic>
+          </mc:Fallback>
+        </mc:AlternateContent>
+        <mc:AlternateContent xmlns:mc="http://schemas.openxmlformats.org/markup-compatibility/2006">
+          <mc:Choice xmlns:p14="http://schemas.microsoft.com/office/powerpoint/2010/main" xmlns:aink="http://schemas.microsoft.com/office/drawing/2016/ink" Requires="p14 aink">
+            <p:contentPart p14:bwMode="auto" r:id="rId20">
+              <p14:nvContentPartPr>
+                <p14:cNvPr id="16" name="Tinta 15">
+                  <a:extLst>
+                    <a:ext uri="{FF2B5EF4-FFF2-40B4-BE49-F238E27FC236}">
+                      <a16:creationId xmlns:a16="http://schemas.microsoft.com/office/drawing/2014/main" id="{60948B79-F9A9-F09E-FFBF-ADECC549978B}"/>
+                    </a:ext>
+                  </a:extLst>
+                </p14:cNvPr>
+                <p14:cNvContentPartPr/>
+                <p14:nvPr/>
+              </p14:nvContentPartPr>
+              <p14:xfrm>
+                <a:off x="3809901" y="2787939"/>
+                <a:ext cx="209520" cy="1873080"/>
+              </p14:xfrm>
+            </p:contentPart>
+          </mc:Choice>
+          <mc:Fallback>
+            <p:pic>
+              <p:nvPicPr>
+                <p:cNvPr id="16" name="Tinta 15">
+                  <a:extLst>
+                    <a:ext uri="{FF2B5EF4-FFF2-40B4-BE49-F238E27FC236}">
+                      <a16:creationId xmlns:a16="http://schemas.microsoft.com/office/drawing/2014/main" id="{60948B79-F9A9-F09E-FFBF-ADECC549978B}"/>
+                    </a:ext>
+                  </a:extLst>
+                </p:cNvPr>
+                <p:cNvPicPr/>
+                <p:nvPr/>
+              </p:nvPicPr>
+              <p:blipFill>
+                <a:blip r:embed="rId21"/>
+                <a:stretch>
+                  <a:fillRect/>
+                </a:stretch>
+              </p:blipFill>
+              <p:spPr>
+                <a:xfrm>
+                  <a:off x="3791901" y="2770299"/>
+                  <a:ext cx="245160" cy="1908720"/>
+                </a:xfrm>
+                <a:prstGeom prst="rect">
+                  <a:avLst/>
+                </a:prstGeom>
+              </p:spPr>
+            </p:pic>
+          </mc:Fallback>
+        </mc:AlternateContent>
+        <mc:AlternateContent xmlns:mc="http://schemas.openxmlformats.org/markup-compatibility/2006">
+          <mc:Choice xmlns:p14="http://schemas.microsoft.com/office/powerpoint/2010/main" xmlns:aink="http://schemas.microsoft.com/office/drawing/2016/ink" Requires="p14 aink">
+            <p:contentPart p14:bwMode="auto" r:id="rId22">
+              <p14:nvContentPartPr>
+                <p14:cNvPr id="17" name="Tinta 16">
+                  <a:extLst>
+                    <a:ext uri="{FF2B5EF4-FFF2-40B4-BE49-F238E27FC236}">
+                      <a16:creationId xmlns:a16="http://schemas.microsoft.com/office/drawing/2014/main" id="{8AF1CB00-FF23-F5E2-00B0-72143718B379}"/>
+                    </a:ext>
+                  </a:extLst>
+                </p14:cNvPr>
+                <p14:cNvContentPartPr/>
+                <p14:nvPr/>
+              </p14:nvContentPartPr>
+              <p14:xfrm>
+                <a:off x="3856701" y="2616579"/>
+                <a:ext cx="2500920" cy="1990440"/>
+              </p14:xfrm>
+            </p:contentPart>
+          </mc:Choice>
+          <mc:Fallback>
+            <p:pic>
+              <p:nvPicPr>
+                <p:cNvPr id="17" name="Tinta 16">
+                  <a:extLst>
+                    <a:ext uri="{FF2B5EF4-FFF2-40B4-BE49-F238E27FC236}">
+                      <a16:creationId xmlns:a16="http://schemas.microsoft.com/office/drawing/2014/main" id="{8AF1CB00-FF23-F5E2-00B0-72143718B379}"/>
+                    </a:ext>
+                  </a:extLst>
+                </p:cNvPr>
+                <p:cNvPicPr/>
+                <p:nvPr/>
+              </p:nvPicPr>
+              <p:blipFill>
+                <a:blip r:embed="rId23"/>
+                <a:stretch>
+                  <a:fillRect/>
+                </a:stretch>
+              </p:blipFill>
+              <p:spPr>
+                <a:xfrm>
+                  <a:off x="3838701" y="2598579"/>
+                  <a:ext cx="2536560" cy="2026080"/>
+                </a:xfrm>
+                <a:prstGeom prst="rect">
+                  <a:avLst/>
+                </a:prstGeom>
+              </p:spPr>
+            </p:pic>
+          </mc:Fallback>
+        </mc:AlternateContent>
+      </p:grpSp>
+      <mc:AlternateContent xmlns:mc="http://schemas.openxmlformats.org/markup-compatibility/2006">
+        <mc:Choice xmlns:p14="http://schemas.microsoft.com/office/powerpoint/2010/main" xmlns:aink="http://schemas.microsoft.com/office/drawing/2016/ink" Requires="p14 aink">
+          <p:contentPart p14:bwMode="auto" r:id="rId24">
+            <p14:nvContentPartPr>
+              <p14:cNvPr id="19" name="Tinta 18">
+                <a:extLst>
+                  <a:ext uri="{FF2B5EF4-FFF2-40B4-BE49-F238E27FC236}">
+                    <a16:creationId xmlns:a16="http://schemas.microsoft.com/office/drawing/2014/main" id="{12A1B3D0-D647-9015-A9AB-C6D395F22360}"/>
+                  </a:ext>
+                </a:extLst>
+              </p14:cNvPr>
+              <p14:cNvContentPartPr/>
+              <p14:nvPr/>
+            </p14:nvContentPartPr>
+            <p14:xfrm>
+              <a:off x="4771101" y="3638619"/>
+              <a:ext cx="670680" cy="745920"/>
+            </p14:xfrm>
+          </p:contentPart>
+        </mc:Choice>
+        <mc:Fallback>
+          <p:pic>
+            <p:nvPicPr>
+              <p:cNvPr id="19" name="Tinta 18">
+                <a:extLst>
+                  <a:ext uri="{FF2B5EF4-FFF2-40B4-BE49-F238E27FC236}">
+                    <a16:creationId xmlns:a16="http://schemas.microsoft.com/office/drawing/2014/main" id="{12A1B3D0-D647-9015-A9AB-C6D395F22360}"/>
+                  </a:ext>
+                </a:extLst>
+              </p:cNvPr>
+              <p:cNvPicPr/>
+              <p:nvPr/>
+            </p:nvPicPr>
+            <p:blipFill>
+              <a:blip r:embed="rId25"/>
+              <a:stretch>
+                <a:fillRect/>
+              </a:stretch>
+            </p:blipFill>
+            <p:spPr>
+              <a:xfrm>
+                <a:off x="4753101" y="3620979"/>
+                <a:ext cx="706320" cy="781560"/>
+              </a:xfrm>
+              <a:prstGeom prst="rect">
+                <a:avLst/>
+              </a:prstGeom>
+            </p:spPr>
+          </p:pic>
+        </mc:Fallback>
+      </mc:AlternateContent>
+      <p:grpSp>
+        <p:nvGrpSpPr>
+          <p:cNvPr id="27" name="Agrupar 26">
+            <a:extLst>
+              <a:ext uri="{FF2B5EF4-FFF2-40B4-BE49-F238E27FC236}">
+                <a16:creationId xmlns:a16="http://schemas.microsoft.com/office/drawing/2014/main" id="{51E8BED6-3D46-192E-5C8E-EE830F61EE5E}"/>
+              </a:ext>
+            </a:extLst>
+          </p:cNvPr>
+          <p:cNvGrpSpPr/>
+          <p:nvPr/>
+        </p:nvGrpSpPr>
+        <p:grpSpPr>
+          <a:xfrm>
+            <a:off x="4575621" y="1136619"/>
+            <a:ext cx="308160" cy="321840"/>
+            <a:chOff x="4575621" y="1136619"/>
+            <a:chExt cx="308160" cy="321840"/>
+          </a:xfrm>
+        </p:grpSpPr>
+        <mc:AlternateContent xmlns:mc="http://schemas.openxmlformats.org/markup-compatibility/2006">
+          <mc:Choice xmlns:p14="http://schemas.microsoft.com/office/powerpoint/2010/main" xmlns:aink="http://schemas.microsoft.com/office/drawing/2016/ink" Requires="p14 aink">
+            <p:contentPart p14:bwMode="auto" r:id="rId26">
+              <p14:nvContentPartPr>
+                <p14:cNvPr id="25" name="Tinta 24">
+                  <a:extLst>
+                    <a:ext uri="{FF2B5EF4-FFF2-40B4-BE49-F238E27FC236}">
+                      <a16:creationId xmlns:a16="http://schemas.microsoft.com/office/drawing/2014/main" id="{140F7637-B94F-0928-81C2-C05DAEA0EDE8}"/>
+                    </a:ext>
+                  </a:extLst>
+                </p14:cNvPr>
+                <p14:cNvContentPartPr/>
+                <p14:nvPr/>
+              </p14:nvContentPartPr>
+              <p14:xfrm>
+                <a:off x="4616661" y="1136619"/>
+                <a:ext cx="119520" cy="321840"/>
+              </p14:xfrm>
+            </p:contentPart>
+          </mc:Choice>
+          <mc:Fallback>
+            <p:pic>
+              <p:nvPicPr>
+                <p:cNvPr id="25" name="Tinta 24">
+                  <a:extLst>
+                    <a:ext uri="{FF2B5EF4-FFF2-40B4-BE49-F238E27FC236}">
+                      <a16:creationId xmlns:a16="http://schemas.microsoft.com/office/drawing/2014/main" id="{140F7637-B94F-0928-81C2-C05DAEA0EDE8}"/>
+                    </a:ext>
+                  </a:extLst>
+                </p:cNvPr>
+                <p:cNvPicPr/>
+                <p:nvPr/>
+              </p:nvPicPr>
+              <p:blipFill>
+                <a:blip r:embed="rId27"/>
+                <a:stretch>
+                  <a:fillRect/>
+                </a:stretch>
+              </p:blipFill>
+              <p:spPr>
+                <a:xfrm>
+                  <a:off x="4598661" y="1118979"/>
+                  <a:ext cx="155160" cy="357480"/>
+                </a:xfrm>
+                <a:prstGeom prst="rect">
+                  <a:avLst/>
+                </a:prstGeom>
+              </p:spPr>
+            </p:pic>
+          </mc:Fallback>
+        </mc:AlternateContent>
+        <mc:AlternateContent xmlns:mc="http://schemas.openxmlformats.org/markup-compatibility/2006">
+          <mc:Choice xmlns:p14="http://schemas.microsoft.com/office/powerpoint/2010/main" xmlns:aink="http://schemas.microsoft.com/office/drawing/2016/ink" Requires="p14 aink">
+            <p:contentPart p14:bwMode="auto" r:id="rId28">
+              <p14:nvContentPartPr>
+                <p14:cNvPr id="26" name="Tinta 25">
+                  <a:extLst>
+                    <a:ext uri="{FF2B5EF4-FFF2-40B4-BE49-F238E27FC236}">
+                      <a16:creationId xmlns:a16="http://schemas.microsoft.com/office/drawing/2014/main" id="{D0C6C9C1-4F9E-D146-0010-5F74C3E0DFC6}"/>
+                    </a:ext>
+                  </a:extLst>
+                </p14:cNvPr>
+                <p14:cNvContentPartPr/>
+                <p14:nvPr/>
+              </p14:nvContentPartPr>
+              <p14:xfrm>
+                <a:off x="4575621" y="1328499"/>
+                <a:ext cx="308160" cy="124560"/>
+              </p14:xfrm>
+            </p:contentPart>
+          </mc:Choice>
+          <mc:Fallback>
+            <p:pic>
+              <p:nvPicPr>
+                <p:cNvPr id="26" name="Tinta 25">
+                  <a:extLst>
+                    <a:ext uri="{FF2B5EF4-FFF2-40B4-BE49-F238E27FC236}">
+                      <a16:creationId xmlns:a16="http://schemas.microsoft.com/office/drawing/2014/main" id="{D0C6C9C1-4F9E-D146-0010-5F74C3E0DFC6}"/>
+                    </a:ext>
+                  </a:extLst>
+                </p:cNvPr>
+                <p:cNvPicPr/>
+                <p:nvPr/>
+              </p:nvPicPr>
+              <p:blipFill>
+                <a:blip r:embed="rId29"/>
+                <a:stretch>
+                  <a:fillRect/>
+                </a:stretch>
+              </p:blipFill>
+              <p:spPr>
+                <a:xfrm>
+                  <a:off x="4557981" y="1310859"/>
+                  <a:ext cx="343800" cy="160200"/>
+                </a:xfrm>
+                <a:prstGeom prst="rect">
+                  <a:avLst/>
+                </a:prstGeom>
+              </p:spPr>
+            </p:pic>
+          </mc:Fallback>
+        </mc:AlternateContent>
+      </p:grpSp>
+      <p:grpSp>
+        <p:nvGrpSpPr>
+          <p:cNvPr id="30" name="Agrupar 29">
+            <a:extLst>
+              <a:ext uri="{FF2B5EF4-FFF2-40B4-BE49-F238E27FC236}">
+                <a16:creationId xmlns:a16="http://schemas.microsoft.com/office/drawing/2014/main" id="{9FE46551-E44D-C641-6A37-4BD53C73AA2F}"/>
+              </a:ext>
+            </a:extLst>
+          </p:cNvPr>
+          <p:cNvGrpSpPr/>
+          <p:nvPr/>
+        </p:nvGrpSpPr>
+        <p:grpSpPr>
+          <a:xfrm>
+            <a:off x="5830581" y="2348739"/>
+            <a:ext cx="222480" cy="254880"/>
+            <a:chOff x="5830581" y="2348739"/>
+            <a:chExt cx="222480" cy="254880"/>
+          </a:xfrm>
+        </p:grpSpPr>
+        <mc:AlternateContent xmlns:mc="http://schemas.openxmlformats.org/markup-compatibility/2006">
+          <mc:Choice xmlns:p14="http://schemas.microsoft.com/office/powerpoint/2010/main" xmlns:aink="http://schemas.microsoft.com/office/drawing/2016/ink" Requires="p14 aink">
+            <p:contentPart p14:bwMode="auto" r:id="rId30">
+              <p14:nvContentPartPr>
+                <p14:cNvPr id="28" name="Tinta 27">
+                  <a:extLst>
+                    <a:ext uri="{FF2B5EF4-FFF2-40B4-BE49-F238E27FC236}">
+                      <a16:creationId xmlns:a16="http://schemas.microsoft.com/office/drawing/2014/main" id="{0636409B-7DA7-0990-3AB5-EF36227160D7}"/>
+                    </a:ext>
+                  </a:extLst>
+                </p14:cNvPr>
+                <p14:cNvContentPartPr/>
+                <p14:nvPr/>
+              </p14:nvContentPartPr>
+              <p14:xfrm>
+                <a:off x="5923821" y="2348739"/>
+                <a:ext cx="86760" cy="254880"/>
+              </p14:xfrm>
+            </p:contentPart>
+          </mc:Choice>
+          <mc:Fallback>
+            <p:pic>
+              <p:nvPicPr>
+                <p:cNvPr id="28" name="Tinta 27">
+                  <a:extLst>
+                    <a:ext uri="{FF2B5EF4-FFF2-40B4-BE49-F238E27FC236}">
+                      <a16:creationId xmlns:a16="http://schemas.microsoft.com/office/drawing/2014/main" id="{0636409B-7DA7-0990-3AB5-EF36227160D7}"/>
+                    </a:ext>
+                  </a:extLst>
+                </p:cNvPr>
+                <p:cNvPicPr/>
+                <p:nvPr/>
+              </p:nvPicPr>
+              <p:blipFill>
+                <a:blip r:embed="rId31"/>
+                <a:stretch>
+                  <a:fillRect/>
+                </a:stretch>
+              </p:blipFill>
+              <p:spPr>
+                <a:xfrm>
+                  <a:off x="5905821" y="2331099"/>
+                  <a:ext cx="122400" cy="290520"/>
+                </a:xfrm>
+                <a:prstGeom prst="rect">
+                  <a:avLst/>
+                </a:prstGeom>
+              </p:spPr>
+            </p:pic>
+          </mc:Fallback>
+        </mc:AlternateContent>
+        <mc:AlternateContent xmlns:mc="http://schemas.openxmlformats.org/markup-compatibility/2006">
+          <mc:Choice xmlns:p14="http://schemas.microsoft.com/office/powerpoint/2010/main" xmlns:aink="http://schemas.microsoft.com/office/drawing/2016/ink" Requires="p14 aink">
+            <p:contentPart p14:bwMode="auto" r:id="rId32">
+              <p14:nvContentPartPr>
+                <p14:cNvPr id="29" name="Tinta 28">
+                  <a:extLst>
+                    <a:ext uri="{FF2B5EF4-FFF2-40B4-BE49-F238E27FC236}">
+                      <a16:creationId xmlns:a16="http://schemas.microsoft.com/office/drawing/2014/main" id="{5693AA22-71D0-7733-8440-A84D9D91C398}"/>
+                    </a:ext>
+                  </a:extLst>
+                </p14:cNvPr>
+                <p14:cNvContentPartPr/>
+                <p14:nvPr/>
+              </p14:nvContentPartPr>
+              <p14:xfrm>
+                <a:off x="5830581" y="2519379"/>
+                <a:ext cx="222480" cy="45720"/>
+              </p14:xfrm>
+            </p:contentPart>
+          </mc:Choice>
+          <mc:Fallback>
+            <p:pic>
+              <p:nvPicPr>
+                <p:cNvPr id="29" name="Tinta 28">
+                  <a:extLst>
+                    <a:ext uri="{FF2B5EF4-FFF2-40B4-BE49-F238E27FC236}">
+                      <a16:creationId xmlns:a16="http://schemas.microsoft.com/office/drawing/2014/main" id="{5693AA22-71D0-7733-8440-A84D9D91C398}"/>
+                    </a:ext>
+                  </a:extLst>
+                </p:cNvPr>
+                <p:cNvPicPr/>
+                <p:nvPr/>
+              </p:nvPicPr>
+              <p:blipFill>
+                <a:blip r:embed="rId33"/>
+                <a:stretch>
+                  <a:fillRect/>
+                </a:stretch>
+              </p:blipFill>
+              <p:spPr>
+                <a:xfrm>
+                  <a:off x="5812581" y="2501379"/>
+                  <a:ext cx="258120" cy="81360"/>
+                </a:xfrm>
+                <a:prstGeom prst="rect">
+                  <a:avLst/>
+                </a:prstGeom>
+              </p:spPr>
+            </p:pic>
+          </mc:Fallback>
+        </mc:AlternateContent>
+      </p:grpSp>
+      <p:grpSp>
+        <p:nvGrpSpPr>
+          <p:cNvPr id="43" name="Agrupar 42">
+            <a:extLst>
+              <a:ext uri="{FF2B5EF4-FFF2-40B4-BE49-F238E27FC236}">
+                <a16:creationId xmlns:a16="http://schemas.microsoft.com/office/drawing/2014/main" id="{4C7B96E5-3D7B-75CA-D898-613E04B9534F}"/>
+              </a:ext>
+            </a:extLst>
+          </p:cNvPr>
+          <p:cNvGrpSpPr/>
+          <p:nvPr/>
+        </p:nvGrpSpPr>
+        <p:grpSpPr>
+          <a:xfrm>
+            <a:off x="5333851" y="3219381"/>
+            <a:ext cx="2232720" cy="2109240"/>
+            <a:chOff x="5351781" y="3245139"/>
+            <a:chExt cx="2232720" cy="2109240"/>
+          </a:xfrm>
+        </p:grpSpPr>
+        <mc:AlternateContent xmlns:mc="http://schemas.openxmlformats.org/markup-compatibility/2006">
+          <mc:Choice xmlns:p14="http://schemas.microsoft.com/office/powerpoint/2010/main" xmlns:aink="http://schemas.microsoft.com/office/drawing/2016/ink" Requires="p14 aink">
+            <p:contentPart p14:bwMode="auto" r:id="rId34">
+              <p14:nvContentPartPr>
+                <p14:cNvPr id="31" name="Tinta 30">
+                  <a:extLst>
+                    <a:ext uri="{FF2B5EF4-FFF2-40B4-BE49-F238E27FC236}">
+                      <a16:creationId xmlns:a16="http://schemas.microsoft.com/office/drawing/2014/main" id="{FEE3FAAA-B9CC-E498-C712-0DE926FC3974}"/>
+                    </a:ext>
+                  </a:extLst>
+                </p14:cNvPr>
+                <p14:cNvContentPartPr/>
+                <p14:nvPr/>
+              </p14:nvContentPartPr>
+              <p14:xfrm>
+                <a:off x="5351781" y="3554379"/>
+                <a:ext cx="448920" cy="1656720"/>
+              </p14:xfrm>
+            </p:contentPart>
+          </mc:Choice>
+          <mc:Fallback>
+            <p:pic>
+              <p:nvPicPr>
+                <p:cNvPr id="31" name="Tinta 30">
+                  <a:extLst>
+                    <a:ext uri="{FF2B5EF4-FFF2-40B4-BE49-F238E27FC236}">
+                      <a16:creationId xmlns:a16="http://schemas.microsoft.com/office/drawing/2014/main" id="{FEE3FAAA-B9CC-E498-C712-0DE926FC3974}"/>
+                    </a:ext>
+                  </a:extLst>
+                </p:cNvPr>
+                <p:cNvPicPr/>
+                <p:nvPr/>
+              </p:nvPicPr>
+              <p:blipFill>
+                <a:blip r:embed="rId35"/>
+                <a:stretch>
+                  <a:fillRect/>
+                </a:stretch>
+              </p:blipFill>
+              <p:spPr>
+                <a:xfrm>
+                  <a:off x="5334141" y="3536739"/>
+                  <a:ext cx="484560" cy="1692360"/>
+                </a:xfrm>
+                <a:prstGeom prst="rect">
+                  <a:avLst/>
+                </a:prstGeom>
+              </p:spPr>
+            </p:pic>
+          </mc:Fallback>
+        </mc:AlternateContent>
+        <mc:AlternateContent xmlns:mc="http://schemas.openxmlformats.org/markup-compatibility/2006">
+          <mc:Choice xmlns:p14="http://schemas.microsoft.com/office/powerpoint/2010/main" xmlns:aink="http://schemas.microsoft.com/office/drawing/2016/ink" Requires="p14 aink">
+            <p:contentPart p14:bwMode="auto" r:id="rId36">
+              <p14:nvContentPartPr>
+                <p14:cNvPr id="32" name="Tinta 31">
+                  <a:extLst>
+                    <a:ext uri="{FF2B5EF4-FFF2-40B4-BE49-F238E27FC236}">
+                      <a16:creationId xmlns:a16="http://schemas.microsoft.com/office/drawing/2014/main" id="{BFA1A700-B79E-139C-CBAC-AA7B1EBB3DB4}"/>
+                    </a:ext>
+                  </a:extLst>
+                </p14:cNvPr>
+                <p14:cNvContentPartPr/>
+                <p14:nvPr/>
+              </p14:nvContentPartPr>
+              <p14:xfrm>
+                <a:off x="5511261" y="3510099"/>
+                <a:ext cx="2073240" cy="1844280"/>
+              </p14:xfrm>
+            </p:contentPart>
+          </mc:Choice>
+          <mc:Fallback>
+            <p:pic>
+              <p:nvPicPr>
+                <p:cNvPr id="32" name="Tinta 31">
+                  <a:extLst>
+                    <a:ext uri="{FF2B5EF4-FFF2-40B4-BE49-F238E27FC236}">
+                      <a16:creationId xmlns:a16="http://schemas.microsoft.com/office/drawing/2014/main" id="{BFA1A700-B79E-139C-CBAC-AA7B1EBB3DB4}"/>
+                    </a:ext>
+                  </a:extLst>
+                </p:cNvPr>
+                <p:cNvPicPr/>
+                <p:nvPr/>
+              </p:nvPicPr>
+              <p:blipFill>
+                <a:blip r:embed="rId37"/>
+                <a:stretch>
+                  <a:fillRect/>
+                </a:stretch>
+              </p:blipFill>
+              <p:spPr>
+                <a:xfrm>
+                  <a:off x="5493621" y="3492099"/>
+                  <a:ext cx="2108880" cy="1879920"/>
+                </a:xfrm>
+                <a:prstGeom prst="rect">
+                  <a:avLst/>
+                </a:prstGeom>
+              </p:spPr>
+            </p:pic>
+          </mc:Fallback>
+        </mc:AlternateContent>
+        <mc:AlternateContent xmlns:mc="http://schemas.openxmlformats.org/markup-compatibility/2006">
+          <mc:Choice xmlns:p14="http://schemas.microsoft.com/office/powerpoint/2010/main" xmlns:aink="http://schemas.microsoft.com/office/drawing/2016/ink" Requires="p14 aink">
+            <p:contentPart p14:bwMode="auto" r:id="rId38">
+              <p14:nvContentPartPr>
+                <p14:cNvPr id="34" name="Tinta 33">
+                  <a:extLst>
+                    <a:ext uri="{FF2B5EF4-FFF2-40B4-BE49-F238E27FC236}">
+                      <a16:creationId xmlns:a16="http://schemas.microsoft.com/office/drawing/2014/main" id="{D58EF779-F272-5D35-B648-8548EE464C2B}"/>
+                    </a:ext>
+                  </a:extLst>
+                </p14:cNvPr>
+                <p14:cNvContentPartPr/>
+                <p14:nvPr/>
+              </p14:nvContentPartPr>
+              <p14:xfrm>
+                <a:off x="6759381" y="3245139"/>
+                <a:ext cx="104760" cy="267480"/>
+              </p14:xfrm>
+            </p:contentPart>
+          </mc:Choice>
+          <mc:Fallback>
+            <p:pic>
+              <p:nvPicPr>
+                <p:cNvPr id="34" name="Tinta 33">
+                  <a:extLst>
+                    <a:ext uri="{FF2B5EF4-FFF2-40B4-BE49-F238E27FC236}">
+                      <a16:creationId xmlns:a16="http://schemas.microsoft.com/office/drawing/2014/main" id="{D58EF779-F272-5D35-B648-8548EE464C2B}"/>
+                    </a:ext>
+                  </a:extLst>
+                </p:cNvPr>
+                <p:cNvPicPr/>
+                <p:nvPr/>
+              </p:nvPicPr>
+              <p:blipFill>
+                <a:blip r:embed="rId39"/>
+                <a:stretch>
+                  <a:fillRect/>
+                </a:stretch>
+              </p:blipFill>
+              <p:spPr>
+                <a:xfrm>
+                  <a:off x="6741381" y="3227139"/>
+                  <a:ext cx="140400" cy="303120"/>
+                </a:xfrm>
+                <a:prstGeom prst="rect">
+                  <a:avLst/>
+                </a:prstGeom>
+              </p:spPr>
+            </p:pic>
+          </mc:Fallback>
+        </mc:AlternateContent>
+        <mc:AlternateContent xmlns:mc="http://schemas.openxmlformats.org/markup-compatibility/2006">
+          <mc:Choice xmlns:p14="http://schemas.microsoft.com/office/powerpoint/2010/main" xmlns:aink="http://schemas.microsoft.com/office/drawing/2016/ink" Requires="p14 aink">
+            <p:contentPart p14:bwMode="auto" r:id="rId40">
+              <p14:nvContentPartPr>
+                <p14:cNvPr id="35" name="Tinta 34">
+                  <a:extLst>
+                    <a:ext uri="{FF2B5EF4-FFF2-40B4-BE49-F238E27FC236}">
+                      <a16:creationId xmlns:a16="http://schemas.microsoft.com/office/drawing/2014/main" id="{9E1DA27A-452C-8AA8-C29A-201A2BB944B7}"/>
+                    </a:ext>
+                  </a:extLst>
+                </p14:cNvPr>
+                <p14:cNvContentPartPr/>
+                <p14:nvPr/>
+              </p14:nvContentPartPr>
+              <p14:xfrm>
+                <a:off x="6669381" y="3406419"/>
+                <a:ext cx="325800" cy="63000"/>
+              </p14:xfrm>
+            </p:contentPart>
+          </mc:Choice>
+          <mc:Fallback>
+            <p:pic>
+              <p:nvPicPr>
+                <p:cNvPr id="35" name="Tinta 34">
+                  <a:extLst>
+                    <a:ext uri="{FF2B5EF4-FFF2-40B4-BE49-F238E27FC236}">
+                      <a16:creationId xmlns:a16="http://schemas.microsoft.com/office/drawing/2014/main" id="{9E1DA27A-452C-8AA8-C29A-201A2BB944B7}"/>
+                    </a:ext>
+                  </a:extLst>
+                </p:cNvPr>
+                <p:cNvPicPr/>
+                <p:nvPr/>
+              </p:nvPicPr>
+              <p:blipFill>
+                <a:blip r:embed="rId41"/>
+                <a:stretch>
+                  <a:fillRect/>
+                </a:stretch>
+              </p:blipFill>
+              <p:spPr>
+                <a:xfrm>
+                  <a:off x="6651741" y="3388419"/>
+                  <a:ext cx="361440" cy="98640"/>
+                </a:xfrm>
+                <a:prstGeom prst="rect">
+                  <a:avLst/>
+                </a:prstGeom>
+              </p:spPr>
+            </p:pic>
+          </mc:Fallback>
+        </mc:AlternateContent>
+        <mc:AlternateContent xmlns:mc="http://schemas.openxmlformats.org/markup-compatibility/2006">
+          <mc:Choice xmlns:p14="http://schemas.microsoft.com/office/powerpoint/2010/main" xmlns:aink="http://schemas.microsoft.com/office/drawing/2016/ink" Requires="p14 aink">
+            <p:contentPart p14:bwMode="auto" r:id="rId42">
+              <p14:nvContentPartPr>
+                <p14:cNvPr id="37" name="Tinta 36">
+                  <a:extLst>
+                    <a:ext uri="{FF2B5EF4-FFF2-40B4-BE49-F238E27FC236}">
+                      <a16:creationId xmlns:a16="http://schemas.microsoft.com/office/drawing/2014/main" id="{A1064C37-2133-BE84-87E0-9CE5219E81AE}"/>
+                    </a:ext>
+                  </a:extLst>
+                </p14:cNvPr>
+                <p14:cNvContentPartPr/>
+                <p14:nvPr/>
+              </p14:nvContentPartPr>
+              <p14:xfrm>
+                <a:off x="6266181" y="4824099"/>
+                <a:ext cx="243720" cy="305640"/>
+              </p14:xfrm>
+            </p:contentPart>
+          </mc:Choice>
+          <mc:Fallback>
+            <p:pic>
+              <p:nvPicPr>
+                <p:cNvPr id="37" name="Tinta 36">
+                  <a:extLst>
+                    <a:ext uri="{FF2B5EF4-FFF2-40B4-BE49-F238E27FC236}">
+                      <a16:creationId xmlns:a16="http://schemas.microsoft.com/office/drawing/2014/main" id="{A1064C37-2133-BE84-87E0-9CE5219E81AE}"/>
+                    </a:ext>
+                  </a:extLst>
+                </p:cNvPr>
+                <p:cNvPicPr/>
+                <p:nvPr/>
+              </p:nvPicPr>
+              <p:blipFill>
+                <a:blip r:embed="rId43"/>
+                <a:stretch>
+                  <a:fillRect/>
+                </a:stretch>
+              </p:blipFill>
+              <p:spPr>
+                <a:xfrm>
+                  <a:off x="6248541" y="4806099"/>
+                  <a:ext cx="279360" cy="341280"/>
+                </a:xfrm>
+                <a:prstGeom prst="rect">
+                  <a:avLst/>
+                </a:prstGeom>
+              </p:spPr>
+            </p:pic>
+          </mc:Fallback>
+        </mc:AlternateContent>
+        <mc:AlternateContent xmlns:mc="http://schemas.openxmlformats.org/markup-compatibility/2006">
+          <mc:Choice xmlns:p14="http://schemas.microsoft.com/office/powerpoint/2010/main" xmlns:aink="http://schemas.microsoft.com/office/drawing/2016/ink" Requires="p14 aink">
+            <p:contentPart p14:bwMode="auto" r:id="rId44">
+              <p14:nvContentPartPr>
+                <p14:cNvPr id="38" name="Tinta 37">
+                  <a:extLst>
+                    <a:ext uri="{FF2B5EF4-FFF2-40B4-BE49-F238E27FC236}">
+                      <a16:creationId xmlns:a16="http://schemas.microsoft.com/office/drawing/2014/main" id="{902F2942-8E00-5F30-1A19-B6BAD82B9232}"/>
+                    </a:ext>
+                  </a:extLst>
+                </p14:cNvPr>
+                <p14:cNvContentPartPr/>
+                <p14:nvPr/>
+              </p14:nvContentPartPr>
+              <p14:xfrm>
+                <a:off x="6590901" y="4911939"/>
+                <a:ext cx="154080" cy="199800"/>
+              </p14:xfrm>
+            </p:contentPart>
+          </mc:Choice>
+          <mc:Fallback>
+            <p:pic>
+              <p:nvPicPr>
+                <p:cNvPr id="38" name="Tinta 37">
+                  <a:extLst>
+                    <a:ext uri="{FF2B5EF4-FFF2-40B4-BE49-F238E27FC236}">
+                      <a16:creationId xmlns:a16="http://schemas.microsoft.com/office/drawing/2014/main" id="{902F2942-8E00-5F30-1A19-B6BAD82B9232}"/>
+                    </a:ext>
+                  </a:extLst>
+                </p:cNvPr>
+                <p:cNvPicPr/>
+                <p:nvPr/>
+              </p:nvPicPr>
+              <p:blipFill>
+                <a:blip r:embed="rId45"/>
+                <a:stretch>
+                  <a:fillRect/>
+                </a:stretch>
+              </p:blipFill>
+              <p:spPr>
+                <a:xfrm>
+                  <a:off x="6572901" y="4894299"/>
+                  <a:ext cx="189720" cy="235440"/>
+                </a:xfrm>
+                <a:prstGeom prst="rect">
+                  <a:avLst/>
+                </a:prstGeom>
+              </p:spPr>
+            </p:pic>
+          </mc:Fallback>
+        </mc:AlternateContent>
+        <mc:AlternateContent xmlns:mc="http://schemas.openxmlformats.org/markup-compatibility/2006">
+          <mc:Choice xmlns:p14="http://schemas.microsoft.com/office/powerpoint/2010/main" xmlns:aink="http://schemas.microsoft.com/office/drawing/2016/ink" Requires="p14 aink">
+            <p:contentPart p14:bwMode="auto" r:id="rId46">
+              <p14:nvContentPartPr>
+                <p14:cNvPr id="39" name="Tinta 38">
+                  <a:extLst>
+                    <a:ext uri="{FF2B5EF4-FFF2-40B4-BE49-F238E27FC236}">
+                      <a16:creationId xmlns:a16="http://schemas.microsoft.com/office/drawing/2014/main" id="{794EBDD3-B655-2D0D-B0FC-4DE2F9FF0B84}"/>
+                    </a:ext>
+                  </a:extLst>
+                </p14:cNvPr>
+                <p14:cNvContentPartPr/>
+                <p14:nvPr/>
+              </p14:nvContentPartPr>
+              <p14:xfrm>
+                <a:off x="6741021" y="4881699"/>
+                <a:ext cx="259200" cy="234000"/>
+              </p14:xfrm>
+            </p:contentPart>
+          </mc:Choice>
+          <mc:Fallback>
+            <p:pic>
+              <p:nvPicPr>
+                <p:cNvPr id="39" name="Tinta 38">
+                  <a:extLst>
+                    <a:ext uri="{FF2B5EF4-FFF2-40B4-BE49-F238E27FC236}">
+                      <a16:creationId xmlns:a16="http://schemas.microsoft.com/office/drawing/2014/main" id="{794EBDD3-B655-2D0D-B0FC-4DE2F9FF0B84}"/>
+                    </a:ext>
+                  </a:extLst>
+                </p:cNvPr>
+                <p:cNvPicPr/>
+                <p:nvPr/>
+              </p:nvPicPr>
+              <p:blipFill>
+                <a:blip r:embed="rId47"/>
+                <a:stretch>
+                  <a:fillRect/>
+                </a:stretch>
+              </p:blipFill>
+              <p:spPr>
+                <a:xfrm>
+                  <a:off x="6723381" y="4864059"/>
+                  <a:ext cx="294840" cy="269640"/>
+                </a:xfrm>
+                <a:prstGeom prst="rect">
+                  <a:avLst/>
+                </a:prstGeom>
+              </p:spPr>
+            </p:pic>
+          </mc:Fallback>
+        </mc:AlternateContent>
+        <mc:AlternateContent xmlns:mc="http://schemas.openxmlformats.org/markup-compatibility/2006">
+          <mc:Choice xmlns:p14="http://schemas.microsoft.com/office/powerpoint/2010/main" xmlns:aink="http://schemas.microsoft.com/office/drawing/2016/ink" Requires="p14 aink">
+            <p:contentPart p14:bwMode="auto" r:id="rId48">
+              <p14:nvContentPartPr>
+                <p14:cNvPr id="40" name="Tinta 39">
+                  <a:extLst>
+                    <a:ext uri="{FF2B5EF4-FFF2-40B4-BE49-F238E27FC236}">
+                      <a16:creationId xmlns:a16="http://schemas.microsoft.com/office/drawing/2014/main" id="{C39DCDA2-7AFB-72AD-AA72-D7DC3C012746}"/>
+                    </a:ext>
+                  </a:extLst>
+                </p14:cNvPr>
+                <p14:cNvContentPartPr/>
+                <p14:nvPr/>
+              </p14:nvContentPartPr>
+              <p14:xfrm>
+                <a:off x="7055301" y="4792779"/>
+                <a:ext cx="188280" cy="245160"/>
+              </p14:xfrm>
+            </p:contentPart>
+          </mc:Choice>
+          <mc:Fallback>
+            <p:pic>
+              <p:nvPicPr>
+                <p:cNvPr id="40" name="Tinta 39">
+                  <a:extLst>
+                    <a:ext uri="{FF2B5EF4-FFF2-40B4-BE49-F238E27FC236}">
+                      <a16:creationId xmlns:a16="http://schemas.microsoft.com/office/drawing/2014/main" id="{C39DCDA2-7AFB-72AD-AA72-D7DC3C012746}"/>
+                    </a:ext>
+                  </a:extLst>
+                </p:cNvPr>
+                <p:cNvPicPr/>
+                <p:nvPr/>
+              </p:nvPicPr>
+              <p:blipFill>
+                <a:blip r:embed="rId49"/>
+                <a:stretch>
+                  <a:fillRect/>
+                </a:stretch>
+              </p:blipFill>
+              <p:spPr>
+                <a:xfrm>
+                  <a:off x="7037301" y="4775139"/>
+                  <a:ext cx="223920" cy="280800"/>
+                </a:xfrm>
+                <a:prstGeom prst="rect">
+                  <a:avLst/>
+                </a:prstGeom>
+              </p:spPr>
+            </p:pic>
+          </mc:Fallback>
+        </mc:AlternateContent>
+        <mc:AlternateContent xmlns:mc="http://schemas.openxmlformats.org/markup-compatibility/2006">
+          <mc:Choice xmlns:p14="http://schemas.microsoft.com/office/powerpoint/2010/main" xmlns:aink="http://schemas.microsoft.com/office/drawing/2016/ink" Requires="p14 aink">
+            <p:contentPart p14:bwMode="auto" r:id="rId50">
+              <p14:nvContentPartPr>
+                <p14:cNvPr id="41" name="Tinta 40">
+                  <a:extLst>
+                    <a:ext uri="{FF2B5EF4-FFF2-40B4-BE49-F238E27FC236}">
+                      <a16:creationId xmlns:a16="http://schemas.microsoft.com/office/drawing/2014/main" id="{1163BE6B-A8FD-A4BB-8D63-6513EFBA0EB6}"/>
+                    </a:ext>
+                  </a:extLst>
+                </p14:cNvPr>
+                <p14:cNvContentPartPr/>
+                <p14:nvPr/>
+              </p14:nvContentPartPr>
+              <p14:xfrm>
+                <a:off x="7044141" y="4717539"/>
+                <a:ext cx="118080" cy="42840"/>
+              </p14:xfrm>
+            </p:contentPart>
+          </mc:Choice>
+          <mc:Fallback>
+            <p:pic>
+              <p:nvPicPr>
+                <p:cNvPr id="41" name="Tinta 40">
+                  <a:extLst>
+                    <a:ext uri="{FF2B5EF4-FFF2-40B4-BE49-F238E27FC236}">
+                      <a16:creationId xmlns:a16="http://schemas.microsoft.com/office/drawing/2014/main" id="{1163BE6B-A8FD-A4BB-8D63-6513EFBA0EB6}"/>
+                    </a:ext>
+                  </a:extLst>
+                </p:cNvPr>
+                <p:cNvPicPr/>
+                <p:nvPr/>
+              </p:nvPicPr>
+              <p:blipFill>
+                <a:blip r:embed="rId51"/>
+                <a:stretch>
+                  <a:fillRect/>
+                </a:stretch>
+              </p:blipFill>
+              <p:spPr>
+                <a:xfrm>
+                  <a:off x="7026141" y="4699539"/>
+                  <a:ext cx="153720" cy="78480"/>
+                </a:xfrm>
+                <a:prstGeom prst="rect">
+                  <a:avLst/>
+                </a:prstGeom>
+              </p:spPr>
+            </p:pic>
+          </mc:Fallback>
+        </mc:AlternateContent>
+        <mc:AlternateContent xmlns:mc="http://schemas.openxmlformats.org/markup-compatibility/2006">
+          <mc:Choice xmlns:p14="http://schemas.microsoft.com/office/powerpoint/2010/main" xmlns:aink="http://schemas.microsoft.com/office/drawing/2016/ink" Requires="p14 aink">
+            <p:contentPart p14:bwMode="auto" r:id="rId52">
+              <p14:nvContentPartPr>
+                <p14:cNvPr id="42" name="Tinta 41">
+                  <a:extLst>
+                    <a:ext uri="{FF2B5EF4-FFF2-40B4-BE49-F238E27FC236}">
+                      <a16:creationId xmlns:a16="http://schemas.microsoft.com/office/drawing/2014/main" id="{5741CF13-6EEA-2123-7AD5-D648215F564A}"/>
+                    </a:ext>
+                  </a:extLst>
+                </p14:cNvPr>
+                <p14:cNvContentPartPr/>
+                <p14:nvPr/>
+              </p14:nvContentPartPr>
+              <p14:xfrm>
+                <a:off x="7045941" y="4878459"/>
+                <a:ext cx="150840" cy="52560"/>
+              </p14:xfrm>
+            </p:contentPart>
+          </mc:Choice>
+          <mc:Fallback>
+            <p:pic>
+              <p:nvPicPr>
+                <p:cNvPr id="42" name="Tinta 41">
+                  <a:extLst>
+                    <a:ext uri="{FF2B5EF4-FFF2-40B4-BE49-F238E27FC236}">
+                      <a16:creationId xmlns:a16="http://schemas.microsoft.com/office/drawing/2014/main" id="{5741CF13-6EEA-2123-7AD5-D648215F564A}"/>
+                    </a:ext>
+                  </a:extLst>
+                </p:cNvPr>
+                <p:cNvPicPr/>
+                <p:nvPr/>
+              </p:nvPicPr>
+              <p:blipFill>
+                <a:blip r:embed="rId53"/>
+                <a:stretch>
+                  <a:fillRect/>
+                </a:stretch>
+              </p:blipFill>
+              <p:spPr>
+                <a:xfrm>
+                  <a:off x="7027941" y="4860459"/>
+                  <a:ext cx="186480" cy="88200"/>
+                </a:xfrm>
+                <a:prstGeom prst="rect">
+                  <a:avLst/>
+                </a:prstGeom>
+              </p:spPr>
+            </p:pic>
+          </mc:Fallback>
+        </mc:AlternateContent>
+      </p:grpSp>
     </p:spTree>
     <p:extLst>
       <p:ext uri="{BB962C8B-B14F-4D97-AF65-F5344CB8AC3E}">
